--- a/document/CMS_Board_Project.pptx
+++ b/document/CMS_Board_Project.pptx
@@ -18642,6 +18642,80 @@
           </a:p>
         </p:txBody>
       </p:sp>
+      <p:sp>
+        <p:nvSpPr>
+          <p:cNvPr id="2" name="TextBox 1">
+            <a:extLst>
+              <a:ext uri="{FF2B5EF4-FFF2-40B4-BE49-F238E27FC236}">
+                <a16:creationId xmlns:a16="http://schemas.microsoft.com/office/drawing/2014/main" id="{35CA2706-B854-9FE2-9B6A-3B2E7930A534}"/>
+              </a:ext>
+            </a:extLst>
+          </p:cNvPr>
+          <p:cNvSpPr txBox="1"/>
+          <p:nvPr/>
+        </p:nvSpPr>
+        <p:spPr>
+          <a:xfrm>
+            <a:off x="5168646" y="3195248"/>
+            <a:ext cx="979844" cy="369332"/>
+          </a:xfrm>
+          <a:prstGeom prst="rect">
+            <a:avLst/>
+          </a:prstGeom>
+          <a:noFill/>
+        </p:spPr>
+        <p:txBody>
+          <a:bodyPr wrap="square" rtlCol="0">
+            <a:spAutoFit/>
+          </a:bodyPr>
+          <a:lstStyle/>
+          <a:p>
+            <a:pPr algn="ctr"/>
+            <a:r>
+              <a:rPr lang="en-US" altLang="ko-KR" dirty="0"/>
+              <a:t>Ver. 5.6</a:t>
+            </a:r>
+            <a:endParaRPr lang="ko-KR" altLang="en-US" dirty="0"/>
+          </a:p>
+        </p:txBody>
+      </p:sp>
+      <p:sp>
+        <p:nvSpPr>
+          <p:cNvPr id="3" name="TextBox 2">
+            <a:extLst>
+              <a:ext uri="{FF2B5EF4-FFF2-40B4-BE49-F238E27FC236}">
+                <a16:creationId xmlns:a16="http://schemas.microsoft.com/office/drawing/2014/main" id="{E562915B-1693-3359-905C-0F5659574E81}"/>
+              </a:ext>
+            </a:extLst>
+          </p:cNvPr>
+          <p:cNvSpPr txBox="1"/>
+          <p:nvPr/>
+        </p:nvSpPr>
+        <p:spPr>
+          <a:xfrm>
+            <a:off x="3361454" y="3180480"/>
+            <a:ext cx="1392303" cy="369332"/>
+          </a:xfrm>
+          <a:prstGeom prst="rect">
+            <a:avLst/>
+          </a:prstGeom>
+          <a:noFill/>
+        </p:spPr>
+        <p:txBody>
+          <a:bodyPr wrap="square" rtlCol="0">
+            <a:spAutoFit/>
+          </a:bodyPr>
+          <a:lstStyle/>
+          <a:p>
+            <a:pPr algn="ctr"/>
+            <a:r>
+              <a:rPr lang="en-US" altLang="ko-KR" dirty="0"/>
+              <a:t>bootstrap3</a:t>
+            </a:r>
+            <a:endParaRPr lang="ko-KR" altLang="en-US" dirty="0"/>
+          </a:p>
+        </p:txBody>
+      </p:sp>
     </p:spTree>
     <p:extLst>
       <p:ext uri="{BB962C8B-B14F-4D97-AF65-F5344CB8AC3E}">
@@ -19356,12 +19430,453 @@
           </a:p>
         </p:txBody>
       </p:sp>
+      <p:sp>
+        <p:nvSpPr>
+          <p:cNvPr id="5" name="날짜 개체 틀 3">
+            <a:extLst>
+              <a:ext uri="{FF2B5EF4-FFF2-40B4-BE49-F238E27FC236}">
+                <a16:creationId xmlns:a16="http://schemas.microsoft.com/office/drawing/2014/main" id="{4B71ABDE-697B-D6CE-B3E0-DA3285746F09}"/>
+              </a:ext>
+            </a:extLst>
+          </p:cNvPr>
+          <p:cNvSpPr txBox="1">
+            <a:spLocks/>
+          </p:cNvSpPr>
+          <p:nvPr/>
+        </p:nvSpPr>
+        <p:spPr>
+          <a:xfrm>
+            <a:off x="990600" y="6508750"/>
+            <a:ext cx="2743200" cy="365125"/>
+          </a:xfrm>
+          <a:prstGeom prst="rect">
+            <a:avLst/>
+          </a:prstGeom>
+        </p:spPr>
+        <p:txBody>
+          <a:bodyPr vert="horz" lIns="91440" tIns="45720" rIns="91440" bIns="45720" rtlCol="0" anchor="ctr"/>
+          <a:lstStyle>
+            <a:defPPr rtl="0">
+              <a:defRPr lang="ko-kr"/>
+            </a:defPPr>
+            <a:lvl1pPr marL="0" algn="l" defTabSz="914400" rtl="0" eaLnBrk="1" latinLnBrk="0" hangingPunct="1">
+              <a:defRPr sz="1200" kern="1200" cap="none" spc="0" baseline="0">
+                <a:solidFill>
+                  <a:schemeClr val="tx1">
+                    <a:tint val="75000"/>
+                  </a:schemeClr>
+                </a:solidFill>
+                <a:latin typeface="맑은 고딕" panose="020B0503020000020004" pitchFamily="50" charset="-127"/>
+                <a:ea typeface="맑은 고딕" panose="020B0503020000020004" pitchFamily="50" charset="-127"/>
+                <a:cs typeface="+mn-cs"/>
+              </a:defRPr>
+            </a:lvl1pPr>
+            <a:lvl2pPr marL="457200" algn="l" defTabSz="914400" rtl="0" eaLnBrk="1" latinLnBrk="0" hangingPunct="1">
+              <a:defRPr sz="1800" kern="1200">
+                <a:solidFill>
+                  <a:schemeClr val="tx1"/>
+                </a:solidFill>
+                <a:latin typeface="+mn-lt"/>
+                <a:ea typeface="+mn-ea"/>
+                <a:cs typeface="+mn-cs"/>
+              </a:defRPr>
+            </a:lvl2pPr>
+            <a:lvl3pPr marL="914400" algn="l" defTabSz="914400" rtl="0" eaLnBrk="1" latinLnBrk="0" hangingPunct="1">
+              <a:defRPr sz="1800" kern="1200">
+                <a:solidFill>
+                  <a:schemeClr val="tx1"/>
+                </a:solidFill>
+                <a:latin typeface="+mn-lt"/>
+                <a:ea typeface="+mn-ea"/>
+                <a:cs typeface="+mn-cs"/>
+              </a:defRPr>
+            </a:lvl3pPr>
+            <a:lvl4pPr marL="1371600" algn="l" defTabSz="914400" rtl="0" eaLnBrk="1" latinLnBrk="0" hangingPunct="1">
+              <a:defRPr sz="1800" kern="1200">
+                <a:solidFill>
+                  <a:schemeClr val="tx1"/>
+                </a:solidFill>
+                <a:latin typeface="+mn-lt"/>
+                <a:ea typeface="+mn-ea"/>
+                <a:cs typeface="+mn-cs"/>
+              </a:defRPr>
+            </a:lvl4pPr>
+            <a:lvl5pPr marL="1828800" algn="l" defTabSz="914400" rtl="0" eaLnBrk="1" latinLnBrk="0" hangingPunct="1">
+              <a:defRPr sz="1800" kern="1200">
+                <a:solidFill>
+                  <a:schemeClr val="tx1"/>
+                </a:solidFill>
+                <a:latin typeface="+mn-lt"/>
+                <a:ea typeface="+mn-ea"/>
+                <a:cs typeface="+mn-cs"/>
+              </a:defRPr>
+            </a:lvl5pPr>
+            <a:lvl6pPr marL="2286000" algn="l" defTabSz="914400" rtl="0" eaLnBrk="1" latinLnBrk="0" hangingPunct="1">
+              <a:defRPr sz="1800" kern="1200">
+                <a:solidFill>
+                  <a:schemeClr val="tx1"/>
+                </a:solidFill>
+                <a:latin typeface="+mn-lt"/>
+                <a:ea typeface="+mn-ea"/>
+                <a:cs typeface="+mn-cs"/>
+              </a:defRPr>
+            </a:lvl6pPr>
+            <a:lvl7pPr marL="2743200" algn="l" defTabSz="914400" rtl="0" eaLnBrk="1" latinLnBrk="0" hangingPunct="1">
+              <a:defRPr sz="1800" kern="1200">
+                <a:solidFill>
+                  <a:schemeClr val="tx1"/>
+                </a:solidFill>
+                <a:latin typeface="+mn-lt"/>
+                <a:ea typeface="+mn-ea"/>
+                <a:cs typeface="+mn-cs"/>
+              </a:defRPr>
+            </a:lvl7pPr>
+            <a:lvl8pPr marL="3200400" algn="l" defTabSz="914400" rtl="0" eaLnBrk="1" latinLnBrk="0" hangingPunct="1">
+              <a:defRPr sz="1800" kern="1200">
+                <a:solidFill>
+                  <a:schemeClr val="tx1"/>
+                </a:solidFill>
+                <a:latin typeface="+mn-lt"/>
+                <a:ea typeface="+mn-ea"/>
+                <a:cs typeface="+mn-cs"/>
+              </a:defRPr>
+            </a:lvl8pPr>
+            <a:lvl9pPr marL="3657600" algn="l" defTabSz="914400" rtl="0" eaLnBrk="1" latinLnBrk="0" hangingPunct="1">
+              <a:defRPr sz="1800" kern="1200">
+                <a:solidFill>
+                  <a:schemeClr val="tx1"/>
+                </a:solidFill>
+                <a:latin typeface="+mn-lt"/>
+                <a:ea typeface="+mn-ea"/>
+                <a:cs typeface="+mn-cs"/>
+              </a:defRPr>
+            </a:lvl9pPr>
+          </a:lstStyle>
+          <a:p>
+            <a:pPr>
+              <a:defRPr/>
+            </a:pPr>
+            <a:r>
+              <a:rPr lang="en-US" altLang="ko-KR">
+                <a:solidFill>
+                  <a:prstClr val="black">
+                    <a:tint val="75000"/>
+                  </a:prstClr>
+                </a:solidFill>
+              </a:rPr>
+              <a:t>12/29/2022</a:t>
+            </a:r>
+            <a:endParaRPr lang="en-US" altLang="ko-KR" dirty="0">
+              <a:solidFill>
+                <a:prstClr val="black">
+                  <a:tint val="75000"/>
+                </a:prstClr>
+              </a:solidFill>
+            </a:endParaRPr>
+          </a:p>
+        </p:txBody>
+      </p:sp>
+      <p:sp>
+        <p:nvSpPr>
+          <p:cNvPr id="6" name="바닥글 개체 틀 4">
+            <a:extLst>
+              <a:ext uri="{FF2B5EF4-FFF2-40B4-BE49-F238E27FC236}">
+                <a16:creationId xmlns:a16="http://schemas.microsoft.com/office/drawing/2014/main" id="{B0F22790-DCF3-AAD3-82B1-475A26ED2C5C}"/>
+              </a:ext>
+            </a:extLst>
+          </p:cNvPr>
+          <p:cNvSpPr txBox="1">
+            <a:spLocks/>
+          </p:cNvSpPr>
+          <p:nvPr/>
+        </p:nvSpPr>
+        <p:spPr>
+          <a:xfrm>
+            <a:off x="4191000" y="6508750"/>
+            <a:ext cx="4114800" cy="365125"/>
+          </a:xfrm>
+          <a:prstGeom prst="rect">
+            <a:avLst/>
+          </a:prstGeom>
+        </p:spPr>
+        <p:txBody>
+          <a:bodyPr vert="horz" lIns="91440" tIns="45720" rIns="91440" bIns="45720" rtlCol="0" anchor="ctr"/>
+          <a:lstStyle>
+            <a:defPPr rtl="0">
+              <a:defRPr lang="ko-kr"/>
+            </a:defPPr>
+            <a:lvl1pPr marL="0" algn="ctr" defTabSz="914400" rtl="0" eaLnBrk="1" latinLnBrk="0" hangingPunct="1">
+              <a:defRPr sz="1200" kern="1200" cap="none" spc="0" baseline="0">
+                <a:solidFill>
+                  <a:schemeClr val="tx1">
+                    <a:tint val="75000"/>
+                  </a:schemeClr>
+                </a:solidFill>
+                <a:latin typeface="맑은 고딕" panose="020B0503020000020004" pitchFamily="50" charset="-127"/>
+                <a:ea typeface="맑은 고딕" panose="020B0503020000020004" pitchFamily="50" charset="-127"/>
+                <a:cs typeface="+mn-cs"/>
+              </a:defRPr>
+            </a:lvl1pPr>
+            <a:lvl2pPr marL="457200" algn="l" defTabSz="914400" rtl="0" eaLnBrk="1" latinLnBrk="0" hangingPunct="1">
+              <a:defRPr sz="1800" kern="1200">
+                <a:solidFill>
+                  <a:schemeClr val="tx1"/>
+                </a:solidFill>
+                <a:latin typeface="+mn-lt"/>
+                <a:ea typeface="+mn-ea"/>
+                <a:cs typeface="+mn-cs"/>
+              </a:defRPr>
+            </a:lvl2pPr>
+            <a:lvl3pPr marL="914400" algn="l" defTabSz="914400" rtl="0" eaLnBrk="1" latinLnBrk="0" hangingPunct="1">
+              <a:defRPr sz="1800" kern="1200">
+                <a:solidFill>
+                  <a:schemeClr val="tx1"/>
+                </a:solidFill>
+                <a:latin typeface="+mn-lt"/>
+                <a:ea typeface="+mn-ea"/>
+                <a:cs typeface="+mn-cs"/>
+              </a:defRPr>
+            </a:lvl3pPr>
+            <a:lvl4pPr marL="1371600" algn="l" defTabSz="914400" rtl="0" eaLnBrk="1" latinLnBrk="0" hangingPunct="1">
+              <a:defRPr sz="1800" kern="1200">
+                <a:solidFill>
+                  <a:schemeClr val="tx1"/>
+                </a:solidFill>
+                <a:latin typeface="+mn-lt"/>
+                <a:ea typeface="+mn-ea"/>
+                <a:cs typeface="+mn-cs"/>
+              </a:defRPr>
+            </a:lvl4pPr>
+            <a:lvl5pPr marL="1828800" algn="l" defTabSz="914400" rtl="0" eaLnBrk="1" latinLnBrk="0" hangingPunct="1">
+              <a:defRPr sz="1800" kern="1200">
+                <a:solidFill>
+                  <a:schemeClr val="tx1"/>
+                </a:solidFill>
+                <a:latin typeface="+mn-lt"/>
+                <a:ea typeface="+mn-ea"/>
+                <a:cs typeface="+mn-cs"/>
+              </a:defRPr>
+            </a:lvl5pPr>
+            <a:lvl6pPr marL="2286000" algn="l" defTabSz="914400" rtl="0" eaLnBrk="1" latinLnBrk="0" hangingPunct="1">
+              <a:defRPr sz="1800" kern="1200">
+                <a:solidFill>
+                  <a:schemeClr val="tx1"/>
+                </a:solidFill>
+                <a:latin typeface="+mn-lt"/>
+                <a:ea typeface="+mn-ea"/>
+                <a:cs typeface="+mn-cs"/>
+              </a:defRPr>
+            </a:lvl6pPr>
+            <a:lvl7pPr marL="2743200" algn="l" defTabSz="914400" rtl="0" eaLnBrk="1" latinLnBrk="0" hangingPunct="1">
+              <a:defRPr sz="1800" kern="1200">
+                <a:solidFill>
+                  <a:schemeClr val="tx1"/>
+                </a:solidFill>
+                <a:latin typeface="+mn-lt"/>
+                <a:ea typeface="+mn-ea"/>
+                <a:cs typeface="+mn-cs"/>
+              </a:defRPr>
+            </a:lvl7pPr>
+            <a:lvl8pPr marL="3200400" algn="l" defTabSz="914400" rtl="0" eaLnBrk="1" latinLnBrk="0" hangingPunct="1">
+              <a:defRPr sz="1800" kern="1200">
+                <a:solidFill>
+                  <a:schemeClr val="tx1"/>
+                </a:solidFill>
+                <a:latin typeface="+mn-lt"/>
+                <a:ea typeface="+mn-ea"/>
+                <a:cs typeface="+mn-cs"/>
+              </a:defRPr>
+            </a:lvl8pPr>
+            <a:lvl9pPr marL="3657600" algn="l" defTabSz="914400" rtl="0" eaLnBrk="1" latinLnBrk="0" hangingPunct="1">
+              <a:defRPr sz="1800" kern="1200">
+                <a:solidFill>
+                  <a:schemeClr val="tx1"/>
+                </a:solidFill>
+                <a:latin typeface="+mn-lt"/>
+                <a:ea typeface="+mn-ea"/>
+                <a:cs typeface="+mn-cs"/>
+              </a:defRPr>
+            </a:lvl9pPr>
+          </a:lstStyle>
+          <a:p>
+            <a:pPr>
+              <a:defRPr/>
+            </a:pPr>
+            <a:r>
+              <a:rPr lang="en-US" altLang="ko-KR">
+                <a:solidFill>
+                  <a:prstClr val="black">
+                    <a:tint val="75000"/>
+                  </a:prstClr>
+                </a:solidFill>
+              </a:rPr>
+              <a:t>CMS BOARD PROJECT</a:t>
+            </a:r>
+            <a:endParaRPr lang="ko-KR" altLang="en-US" dirty="0">
+              <a:solidFill>
+                <a:prstClr val="black">
+                  <a:tint val="75000"/>
+                </a:prstClr>
+              </a:solidFill>
+            </a:endParaRPr>
+          </a:p>
+        </p:txBody>
+      </p:sp>
+      <p:sp>
+        <p:nvSpPr>
+          <p:cNvPr id="7" name="슬라이드 번호 개체 틀 5">
+            <a:extLst>
+              <a:ext uri="{FF2B5EF4-FFF2-40B4-BE49-F238E27FC236}">
+                <a16:creationId xmlns:a16="http://schemas.microsoft.com/office/drawing/2014/main" id="{E562BF5E-D70A-7F30-F1C2-4E94C5A3262D}"/>
+              </a:ext>
+            </a:extLst>
+          </p:cNvPr>
+          <p:cNvSpPr txBox="1">
+            <a:spLocks/>
+          </p:cNvSpPr>
+          <p:nvPr/>
+        </p:nvSpPr>
+        <p:spPr>
+          <a:xfrm>
+            <a:off x="8763000" y="6508750"/>
+            <a:ext cx="2743200" cy="365125"/>
+          </a:xfrm>
+          <a:prstGeom prst="rect">
+            <a:avLst/>
+          </a:prstGeom>
+        </p:spPr>
+        <p:txBody>
+          <a:bodyPr vert="horz" lIns="91440" tIns="45720" rIns="91440" bIns="45720" rtlCol="0" anchor="ctr"/>
+          <a:lstStyle>
+            <a:defPPr rtl="0">
+              <a:defRPr lang="ko-kr"/>
+            </a:defPPr>
+            <a:lvl1pPr marL="0" algn="r" defTabSz="914400" rtl="0" eaLnBrk="1" latinLnBrk="0" hangingPunct="1">
+              <a:defRPr sz="1200" kern="1200" cap="none" spc="0" baseline="0">
+                <a:solidFill>
+                  <a:schemeClr val="tx1">
+                    <a:tint val="75000"/>
+                  </a:schemeClr>
+                </a:solidFill>
+                <a:latin typeface="맑은 고딕" panose="020B0503020000020004" pitchFamily="50" charset="-127"/>
+                <a:ea typeface="맑은 고딕" panose="020B0503020000020004" pitchFamily="50" charset="-127"/>
+                <a:cs typeface="+mn-cs"/>
+              </a:defRPr>
+            </a:lvl1pPr>
+            <a:lvl2pPr marL="457200" algn="l" defTabSz="914400" rtl="0" eaLnBrk="1" latinLnBrk="0" hangingPunct="1">
+              <a:defRPr sz="1800" kern="1200">
+                <a:solidFill>
+                  <a:schemeClr val="tx1"/>
+                </a:solidFill>
+                <a:latin typeface="+mn-lt"/>
+                <a:ea typeface="+mn-ea"/>
+                <a:cs typeface="+mn-cs"/>
+              </a:defRPr>
+            </a:lvl2pPr>
+            <a:lvl3pPr marL="914400" algn="l" defTabSz="914400" rtl="0" eaLnBrk="1" latinLnBrk="0" hangingPunct="1">
+              <a:defRPr sz="1800" kern="1200">
+                <a:solidFill>
+                  <a:schemeClr val="tx1"/>
+                </a:solidFill>
+                <a:latin typeface="+mn-lt"/>
+                <a:ea typeface="+mn-ea"/>
+                <a:cs typeface="+mn-cs"/>
+              </a:defRPr>
+            </a:lvl3pPr>
+            <a:lvl4pPr marL="1371600" algn="l" defTabSz="914400" rtl="0" eaLnBrk="1" latinLnBrk="0" hangingPunct="1">
+              <a:defRPr sz="1800" kern="1200">
+                <a:solidFill>
+                  <a:schemeClr val="tx1"/>
+                </a:solidFill>
+                <a:latin typeface="+mn-lt"/>
+                <a:ea typeface="+mn-ea"/>
+                <a:cs typeface="+mn-cs"/>
+              </a:defRPr>
+            </a:lvl4pPr>
+            <a:lvl5pPr marL="1828800" algn="l" defTabSz="914400" rtl="0" eaLnBrk="1" latinLnBrk="0" hangingPunct="1">
+              <a:defRPr sz="1800" kern="1200">
+                <a:solidFill>
+                  <a:schemeClr val="tx1"/>
+                </a:solidFill>
+                <a:latin typeface="+mn-lt"/>
+                <a:ea typeface="+mn-ea"/>
+                <a:cs typeface="+mn-cs"/>
+              </a:defRPr>
+            </a:lvl5pPr>
+            <a:lvl6pPr marL="2286000" algn="l" defTabSz="914400" rtl="0" eaLnBrk="1" latinLnBrk="0" hangingPunct="1">
+              <a:defRPr sz="1800" kern="1200">
+                <a:solidFill>
+                  <a:schemeClr val="tx1"/>
+                </a:solidFill>
+                <a:latin typeface="+mn-lt"/>
+                <a:ea typeface="+mn-ea"/>
+                <a:cs typeface="+mn-cs"/>
+              </a:defRPr>
+            </a:lvl6pPr>
+            <a:lvl7pPr marL="2743200" algn="l" defTabSz="914400" rtl="0" eaLnBrk="1" latinLnBrk="0" hangingPunct="1">
+              <a:defRPr sz="1800" kern="1200">
+                <a:solidFill>
+                  <a:schemeClr val="tx1"/>
+                </a:solidFill>
+                <a:latin typeface="+mn-lt"/>
+                <a:ea typeface="+mn-ea"/>
+                <a:cs typeface="+mn-cs"/>
+              </a:defRPr>
+            </a:lvl7pPr>
+            <a:lvl8pPr marL="3200400" algn="l" defTabSz="914400" rtl="0" eaLnBrk="1" latinLnBrk="0" hangingPunct="1">
+              <a:defRPr sz="1800" kern="1200">
+                <a:solidFill>
+                  <a:schemeClr val="tx1"/>
+                </a:solidFill>
+                <a:latin typeface="+mn-lt"/>
+                <a:ea typeface="+mn-ea"/>
+                <a:cs typeface="+mn-cs"/>
+              </a:defRPr>
+            </a:lvl8pPr>
+            <a:lvl9pPr marL="3657600" algn="l" defTabSz="914400" rtl="0" eaLnBrk="1" latinLnBrk="0" hangingPunct="1">
+              <a:defRPr sz="1800" kern="1200">
+                <a:solidFill>
+                  <a:schemeClr val="tx1"/>
+                </a:solidFill>
+                <a:latin typeface="+mn-lt"/>
+                <a:ea typeface="+mn-ea"/>
+                <a:cs typeface="+mn-cs"/>
+              </a:defRPr>
+            </a:lvl9pPr>
+          </a:lstStyle>
+          <a:p>
+            <a:pPr>
+              <a:defRPr/>
+            </a:pPr>
+            <a:fld id="{D76B855D-E9CC-4FF8-AD85-6CDC7B89A0DE}" type="slidenum">
+              <a:rPr lang="en-US" altLang="ko-KR" smtClean="0">
+                <a:solidFill>
+                  <a:prstClr val="black">
+                    <a:tint val="75000"/>
+                  </a:prstClr>
+                </a:solidFill>
+              </a:rPr>
+              <a:pPr>
+                <a:defRPr/>
+              </a:pPr>
+              <a:t>7</a:t>
+            </a:fld>
+            <a:endParaRPr lang="ko-KR" altLang="en-US" dirty="0">
+              <a:solidFill>
+                <a:prstClr val="black">
+                  <a:tint val="75000"/>
+                </a:prstClr>
+              </a:solidFill>
+            </a:endParaRPr>
+          </a:p>
+        </p:txBody>
+      </p:sp>
       <p:pic>
         <p:nvPicPr>
-          <p:cNvPr id="4" name="그림 3">
+          <p:cNvPr id="8" name="그림 7" descr="텍스트이(가) 표시된 사진&#10;&#10;자동 생성된 설명">
             <a:extLst>
               <a:ext uri="{FF2B5EF4-FFF2-40B4-BE49-F238E27FC236}">
-                <a16:creationId xmlns:a16="http://schemas.microsoft.com/office/drawing/2014/main" id="{44A87E71-B277-2627-3D3F-6097AFFE842C}"/>
+                <a16:creationId xmlns:a16="http://schemas.microsoft.com/office/drawing/2014/main" id="{FDB9079B-63D8-0E5B-7E7E-28E66A369DCB}"/>
               </a:ext>
             </a:extLst>
           </p:cNvPr>
@@ -19378,455 +19893,14 @@
         </p:blipFill>
         <p:spPr>
           <a:xfrm>
-            <a:off x="2713539" y="1479717"/>
-            <a:ext cx="6764922" cy="4876633"/>
+            <a:off x="3380996" y="2001213"/>
+            <a:ext cx="5430008" cy="3743847"/>
           </a:xfrm>
           <a:prstGeom prst="rect">
             <a:avLst/>
           </a:prstGeom>
         </p:spPr>
       </p:pic>
-      <p:sp>
-        <p:nvSpPr>
-          <p:cNvPr id="5" name="날짜 개체 틀 3">
-            <a:extLst>
-              <a:ext uri="{FF2B5EF4-FFF2-40B4-BE49-F238E27FC236}">
-                <a16:creationId xmlns:a16="http://schemas.microsoft.com/office/drawing/2014/main" id="{4B71ABDE-697B-D6CE-B3E0-DA3285746F09}"/>
-              </a:ext>
-            </a:extLst>
-          </p:cNvPr>
-          <p:cNvSpPr txBox="1">
-            <a:spLocks/>
-          </p:cNvSpPr>
-          <p:nvPr/>
-        </p:nvSpPr>
-        <p:spPr>
-          <a:xfrm>
-            <a:off x="990600" y="6508750"/>
-            <a:ext cx="2743200" cy="365125"/>
-          </a:xfrm>
-          <a:prstGeom prst="rect">
-            <a:avLst/>
-          </a:prstGeom>
-        </p:spPr>
-        <p:txBody>
-          <a:bodyPr vert="horz" lIns="91440" tIns="45720" rIns="91440" bIns="45720" rtlCol="0" anchor="ctr"/>
-          <a:lstStyle>
-            <a:defPPr rtl="0">
-              <a:defRPr lang="ko-kr"/>
-            </a:defPPr>
-            <a:lvl1pPr marL="0" algn="l" defTabSz="914400" rtl="0" eaLnBrk="1" latinLnBrk="0" hangingPunct="1">
-              <a:defRPr sz="1200" kern="1200" cap="none" spc="0" baseline="0">
-                <a:solidFill>
-                  <a:schemeClr val="tx1">
-                    <a:tint val="75000"/>
-                  </a:schemeClr>
-                </a:solidFill>
-                <a:latin typeface="맑은 고딕" panose="020B0503020000020004" pitchFamily="50" charset="-127"/>
-                <a:ea typeface="맑은 고딕" panose="020B0503020000020004" pitchFamily="50" charset="-127"/>
-                <a:cs typeface="+mn-cs"/>
-              </a:defRPr>
-            </a:lvl1pPr>
-            <a:lvl2pPr marL="457200" algn="l" defTabSz="914400" rtl="0" eaLnBrk="1" latinLnBrk="0" hangingPunct="1">
-              <a:defRPr sz="1800" kern="1200">
-                <a:solidFill>
-                  <a:schemeClr val="tx1"/>
-                </a:solidFill>
-                <a:latin typeface="+mn-lt"/>
-                <a:ea typeface="+mn-ea"/>
-                <a:cs typeface="+mn-cs"/>
-              </a:defRPr>
-            </a:lvl2pPr>
-            <a:lvl3pPr marL="914400" algn="l" defTabSz="914400" rtl="0" eaLnBrk="1" latinLnBrk="0" hangingPunct="1">
-              <a:defRPr sz="1800" kern="1200">
-                <a:solidFill>
-                  <a:schemeClr val="tx1"/>
-                </a:solidFill>
-                <a:latin typeface="+mn-lt"/>
-                <a:ea typeface="+mn-ea"/>
-                <a:cs typeface="+mn-cs"/>
-              </a:defRPr>
-            </a:lvl3pPr>
-            <a:lvl4pPr marL="1371600" algn="l" defTabSz="914400" rtl="0" eaLnBrk="1" latinLnBrk="0" hangingPunct="1">
-              <a:defRPr sz="1800" kern="1200">
-                <a:solidFill>
-                  <a:schemeClr val="tx1"/>
-                </a:solidFill>
-                <a:latin typeface="+mn-lt"/>
-                <a:ea typeface="+mn-ea"/>
-                <a:cs typeface="+mn-cs"/>
-              </a:defRPr>
-            </a:lvl4pPr>
-            <a:lvl5pPr marL="1828800" algn="l" defTabSz="914400" rtl="0" eaLnBrk="1" latinLnBrk="0" hangingPunct="1">
-              <a:defRPr sz="1800" kern="1200">
-                <a:solidFill>
-                  <a:schemeClr val="tx1"/>
-                </a:solidFill>
-                <a:latin typeface="+mn-lt"/>
-                <a:ea typeface="+mn-ea"/>
-                <a:cs typeface="+mn-cs"/>
-              </a:defRPr>
-            </a:lvl5pPr>
-            <a:lvl6pPr marL="2286000" algn="l" defTabSz="914400" rtl="0" eaLnBrk="1" latinLnBrk="0" hangingPunct="1">
-              <a:defRPr sz="1800" kern="1200">
-                <a:solidFill>
-                  <a:schemeClr val="tx1"/>
-                </a:solidFill>
-                <a:latin typeface="+mn-lt"/>
-                <a:ea typeface="+mn-ea"/>
-                <a:cs typeface="+mn-cs"/>
-              </a:defRPr>
-            </a:lvl6pPr>
-            <a:lvl7pPr marL="2743200" algn="l" defTabSz="914400" rtl="0" eaLnBrk="1" latinLnBrk="0" hangingPunct="1">
-              <a:defRPr sz="1800" kern="1200">
-                <a:solidFill>
-                  <a:schemeClr val="tx1"/>
-                </a:solidFill>
-                <a:latin typeface="+mn-lt"/>
-                <a:ea typeface="+mn-ea"/>
-                <a:cs typeface="+mn-cs"/>
-              </a:defRPr>
-            </a:lvl7pPr>
-            <a:lvl8pPr marL="3200400" algn="l" defTabSz="914400" rtl="0" eaLnBrk="1" latinLnBrk="0" hangingPunct="1">
-              <a:defRPr sz="1800" kern="1200">
-                <a:solidFill>
-                  <a:schemeClr val="tx1"/>
-                </a:solidFill>
-                <a:latin typeface="+mn-lt"/>
-                <a:ea typeface="+mn-ea"/>
-                <a:cs typeface="+mn-cs"/>
-              </a:defRPr>
-            </a:lvl8pPr>
-            <a:lvl9pPr marL="3657600" algn="l" defTabSz="914400" rtl="0" eaLnBrk="1" latinLnBrk="0" hangingPunct="1">
-              <a:defRPr sz="1800" kern="1200">
-                <a:solidFill>
-                  <a:schemeClr val="tx1"/>
-                </a:solidFill>
-                <a:latin typeface="+mn-lt"/>
-                <a:ea typeface="+mn-ea"/>
-                <a:cs typeface="+mn-cs"/>
-              </a:defRPr>
-            </a:lvl9pPr>
-          </a:lstStyle>
-          <a:p>
-            <a:pPr>
-              <a:defRPr/>
-            </a:pPr>
-            <a:r>
-              <a:rPr lang="en-US" altLang="ko-KR">
-                <a:solidFill>
-                  <a:prstClr val="black">
-                    <a:tint val="75000"/>
-                  </a:prstClr>
-                </a:solidFill>
-              </a:rPr>
-              <a:t>12/29/2022</a:t>
-            </a:r>
-            <a:endParaRPr lang="en-US" altLang="ko-KR" dirty="0">
-              <a:solidFill>
-                <a:prstClr val="black">
-                  <a:tint val="75000"/>
-                </a:prstClr>
-              </a:solidFill>
-            </a:endParaRPr>
-          </a:p>
-        </p:txBody>
-      </p:sp>
-      <p:sp>
-        <p:nvSpPr>
-          <p:cNvPr id="6" name="바닥글 개체 틀 4">
-            <a:extLst>
-              <a:ext uri="{FF2B5EF4-FFF2-40B4-BE49-F238E27FC236}">
-                <a16:creationId xmlns:a16="http://schemas.microsoft.com/office/drawing/2014/main" id="{B0F22790-DCF3-AAD3-82B1-475A26ED2C5C}"/>
-              </a:ext>
-            </a:extLst>
-          </p:cNvPr>
-          <p:cNvSpPr txBox="1">
-            <a:spLocks/>
-          </p:cNvSpPr>
-          <p:nvPr/>
-        </p:nvSpPr>
-        <p:spPr>
-          <a:xfrm>
-            <a:off x="4191000" y="6508750"/>
-            <a:ext cx="4114800" cy="365125"/>
-          </a:xfrm>
-          <a:prstGeom prst="rect">
-            <a:avLst/>
-          </a:prstGeom>
-        </p:spPr>
-        <p:txBody>
-          <a:bodyPr vert="horz" lIns="91440" tIns="45720" rIns="91440" bIns="45720" rtlCol="0" anchor="ctr"/>
-          <a:lstStyle>
-            <a:defPPr rtl="0">
-              <a:defRPr lang="ko-kr"/>
-            </a:defPPr>
-            <a:lvl1pPr marL="0" algn="ctr" defTabSz="914400" rtl="0" eaLnBrk="1" latinLnBrk="0" hangingPunct="1">
-              <a:defRPr sz="1200" kern="1200" cap="none" spc="0" baseline="0">
-                <a:solidFill>
-                  <a:schemeClr val="tx1">
-                    <a:tint val="75000"/>
-                  </a:schemeClr>
-                </a:solidFill>
-                <a:latin typeface="맑은 고딕" panose="020B0503020000020004" pitchFamily="50" charset="-127"/>
-                <a:ea typeface="맑은 고딕" panose="020B0503020000020004" pitchFamily="50" charset="-127"/>
-                <a:cs typeface="+mn-cs"/>
-              </a:defRPr>
-            </a:lvl1pPr>
-            <a:lvl2pPr marL="457200" algn="l" defTabSz="914400" rtl="0" eaLnBrk="1" latinLnBrk="0" hangingPunct="1">
-              <a:defRPr sz="1800" kern="1200">
-                <a:solidFill>
-                  <a:schemeClr val="tx1"/>
-                </a:solidFill>
-                <a:latin typeface="+mn-lt"/>
-                <a:ea typeface="+mn-ea"/>
-                <a:cs typeface="+mn-cs"/>
-              </a:defRPr>
-            </a:lvl2pPr>
-            <a:lvl3pPr marL="914400" algn="l" defTabSz="914400" rtl="0" eaLnBrk="1" latinLnBrk="0" hangingPunct="1">
-              <a:defRPr sz="1800" kern="1200">
-                <a:solidFill>
-                  <a:schemeClr val="tx1"/>
-                </a:solidFill>
-                <a:latin typeface="+mn-lt"/>
-                <a:ea typeface="+mn-ea"/>
-                <a:cs typeface="+mn-cs"/>
-              </a:defRPr>
-            </a:lvl3pPr>
-            <a:lvl4pPr marL="1371600" algn="l" defTabSz="914400" rtl="0" eaLnBrk="1" latinLnBrk="0" hangingPunct="1">
-              <a:defRPr sz="1800" kern="1200">
-                <a:solidFill>
-                  <a:schemeClr val="tx1"/>
-                </a:solidFill>
-                <a:latin typeface="+mn-lt"/>
-                <a:ea typeface="+mn-ea"/>
-                <a:cs typeface="+mn-cs"/>
-              </a:defRPr>
-            </a:lvl4pPr>
-            <a:lvl5pPr marL="1828800" algn="l" defTabSz="914400" rtl="0" eaLnBrk="1" latinLnBrk="0" hangingPunct="1">
-              <a:defRPr sz="1800" kern="1200">
-                <a:solidFill>
-                  <a:schemeClr val="tx1"/>
-                </a:solidFill>
-                <a:latin typeface="+mn-lt"/>
-                <a:ea typeface="+mn-ea"/>
-                <a:cs typeface="+mn-cs"/>
-              </a:defRPr>
-            </a:lvl5pPr>
-            <a:lvl6pPr marL="2286000" algn="l" defTabSz="914400" rtl="0" eaLnBrk="1" latinLnBrk="0" hangingPunct="1">
-              <a:defRPr sz="1800" kern="1200">
-                <a:solidFill>
-                  <a:schemeClr val="tx1"/>
-                </a:solidFill>
-                <a:latin typeface="+mn-lt"/>
-                <a:ea typeface="+mn-ea"/>
-                <a:cs typeface="+mn-cs"/>
-              </a:defRPr>
-            </a:lvl6pPr>
-            <a:lvl7pPr marL="2743200" algn="l" defTabSz="914400" rtl="0" eaLnBrk="1" latinLnBrk="0" hangingPunct="1">
-              <a:defRPr sz="1800" kern="1200">
-                <a:solidFill>
-                  <a:schemeClr val="tx1"/>
-                </a:solidFill>
-                <a:latin typeface="+mn-lt"/>
-                <a:ea typeface="+mn-ea"/>
-                <a:cs typeface="+mn-cs"/>
-              </a:defRPr>
-            </a:lvl7pPr>
-            <a:lvl8pPr marL="3200400" algn="l" defTabSz="914400" rtl="0" eaLnBrk="1" latinLnBrk="0" hangingPunct="1">
-              <a:defRPr sz="1800" kern="1200">
-                <a:solidFill>
-                  <a:schemeClr val="tx1"/>
-                </a:solidFill>
-                <a:latin typeface="+mn-lt"/>
-                <a:ea typeface="+mn-ea"/>
-                <a:cs typeface="+mn-cs"/>
-              </a:defRPr>
-            </a:lvl8pPr>
-            <a:lvl9pPr marL="3657600" algn="l" defTabSz="914400" rtl="0" eaLnBrk="1" latinLnBrk="0" hangingPunct="1">
-              <a:defRPr sz="1800" kern="1200">
-                <a:solidFill>
-                  <a:schemeClr val="tx1"/>
-                </a:solidFill>
-                <a:latin typeface="+mn-lt"/>
-                <a:ea typeface="+mn-ea"/>
-                <a:cs typeface="+mn-cs"/>
-              </a:defRPr>
-            </a:lvl9pPr>
-          </a:lstStyle>
-          <a:p>
-            <a:pPr>
-              <a:defRPr/>
-            </a:pPr>
-            <a:r>
-              <a:rPr lang="en-US" altLang="ko-KR">
-                <a:solidFill>
-                  <a:prstClr val="black">
-                    <a:tint val="75000"/>
-                  </a:prstClr>
-                </a:solidFill>
-              </a:rPr>
-              <a:t>CMS BOARD PROJECT</a:t>
-            </a:r>
-            <a:endParaRPr lang="ko-KR" altLang="en-US" dirty="0">
-              <a:solidFill>
-                <a:prstClr val="black">
-                  <a:tint val="75000"/>
-                </a:prstClr>
-              </a:solidFill>
-            </a:endParaRPr>
-          </a:p>
-        </p:txBody>
-      </p:sp>
-      <p:sp>
-        <p:nvSpPr>
-          <p:cNvPr id="7" name="슬라이드 번호 개체 틀 5">
-            <a:extLst>
-              <a:ext uri="{FF2B5EF4-FFF2-40B4-BE49-F238E27FC236}">
-                <a16:creationId xmlns:a16="http://schemas.microsoft.com/office/drawing/2014/main" id="{E562BF5E-D70A-7F30-F1C2-4E94C5A3262D}"/>
-              </a:ext>
-            </a:extLst>
-          </p:cNvPr>
-          <p:cNvSpPr txBox="1">
-            <a:spLocks/>
-          </p:cNvSpPr>
-          <p:nvPr/>
-        </p:nvSpPr>
-        <p:spPr>
-          <a:xfrm>
-            <a:off x="8763000" y="6508750"/>
-            <a:ext cx="2743200" cy="365125"/>
-          </a:xfrm>
-          <a:prstGeom prst="rect">
-            <a:avLst/>
-          </a:prstGeom>
-        </p:spPr>
-        <p:txBody>
-          <a:bodyPr vert="horz" lIns="91440" tIns="45720" rIns="91440" bIns="45720" rtlCol="0" anchor="ctr"/>
-          <a:lstStyle>
-            <a:defPPr rtl="0">
-              <a:defRPr lang="ko-kr"/>
-            </a:defPPr>
-            <a:lvl1pPr marL="0" algn="r" defTabSz="914400" rtl="0" eaLnBrk="1" latinLnBrk="0" hangingPunct="1">
-              <a:defRPr sz="1200" kern="1200" cap="none" spc="0" baseline="0">
-                <a:solidFill>
-                  <a:schemeClr val="tx1">
-                    <a:tint val="75000"/>
-                  </a:schemeClr>
-                </a:solidFill>
-                <a:latin typeface="맑은 고딕" panose="020B0503020000020004" pitchFamily="50" charset="-127"/>
-                <a:ea typeface="맑은 고딕" panose="020B0503020000020004" pitchFamily="50" charset="-127"/>
-                <a:cs typeface="+mn-cs"/>
-              </a:defRPr>
-            </a:lvl1pPr>
-            <a:lvl2pPr marL="457200" algn="l" defTabSz="914400" rtl="0" eaLnBrk="1" latinLnBrk="0" hangingPunct="1">
-              <a:defRPr sz="1800" kern="1200">
-                <a:solidFill>
-                  <a:schemeClr val="tx1"/>
-                </a:solidFill>
-                <a:latin typeface="+mn-lt"/>
-                <a:ea typeface="+mn-ea"/>
-                <a:cs typeface="+mn-cs"/>
-              </a:defRPr>
-            </a:lvl2pPr>
-            <a:lvl3pPr marL="914400" algn="l" defTabSz="914400" rtl="0" eaLnBrk="1" latinLnBrk="0" hangingPunct="1">
-              <a:defRPr sz="1800" kern="1200">
-                <a:solidFill>
-                  <a:schemeClr val="tx1"/>
-                </a:solidFill>
-                <a:latin typeface="+mn-lt"/>
-                <a:ea typeface="+mn-ea"/>
-                <a:cs typeface="+mn-cs"/>
-              </a:defRPr>
-            </a:lvl3pPr>
-            <a:lvl4pPr marL="1371600" algn="l" defTabSz="914400" rtl="0" eaLnBrk="1" latinLnBrk="0" hangingPunct="1">
-              <a:defRPr sz="1800" kern="1200">
-                <a:solidFill>
-                  <a:schemeClr val="tx1"/>
-                </a:solidFill>
-                <a:latin typeface="+mn-lt"/>
-                <a:ea typeface="+mn-ea"/>
-                <a:cs typeface="+mn-cs"/>
-              </a:defRPr>
-            </a:lvl4pPr>
-            <a:lvl5pPr marL="1828800" algn="l" defTabSz="914400" rtl="0" eaLnBrk="1" latinLnBrk="0" hangingPunct="1">
-              <a:defRPr sz="1800" kern="1200">
-                <a:solidFill>
-                  <a:schemeClr val="tx1"/>
-                </a:solidFill>
-                <a:latin typeface="+mn-lt"/>
-                <a:ea typeface="+mn-ea"/>
-                <a:cs typeface="+mn-cs"/>
-              </a:defRPr>
-            </a:lvl5pPr>
-            <a:lvl6pPr marL="2286000" algn="l" defTabSz="914400" rtl="0" eaLnBrk="1" latinLnBrk="0" hangingPunct="1">
-              <a:defRPr sz="1800" kern="1200">
-                <a:solidFill>
-                  <a:schemeClr val="tx1"/>
-                </a:solidFill>
-                <a:latin typeface="+mn-lt"/>
-                <a:ea typeface="+mn-ea"/>
-                <a:cs typeface="+mn-cs"/>
-              </a:defRPr>
-            </a:lvl6pPr>
-            <a:lvl7pPr marL="2743200" algn="l" defTabSz="914400" rtl="0" eaLnBrk="1" latinLnBrk="0" hangingPunct="1">
-              <a:defRPr sz="1800" kern="1200">
-                <a:solidFill>
-                  <a:schemeClr val="tx1"/>
-                </a:solidFill>
-                <a:latin typeface="+mn-lt"/>
-                <a:ea typeface="+mn-ea"/>
-                <a:cs typeface="+mn-cs"/>
-              </a:defRPr>
-            </a:lvl7pPr>
-            <a:lvl8pPr marL="3200400" algn="l" defTabSz="914400" rtl="0" eaLnBrk="1" latinLnBrk="0" hangingPunct="1">
-              <a:defRPr sz="1800" kern="1200">
-                <a:solidFill>
-                  <a:schemeClr val="tx1"/>
-                </a:solidFill>
-                <a:latin typeface="+mn-lt"/>
-                <a:ea typeface="+mn-ea"/>
-                <a:cs typeface="+mn-cs"/>
-              </a:defRPr>
-            </a:lvl8pPr>
-            <a:lvl9pPr marL="3657600" algn="l" defTabSz="914400" rtl="0" eaLnBrk="1" latinLnBrk="0" hangingPunct="1">
-              <a:defRPr sz="1800" kern="1200">
-                <a:solidFill>
-                  <a:schemeClr val="tx1"/>
-                </a:solidFill>
-                <a:latin typeface="+mn-lt"/>
-                <a:ea typeface="+mn-ea"/>
-                <a:cs typeface="+mn-cs"/>
-              </a:defRPr>
-            </a:lvl9pPr>
-          </a:lstStyle>
-          <a:p>
-            <a:pPr>
-              <a:defRPr/>
-            </a:pPr>
-            <a:fld id="{D76B855D-E9CC-4FF8-AD85-6CDC7B89A0DE}" type="slidenum">
-              <a:rPr lang="en-US" altLang="ko-KR" smtClean="0">
-                <a:solidFill>
-                  <a:prstClr val="black">
-                    <a:tint val="75000"/>
-                  </a:prstClr>
-                </a:solidFill>
-              </a:rPr>
-              <a:pPr>
-                <a:defRPr/>
-              </a:pPr>
-              <a:t>7</a:t>
-            </a:fld>
-            <a:endParaRPr lang="ko-KR" altLang="en-US" dirty="0">
-              <a:solidFill>
-                <a:prstClr val="black">
-                  <a:tint val="75000"/>
-                </a:prstClr>
-              </a:solidFill>
-            </a:endParaRPr>
-          </a:p>
-        </p:txBody>
-      </p:sp>
     </p:spTree>
     <p:extLst>
       <p:ext uri="{BB962C8B-B14F-4D97-AF65-F5344CB8AC3E}">
@@ -19910,12 +19984,453 @@
           </a:p>
         </p:txBody>
       </p:sp>
+      <p:sp>
+        <p:nvSpPr>
+          <p:cNvPr id="5" name="날짜 개체 틀 3">
+            <a:extLst>
+              <a:ext uri="{FF2B5EF4-FFF2-40B4-BE49-F238E27FC236}">
+                <a16:creationId xmlns:a16="http://schemas.microsoft.com/office/drawing/2014/main" id="{A78EBF63-32DE-3F70-3BE1-5AECC838B9FA}"/>
+              </a:ext>
+            </a:extLst>
+          </p:cNvPr>
+          <p:cNvSpPr txBox="1">
+            <a:spLocks/>
+          </p:cNvSpPr>
+          <p:nvPr/>
+        </p:nvSpPr>
+        <p:spPr>
+          <a:xfrm>
+            <a:off x="990600" y="6508750"/>
+            <a:ext cx="2743200" cy="365125"/>
+          </a:xfrm>
+          <a:prstGeom prst="rect">
+            <a:avLst/>
+          </a:prstGeom>
+        </p:spPr>
+        <p:txBody>
+          <a:bodyPr vert="horz" lIns="91440" tIns="45720" rIns="91440" bIns="45720" rtlCol="0" anchor="ctr"/>
+          <a:lstStyle>
+            <a:defPPr rtl="0">
+              <a:defRPr lang="ko-kr"/>
+            </a:defPPr>
+            <a:lvl1pPr marL="0" algn="l" defTabSz="914400" rtl="0" eaLnBrk="1" latinLnBrk="0" hangingPunct="1">
+              <a:defRPr sz="1200" kern="1200" cap="none" spc="0" baseline="0">
+                <a:solidFill>
+                  <a:schemeClr val="tx1">
+                    <a:tint val="75000"/>
+                  </a:schemeClr>
+                </a:solidFill>
+                <a:latin typeface="맑은 고딕" panose="020B0503020000020004" pitchFamily="50" charset="-127"/>
+                <a:ea typeface="맑은 고딕" panose="020B0503020000020004" pitchFamily="50" charset="-127"/>
+                <a:cs typeface="+mn-cs"/>
+              </a:defRPr>
+            </a:lvl1pPr>
+            <a:lvl2pPr marL="457200" algn="l" defTabSz="914400" rtl="0" eaLnBrk="1" latinLnBrk="0" hangingPunct="1">
+              <a:defRPr sz="1800" kern="1200">
+                <a:solidFill>
+                  <a:schemeClr val="tx1"/>
+                </a:solidFill>
+                <a:latin typeface="+mn-lt"/>
+                <a:ea typeface="+mn-ea"/>
+                <a:cs typeface="+mn-cs"/>
+              </a:defRPr>
+            </a:lvl2pPr>
+            <a:lvl3pPr marL="914400" algn="l" defTabSz="914400" rtl="0" eaLnBrk="1" latinLnBrk="0" hangingPunct="1">
+              <a:defRPr sz="1800" kern="1200">
+                <a:solidFill>
+                  <a:schemeClr val="tx1"/>
+                </a:solidFill>
+                <a:latin typeface="+mn-lt"/>
+                <a:ea typeface="+mn-ea"/>
+                <a:cs typeface="+mn-cs"/>
+              </a:defRPr>
+            </a:lvl3pPr>
+            <a:lvl4pPr marL="1371600" algn="l" defTabSz="914400" rtl="0" eaLnBrk="1" latinLnBrk="0" hangingPunct="1">
+              <a:defRPr sz="1800" kern="1200">
+                <a:solidFill>
+                  <a:schemeClr val="tx1"/>
+                </a:solidFill>
+                <a:latin typeface="+mn-lt"/>
+                <a:ea typeface="+mn-ea"/>
+                <a:cs typeface="+mn-cs"/>
+              </a:defRPr>
+            </a:lvl4pPr>
+            <a:lvl5pPr marL="1828800" algn="l" defTabSz="914400" rtl="0" eaLnBrk="1" latinLnBrk="0" hangingPunct="1">
+              <a:defRPr sz="1800" kern="1200">
+                <a:solidFill>
+                  <a:schemeClr val="tx1"/>
+                </a:solidFill>
+                <a:latin typeface="+mn-lt"/>
+                <a:ea typeface="+mn-ea"/>
+                <a:cs typeface="+mn-cs"/>
+              </a:defRPr>
+            </a:lvl5pPr>
+            <a:lvl6pPr marL="2286000" algn="l" defTabSz="914400" rtl="0" eaLnBrk="1" latinLnBrk="0" hangingPunct="1">
+              <a:defRPr sz="1800" kern="1200">
+                <a:solidFill>
+                  <a:schemeClr val="tx1"/>
+                </a:solidFill>
+                <a:latin typeface="+mn-lt"/>
+                <a:ea typeface="+mn-ea"/>
+                <a:cs typeface="+mn-cs"/>
+              </a:defRPr>
+            </a:lvl6pPr>
+            <a:lvl7pPr marL="2743200" algn="l" defTabSz="914400" rtl="0" eaLnBrk="1" latinLnBrk="0" hangingPunct="1">
+              <a:defRPr sz="1800" kern="1200">
+                <a:solidFill>
+                  <a:schemeClr val="tx1"/>
+                </a:solidFill>
+                <a:latin typeface="+mn-lt"/>
+                <a:ea typeface="+mn-ea"/>
+                <a:cs typeface="+mn-cs"/>
+              </a:defRPr>
+            </a:lvl7pPr>
+            <a:lvl8pPr marL="3200400" algn="l" defTabSz="914400" rtl="0" eaLnBrk="1" latinLnBrk="0" hangingPunct="1">
+              <a:defRPr sz="1800" kern="1200">
+                <a:solidFill>
+                  <a:schemeClr val="tx1"/>
+                </a:solidFill>
+                <a:latin typeface="+mn-lt"/>
+                <a:ea typeface="+mn-ea"/>
+                <a:cs typeface="+mn-cs"/>
+              </a:defRPr>
+            </a:lvl8pPr>
+            <a:lvl9pPr marL="3657600" algn="l" defTabSz="914400" rtl="0" eaLnBrk="1" latinLnBrk="0" hangingPunct="1">
+              <a:defRPr sz="1800" kern="1200">
+                <a:solidFill>
+                  <a:schemeClr val="tx1"/>
+                </a:solidFill>
+                <a:latin typeface="+mn-lt"/>
+                <a:ea typeface="+mn-ea"/>
+                <a:cs typeface="+mn-cs"/>
+              </a:defRPr>
+            </a:lvl9pPr>
+          </a:lstStyle>
+          <a:p>
+            <a:pPr>
+              <a:defRPr/>
+            </a:pPr>
+            <a:r>
+              <a:rPr lang="en-US" altLang="ko-KR">
+                <a:solidFill>
+                  <a:prstClr val="black">
+                    <a:tint val="75000"/>
+                  </a:prstClr>
+                </a:solidFill>
+              </a:rPr>
+              <a:t>12/29/2022</a:t>
+            </a:r>
+            <a:endParaRPr lang="en-US" altLang="ko-KR" dirty="0">
+              <a:solidFill>
+                <a:prstClr val="black">
+                  <a:tint val="75000"/>
+                </a:prstClr>
+              </a:solidFill>
+            </a:endParaRPr>
+          </a:p>
+        </p:txBody>
+      </p:sp>
+      <p:sp>
+        <p:nvSpPr>
+          <p:cNvPr id="6" name="바닥글 개체 틀 4">
+            <a:extLst>
+              <a:ext uri="{FF2B5EF4-FFF2-40B4-BE49-F238E27FC236}">
+                <a16:creationId xmlns:a16="http://schemas.microsoft.com/office/drawing/2014/main" id="{3A155BC3-2844-D55C-D205-93DF51B3D199}"/>
+              </a:ext>
+            </a:extLst>
+          </p:cNvPr>
+          <p:cNvSpPr txBox="1">
+            <a:spLocks/>
+          </p:cNvSpPr>
+          <p:nvPr/>
+        </p:nvSpPr>
+        <p:spPr>
+          <a:xfrm>
+            <a:off x="4191000" y="6508750"/>
+            <a:ext cx="4114800" cy="365125"/>
+          </a:xfrm>
+          <a:prstGeom prst="rect">
+            <a:avLst/>
+          </a:prstGeom>
+        </p:spPr>
+        <p:txBody>
+          <a:bodyPr vert="horz" lIns="91440" tIns="45720" rIns="91440" bIns="45720" rtlCol="0" anchor="ctr"/>
+          <a:lstStyle>
+            <a:defPPr rtl="0">
+              <a:defRPr lang="ko-kr"/>
+            </a:defPPr>
+            <a:lvl1pPr marL="0" algn="ctr" defTabSz="914400" rtl="0" eaLnBrk="1" latinLnBrk="0" hangingPunct="1">
+              <a:defRPr sz="1200" kern="1200" cap="none" spc="0" baseline="0">
+                <a:solidFill>
+                  <a:schemeClr val="tx1">
+                    <a:tint val="75000"/>
+                  </a:schemeClr>
+                </a:solidFill>
+                <a:latin typeface="맑은 고딕" panose="020B0503020000020004" pitchFamily="50" charset="-127"/>
+                <a:ea typeface="맑은 고딕" panose="020B0503020000020004" pitchFamily="50" charset="-127"/>
+                <a:cs typeface="+mn-cs"/>
+              </a:defRPr>
+            </a:lvl1pPr>
+            <a:lvl2pPr marL="457200" algn="l" defTabSz="914400" rtl="0" eaLnBrk="1" latinLnBrk="0" hangingPunct="1">
+              <a:defRPr sz="1800" kern="1200">
+                <a:solidFill>
+                  <a:schemeClr val="tx1"/>
+                </a:solidFill>
+                <a:latin typeface="+mn-lt"/>
+                <a:ea typeface="+mn-ea"/>
+                <a:cs typeface="+mn-cs"/>
+              </a:defRPr>
+            </a:lvl2pPr>
+            <a:lvl3pPr marL="914400" algn="l" defTabSz="914400" rtl="0" eaLnBrk="1" latinLnBrk="0" hangingPunct="1">
+              <a:defRPr sz="1800" kern="1200">
+                <a:solidFill>
+                  <a:schemeClr val="tx1"/>
+                </a:solidFill>
+                <a:latin typeface="+mn-lt"/>
+                <a:ea typeface="+mn-ea"/>
+                <a:cs typeface="+mn-cs"/>
+              </a:defRPr>
+            </a:lvl3pPr>
+            <a:lvl4pPr marL="1371600" algn="l" defTabSz="914400" rtl="0" eaLnBrk="1" latinLnBrk="0" hangingPunct="1">
+              <a:defRPr sz="1800" kern="1200">
+                <a:solidFill>
+                  <a:schemeClr val="tx1"/>
+                </a:solidFill>
+                <a:latin typeface="+mn-lt"/>
+                <a:ea typeface="+mn-ea"/>
+                <a:cs typeface="+mn-cs"/>
+              </a:defRPr>
+            </a:lvl4pPr>
+            <a:lvl5pPr marL="1828800" algn="l" defTabSz="914400" rtl="0" eaLnBrk="1" latinLnBrk="0" hangingPunct="1">
+              <a:defRPr sz="1800" kern="1200">
+                <a:solidFill>
+                  <a:schemeClr val="tx1"/>
+                </a:solidFill>
+                <a:latin typeface="+mn-lt"/>
+                <a:ea typeface="+mn-ea"/>
+                <a:cs typeface="+mn-cs"/>
+              </a:defRPr>
+            </a:lvl5pPr>
+            <a:lvl6pPr marL="2286000" algn="l" defTabSz="914400" rtl="0" eaLnBrk="1" latinLnBrk="0" hangingPunct="1">
+              <a:defRPr sz="1800" kern="1200">
+                <a:solidFill>
+                  <a:schemeClr val="tx1"/>
+                </a:solidFill>
+                <a:latin typeface="+mn-lt"/>
+                <a:ea typeface="+mn-ea"/>
+                <a:cs typeface="+mn-cs"/>
+              </a:defRPr>
+            </a:lvl6pPr>
+            <a:lvl7pPr marL="2743200" algn="l" defTabSz="914400" rtl="0" eaLnBrk="1" latinLnBrk="0" hangingPunct="1">
+              <a:defRPr sz="1800" kern="1200">
+                <a:solidFill>
+                  <a:schemeClr val="tx1"/>
+                </a:solidFill>
+                <a:latin typeface="+mn-lt"/>
+                <a:ea typeface="+mn-ea"/>
+                <a:cs typeface="+mn-cs"/>
+              </a:defRPr>
+            </a:lvl7pPr>
+            <a:lvl8pPr marL="3200400" algn="l" defTabSz="914400" rtl="0" eaLnBrk="1" latinLnBrk="0" hangingPunct="1">
+              <a:defRPr sz="1800" kern="1200">
+                <a:solidFill>
+                  <a:schemeClr val="tx1"/>
+                </a:solidFill>
+                <a:latin typeface="+mn-lt"/>
+                <a:ea typeface="+mn-ea"/>
+                <a:cs typeface="+mn-cs"/>
+              </a:defRPr>
+            </a:lvl8pPr>
+            <a:lvl9pPr marL="3657600" algn="l" defTabSz="914400" rtl="0" eaLnBrk="1" latinLnBrk="0" hangingPunct="1">
+              <a:defRPr sz="1800" kern="1200">
+                <a:solidFill>
+                  <a:schemeClr val="tx1"/>
+                </a:solidFill>
+                <a:latin typeface="+mn-lt"/>
+                <a:ea typeface="+mn-ea"/>
+                <a:cs typeface="+mn-cs"/>
+              </a:defRPr>
+            </a:lvl9pPr>
+          </a:lstStyle>
+          <a:p>
+            <a:pPr>
+              <a:defRPr/>
+            </a:pPr>
+            <a:r>
+              <a:rPr lang="en-US" altLang="ko-KR">
+                <a:solidFill>
+                  <a:prstClr val="black">
+                    <a:tint val="75000"/>
+                  </a:prstClr>
+                </a:solidFill>
+              </a:rPr>
+              <a:t>CMS BOARD PROJECT</a:t>
+            </a:r>
+            <a:endParaRPr lang="ko-KR" altLang="en-US" dirty="0">
+              <a:solidFill>
+                <a:prstClr val="black">
+                  <a:tint val="75000"/>
+                </a:prstClr>
+              </a:solidFill>
+            </a:endParaRPr>
+          </a:p>
+        </p:txBody>
+      </p:sp>
+      <p:sp>
+        <p:nvSpPr>
+          <p:cNvPr id="7" name="슬라이드 번호 개체 틀 5">
+            <a:extLst>
+              <a:ext uri="{FF2B5EF4-FFF2-40B4-BE49-F238E27FC236}">
+                <a16:creationId xmlns:a16="http://schemas.microsoft.com/office/drawing/2014/main" id="{140897D3-3441-460E-8016-99226899B805}"/>
+              </a:ext>
+            </a:extLst>
+          </p:cNvPr>
+          <p:cNvSpPr txBox="1">
+            <a:spLocks/>
+          </p:cNvSpPr>
+          <p:nvPr/>
+        </p:nvSpPr>
+        <p:spPr>
+          <a:xfrm>
+            <a:off x="8763000" y="6508750"/>
+            <a:ext cx="2743200" cy="365125"/>
+          </a:xfrm>
+          <a:prstGeom prst="rect">
+            <a:avLst/>
+          </a:prstGeom>
+        </p:spPr>
+        <p:txBody>
+          <a:bodyPr vert="horz" lIns="91440" tIns="45720" rIns="91440" bIns="45720" rtlCol="0" anchor="ctr"/>
+          <a:lstStyle>
+            <a:defPPr rtl="0">
+              <a:defRPr lang="ko-kr"/>
+            </a:defPPr>
+            <a:lvl1pPr marL="0" algn="r" defTabSz="914400" rtl="0" eaLnBrk="1" latinLnBrk="0" hangingPunct="1">
+              <a:defRPr sz="1200" kern="1200" cap="none" spc="0" baseline="0">
+                <a:solidFill>
+                  <a:schemeClr val="tx1">
+                    <a:tint val="75000"/>
+                  </a:schemeClr>
+                </a:solidFill>
+                <a:latin typeface="맑은 고딕" panose="020B0503020000020004" pitchFamily="50" charset="-127"/>
+                <a:ea typeface="맑은 고딕" panose="020B0503020000020004" pitchFamily="50" charset="-127"/>
+                <a:cs typeface="+mn-cs"/>
+              </a:defRPr>
+            </a:lvl1pPr>
+            <a:lvl2pPr marL="457200" algn="l" defTabSz="914400" rtl="0" eaLnBrk="1" latinLnBrk="0" hangingPunct="1">
+              <a:defRPr sz="1800" kern="1200">
+                <a:solidFill>
+                  <a:schemeClr val="tx1"/>
+                </a:solidFill>
+                <a:latin typeface="+mn-lt"/>
+                <a:ea typeface="+mn-ea"/>
+                <a:cs typeface="+mn-cs"/>
+              </a:defRPr>
+            </a:lvl2pPr>
+            <a:lvl3pPr marL="914400" algn="l" defTabSz="914400" rtl="0" eaLnBrk="1" latinLnBrk="0" hangingPunct="1">
+              <a:defRPr sz="1800" kern="1200">
+                <a:solidFill>
+                  <a:schemeClr val="tx1"/>
+                </a:solidFill>
+                <a:latin typeface="+mn-lt"/>
+                <a:ea typeface="+mn-ea"/>
+                <a:cs typeface="+mn-cs"/>
+              </a:defRPr>
+            </a:lvl3pPr>
+            <a:lvl4pPr marL="1371600" algn="l" defTabSz="914400" rtl="0" eaLnBrk="1" latinLnBrk="0" hangingPunct="1">
+              <a:defRPr sz="1800" kern="1200">
+                <a:solidFill>
+                  <a:schemeClr val="tx1"/>
+                </a:solidFill>
+                <a:latin typeface="+mn-lt"/>
+                <a:ea typeface="+mn-ea"/>
+                <a:cs typeface="+mn-cs"/>
+              </a:defRPr>
+            </a:lvl4pPr>
+            <a:lvl5pPr marL="1828800" algn="l" defTabSz="914400" rtl="0" eaLnBrk="1" latinLnBrk="0" hangingPunct="1">
+              <a:defRPr sz="1800" kern="1200">
+                <a:solidFill>
+                  <a:schemeClr val="tx1"/>
+                </a:solidFill>
+                <a:latin typeface="+mn-lt"/>
+                <a:ea typeface="+mn-ea"/>
+                <a:cs typeface="+mn-cs"/>
+              </a:defRPr>
+            </a:lvl5pPr>
+            <a:lvl6pPr marL="2286000" algn="l" defTabSz="914400" rtl="0" eaLnBrk="1" latinLnBrk="0" hangingPunct="1">
+              <a:defRPr sz="1800" kern="1200">
+                <a:solidFill>
+                  <a:schemeClr val="tx1"/>
+                </a:solidFill>
+                <a:latin typeface="+mn-lt"/>
+                <a:ea typeface="+mn-ea"/>
+                <a:cs typeface="+mn-cs"/>
+              </a:defRPr>
+            </a:lvl6pPr>
+            <a:lvl7pPr marL="2743200" algn="l" defTabSz="914400" rtl="0" eaLnBrk="1" latinLnBrk="0" hangingPunct="1">
+              <a:defRPr sz="1800" kern="1200">
+                <a:solidFill>
+                  <a:schemeClr val="tx1"/>
+                </a:solidFill>
+                <a:latin typeface="+mn-lt"/>
+                <a:ea typeface="+mn-ea"/>
+                <a:cs typeface="+mn-cs"/>
+              </a:defRPr>
+            </a:lvl7pPr>
+            <a:lvl8pPr marL="3200400" algn="l" defTabSz="914400" rtl="0" eaLnBrk="1" latinLnBrk="0" hangingPunct="1">
+              <a:defRPr sz="1800" kern="1200">
+                <a:solidFill>
+                  <a:schemeClr val="tx1"/>
+                </a:solidFill>
+                <a:latin typeface="+mn-lt"/>
+                <a:ea typeface="+mn-ea"/>
+                <a:cs typeface="+mn-cs"/>
+              </a:defRPr>
+            </a:lvl8pPr>
+            <a:lvl9pPr marL="3657600" algn="l" defTabSz="914400" rtl="0" eaLnBrk="1" latinLnBrk="0" hangingPunct="1">
+              <a:defRPr sz="1800" kern="1200">
+                <a:solidFill>
+                  <a:schemeClr val="tx1"/>
+                </a:solidFill>
+                <a:latin typeface="+mn-lt"/>
+                <a:ea typeface="+mn-ea"/>
+                <a:cs typeface="+mn-cs"/>
+              </a:defRPr>
+            </a:lvl9pPr>
+          </a:lstStyle>
+          <a:p>
+            <a:pPr>
+              <a:defRPr/>
+            </a:pPr>
+            <a:fld id="{D76B855D-E9CC-4FF8-AD85-6CDC7B89A0DE}" type="slidenum">
+              <a:rPr lang="en-US" altLang="ko-KR" smtClean="0">
+                <a:solidFill>
+                  <a:prstClr val="black">
+                    <a:tint val="75000"/>
+                  </a:prstClr>
+                </a:solidFill>
+              </a:rPr>
+              <a:pPr>
+                <a:defRPr/>
+              </a:pPr>
+              <a:t>8</a:t>
+            </a:fld>
+            <a:endParaRPr lang="ko-KR" altLang="en-US" dirty="0">
+              <a:solidFill>
+                <a:prstClr val="black">
+                  <a:tint val="75000"/>
+                </a:prstClr>
+              </a:solidFill>
+            </a:endParaRPr>
+          </a:p>
+        </p:txBody>
+      </p:sp>
       <p:pic>
         <p:nvPicPr>
-          <p:cNvPr id="4" name="그림 3">
+          <p:cNvPr id="8" name="그림 7">
             <a:extLst>
               <a:ext uri="{FF2B5EF4-FFF2-40B4-BE49-F238E27FC236}">
-                <a16:creationId xmlns:a16="http://schemas.microsoft.com/office/drawing/2014/main" id="{C7EDA966-58EF-C2D0-27E2-FB309AF9ED37}"/>
+                <a16:creationId xmlns:a16="http://schemas.microsoft.com/office/drawing/2014/main" id="{6AF80A53-2BF8-02FA-CFE7-83F1F6508834}"/>
               </a:ext>
             </a:extLst>
           </p:cNvPr>
@@ -19932,455 +20447,14 @@
         </p:blipFill>
         <p:spPr>
           <a:xfrm>
-            <a:off x="1640632" y="1690688"/>
-            <a:ext cx="8910735" cy="4363090"/>
+            <a:off x="1793032" y="1690688"/>
+            <a:ext cx="8910735" cy="4346700"/>
           </a:xfrm>
           <a:prstGeom prst="rect">
             <a:avLst/>
           </a:prstGeom>
         </p:spPr>
       </p:pic>
-      <p:sp>
-        <p:nvSpPr>
-          <p:cNvPr id="5" name="날짜 개체 틀 3">
-            <a:extLst>
-              <a:ext uri="{FF2B5EF4-FFF2-40B4-BE49-F238E27FC236}">
-                <a16:creationId xmlns:a16="http://schemas.microsoft.com/office/drawing/2014/main" id="{A78EBF63-32DE-3F70-3BE1-5AECC838B9FA}"/>
-              </a:ext>
-            </a:extLst>
-          </p:cNvPr>
-          <p:cNvSpPr txBox="1">
-            <a:spLocks/>
-          </p:cNvSpPr>
-          <p:nvPr/>
-        </p:nvSpPr>
-        <p:spPr>
-          <a:xfrm>
-            <a:off x="990600" y="6508750"/>
-            <a:ext cx="2743200" cy="365125"/>
-          </a:xfrm>
-          <a:prstGeom prst="rect">
-            <a:avLst/>
-          </a:prstGeom>
-        </p:spPr>
-        <p:txBody>
-          <a:bodyPr vert="horz" lIns="91440" tIns="45720" rIns="91440" bIns="45720" rtlCol="0" anchor="ctr"/>
-          <a:lstStyle>
-            <a:defPPr rtl="0">
-              <a:defRPr lang="ko-kr"/>
-            </a:defPPr>
-            <a:lvl1pPr marL="0" algn="l" defTabSz="914400" rtl="0" eaLnBrk="1" latinLnBrk="0" hangingPunct="1">
-              <a:defRPr sz="1200" kern="1200" cap="none" spc="0" baseline="0">
-                <a:solidFill>
-                  <a:schemeClr val="tx1">
-                    <a:tint val="75000"/>
-                  </a:schemeClr>
-                </a:solidFill>
-                <a:latin typeface="맑은 고딕" panose="020B0503020000020004" pitchFamily="50" charset="-127"/>
-                <a:ea typeface="맑은 고딕" panose="020B0503020000020004" pitchFamily="50" charset="-127"/>
-                <a:cs typeface="+mn-cs"/>
-              </a:defRPr>
-            </a:lvl1pPr>
-            <a:lvl2pPr marL="457200" algn="l" defTabSz="914400" rtl="0" eaLnBrk="1" latinLnBrk="0" hangingPunct="1">
-              <a:defRPr sz="1800" kern="1200">
-                <a:solidFill>
-                  <a:schemeClr val="tx1"/>
-                </a:solidFill>
-                <a:latin typeface="+mn-lt"/>
-                <a:ea typeface="+mn-ea"/>
-                <a:cs typeface="+mn-cs"/>
-              </a:defRPr>
-            </a:lvl2pPr>
-            <a:lvl3pPr marL="914400" algn="l" defTabSz="914400" rtl="0" eaLnBrk="1" latinLnBrk="0" hangingPunct="1">
-              <a:defRPr sz="1800" kern="1200">
-                <a:solidFill>
-                  <a:schemeClr val="tx1"/>
-                </a:solidFill>
-                <a:latin typeface="+mn-lt"/>
-                <a:ea typeface="+mn-ea"/>
-                <a:cs typeface="+mn-cs"/>
-              </a:defRPr>
-            </a:lvl3pPr>
-            <a:lvl4pPr marL="1371600" algn="l" defTabSz="914400" rtl="0" eaLnBrk="1" latinLnBrk="0" hangingPunct="1">
-              <a:defRPr sz="1800" kern="1200">
-                <a:solidFill>
-                  <a:schemeClr val="tx1"/>
-                </a:solidFill>
-                <a:latin typeface="+mn-lt"/>
-                <a:ea typeface="+mn-ea"/>
-                <a:cs typeface="+mn-cs"/>
-              </a:defRPr>
-            </a:lvl4pPr>
-            <a:lvl5pPr marL="1828800" algn="l" defTabSz="914400" rtl="0" eaLnBrk="1" latinLnBrk="0" hangingPunct="1">
-              <a:defRPr sz="1800" kern="1200">
-                <a:solidFill>
-                  <a:schemeClr val="tx1"/>
-                </a:solidFill>
-                <a:latin typeface="+mn-lt"/>
-                <a:ea typeface="+mn-ea"/>
-                <a:cs typeface="+mn-cs"/>
-              </a:defRPr>
-            </a:lvl5pPr>
-            <a:lvl6pPr marL="2286000" algn="l" defTabSz="914400" rtl="0" eaLnBrk="1" latinLnBrk="0" hangingPunct="1">
-              <a:defRPr sz="1800" kern="1200">
-                <a:solidFill>
-                  <a:schemeClr val="tx1"/>
-                </a:solidFill>
-                <a:latin typeface="+mn-lt"/>
-                <a:ea typeface="+mn-ea"/>
-                <a:cs typeface="+mn-cs"/>
-              </a:defRPr>
-            </a:lvl6pPr>
-            <a:lvl7pPr marL="2743200" algn="l" defTabSz="914400" rtl="0" eaLnBrk="1" latinLnBrk="0" hangingPunct="1">
-              <a:defRPr sz="1800" kern="1200">
-                <a:solidFill>
-                  <a:schemeClr val="tx1"/>
-                </a:solidFill>
-                <a:latin typeface="+mn-lt"/>
-                <a:ea typeface="+mn-ea"/>
-                <a:cs typeface="+mn-cs"/>
-              </a:defRPr>
-            </a:lvl7pPr>
-            <a:lvl8pPr marL="3200400" algn="l" defTabSz="914400" rtl="0" eaLnBrk="1" latinLnBrk="0" hangingPunct="1">
-              <a:defRPr sz="1800" kern="1200">
-                <a:solidFill>
-                  <a:schemeClr val="tx1"/>
-                </a:solidFill>
-                <a:latin typeface="+mn-lt"/>
-                <a:ea typeface="+mn-ea"/>
-                <a:cs typeface="+mn-cs"/>
-              </a:defRPr>
-            </a:lvl8pPr>
-            <a:lvl9pPr marL="3657600" algn="l" defTabSz="914400" rtl="0" eaLnBrk="1" latinLnBrk="0" hangingPunct="1">
-              <a:defRPr sz="1800" kern="1200">
-                <a:solidFill>
-                  <a:schemeClr val="tx1"/>
-                </a:solidFill>
-                <a:latin typeface="+mn-lt"/>
-                <a:ea typeface="+mn-ea"/>
-                <a:cs typeface="+mn-cs"/>
-              </a:defRPr>
-            </a:lvl9pPr>
-          </a:lstStyle>
-          <a:p>
-            <a:pPr>
-              <a:defRPr/>
-            </a:pPr>
-            <a:r>
-              <a:rPr lang="en-US" altLang="ko-KR">
-                <a:solidFill>
-                  <a:prstClr val="black">
-                    <a:tint val="75000"/>
-                  </a:prstClr>
-                </a:solidFill>
-              </a:rPr>
-              <a:t>12/29/2022</a:t>
-            </a:r>
-            <a:endParaRPr lang="en-US" altLang="ko-KR" dirty="0">
-              <a:solidFill>
-                <a:prstClr val="black">
-                  <a:tint val="75000"/>
-                </a:prstClr>
-              </a:solidFill>
-            </a:endParaRPr>
-          </a:p>
-        </p:txBody>
-      </p:sp>
-      <p:sp>
-        <p:nvSpPr>
-          <p:cNvPr id="6" name="바닥글 개체 틀 4">
-            <a:extLst>
-              <a:ext uri="{FF2B5EF4-FFF2-40B4-BE49-F238E27FC236}">
-                <a16:creationId xmlns:a16="http://schemas.microsoft.com/office/drawing/2014/main" id="{3A155BC3-2844-D55C-D205-93DF51B3D199}"/>
-              </a:ext>
-            </a:extLst>
-          </p:cNvPr>
-          <p:cNvSpPr txBox="1">
-            <a:spLocks/>
-          </p:cNvSpPr>
-          <p:nvPr/>
-        </p:nvSpPr>
-        <p:spPr>
-          <a:xfrm>
-            <a:off x="4191000" y="6508750"/>
-            <a:ext cx="4114800" cy="365125"/>
-          </a:xfrm>
-          <a:prstGeom prst="rect">
-            <a:avLst/>
-          </a:prstGeom>
-        </p:spPr>
-        <p:txBody>
-          <a:bodyPr vert="horz" lIns="91440" tIns="45720" rIns="91440" bIns="45720" rtlCol="0" anchor="ctr"/>
-          <a:lstStyle>
-            <a:defPPr rtl="0">
-              <a:defRPr lang="ko-kr"/>
-            </a:defPPr>
-            <a:lvl1pPr marL="0" algn="ctr" defTabSz="914400" rtl="0" eaLnBrk="1" latinLnBrk="0" hangingPunct="1">
-              <a:defRPr sz="1200" kern="1200" cap="none" spc="0" baseline="0">
-                <a:solidFill>
-                  <a:schemeClr val="tx1">
-                    <a:tint val="75000"/>
-                  </a:schemeClr>
-                </a:solidFill>
-                <a:latin typeface="맑은 고딕" panose="020B0503020000020004" pitchFamily="50" charset="-127"/>
-                <a:ea typeface="맑은 고딕" panose="020B0503020000020004" pitchFamily="50" charset="-127"/>
-                <a:cs typeface="+mn-cs"/>
-              </a:defRPr>
-            </a:lvl1pPr>
-            <a:lvl2pPr marL="457200" algn="l" defTabSz="914400" rtl="0" eaLnBrk="1" latinLnBrk="0" hangingPunct="1">
-              <a:defRPr sz="1800" kern="1200">
-                <a:solidFill>
-                  <a:schemeClr val="tx1"/>
-                </a:solidFill>
-                <a:latin typeface="+mn-lt"/>
-                <a:ea typeface="+mn-ea"/>
-                <a:cs typeface="+mn-cs"/>
-              </a:defRPr>
-            </a:lvl2pPr>
-            <a:lvl3pPr marL="914400" algn="l" defTabSz="914400" rtl="0" eaLnBrk="1" latinLnBrk="0" hangingPunct="1">
-              <a:defRPr sz="1800" kern="1200">
-                <a:solidFill>
-                  <a:schemeClr val="tx1"/>
-                </a:solidFill>
-                <a:latin typeface="+mn-lt"/>
-                <a:ea typeface="+mn-ea"/>
-                <a:cs typeface="+mn-cs"/>
-              </a:defRPr>
-            </a:lvl3pPr>
-            <a:lvl4pPr marL="1371600" algn="l" defTabSz="914400" rtl="0" eaLnBrk="1" latinLnBrk="0" hangingPunct="1">
-              <a:defRPr sz="1800" kern="1200">
-                <a:solidFill>
-                  <a:schemeClr val="tx1"/>
-                </a:solidFill>
-                <a:latin typeface="+mn-lt"/>
-                <a:ea typeface="+mn-ea"/>
-                <a:cs typeface="+mn-cs"/>
-              </a:defRPr>
-            </a:lvl4pPr>
-            <a:lvl5pPr marL="1828800" algn="l" defTabSz="914400" rtl="0" eaLnBrk="1" latinLnBrk="0" hangingPunct="1">
-              <a:defRPr sz="1800" kern="1200">
-                <a:solidFill>
-                  <a:schemeClr val="tx1"/>
-                </a:solidFill>
-                <a:latin typeface="+mn-lt"/>
-                <a:ea typeface="+mn-ea"/>
-                <a:cs typeface="+mn-cs"/>
-              </a:defRPr>
-            </a:lvl5pPr>
-            <a:lvl6pPr marL="2286000" algn="l" defTabSz="914400" rtl="0" eaLnBrk="1" latinLnBrk="0" hangingPunct="1">
-              <a:defRPr sz="1800" kern="1200">
-                <a:solidFill>
-                  <a:schemeClr val="tx1"/>
-                </a:solidFill>
-                <a:latin typeface="+mn-lt"/>
-                <a:ea typeface="+mn-ea"/>
-                <a:cs typeface="+mn-cs"/>
-              </a:defRPr>
-            </a:lvl6pPr>
-            <a:lvl7pPr marL="2743200" algn="l" defTabSz="914400" rtl="0" eaLnBrk="1" latinLnBrk="0" hangingPunct="1">
-              <a:defRPr sz="1800" kern="1200">
-                <a:solidFill>
-                  <a:schemeClr val="tx1"/>
-                </a:solidFill>
-                <a:latin typeface="+mn-lt"/>
-                <a:ea typeface="+mn-ea"/>
-                <a:cs typeface="+mn-cs"/>
-              </a:defRPr>
-            </a:lvl7pPr>
-            <a:lvl8pPr marL="3200400" algn="l" defTabSz="914400" rtl="0" eaLnBrk="1" latinLnBrk="0" hangingPunct="1">
-              <a:defRPr sz="1800" kern="1200">
-                <a:solidFill>
-                  <a:schemeClr val="tx1"/>
-                </a:solidFill>
-                <a:latin typeface="+mn-lt"/>
-                <a:ea typeface="+mn-ea"/>
-                <a:cs typeface="+mn-cs"/>
-              </a:defRPr>
-            </a:lvl8pPr>
-            <a:lvl9pPr marL="3657600" algn="l" defTabSz="914400" rtl="0" eaLnBrk="1" latinLnBrk="0" hangingPunct="1">
-              <a:defRPr sz="1800" kern="1200">
-                <a:solidFill>
-                  <a:schemeClr val="tx1"/>
-                </a:solidFill>
-                <a:latin typeface="+mn-lt"/>
-                <a:ea typeface="+mn-ea"/>
-                <a:cs typeface="+mn-cs"/>
-              </a:defRPr>
-            </a:lvl9pPr>
-          </a:lstStyle>
-          <a:p>
-            <a:pPr>
-              <a:defRPr/>
-            </a:pPr>
-            <a:r>
-              <a:rPr lang="en-US" altLang="ko-KR">
-                <a:solidFill>
-                  <a:prstClr val="black">
-                    <a:tint val="75000"/>
-                  </a:prstClr>
-                </a:solidFill>
-              </a:rPr>
-              <a:t>CMS BOARD PROJECT</a:t>
-            </a:r>
-            <a:endParaRPr lang="ko-KR" altLang="en-US" dirty="0">
-              <a:solidFill>
-                <a:prstClr val="black">
-                  <a:tint val="75000"/>
-                </a:prstClr>
-              </a:solidFill>
-            </a:endParaRPr>
-          </a:p>
-        </p:txBody>
-      </p:sp>
-      <p:sp>
-        <p:nvSpPr>
-          <p:cNvPr id="7" name="슬라이드 번호 개체 틀 5">
-            <a:extLst>
-              <a:ext uri="{FF2B5EF4-FFF2-40B4-BE49-F238E27FC236}">
-                <a16:creationId xmlns:a16="http://schemas.microsoft.com/office/drawing/2014/main" id="{140897D3-3441-460E-8016-99226899B805}"/>
-              </a:ext>
-            </a:extLst>
-          </p:cNvPr>
-          <p:cNvSpPr txBox="1">
-            <a:spLocks/>
-          </p:cNvSpPr>
-          <p:nvPr/>
-        </p:nvSpPr>
-        <p:spPr>
-          <a:xfrm>
-            <a:off x="8763000" y="6508750"/>
-            <a:ext cx="2743200" cy="365125"/>
-          </a:xfrm>
-          <a:prstGeom prst="rect">
-            <a:avLst/>
-          </a:prstGeom>
-        </p:spPr>
-        <p:txBody>
-          <a:bodyPr vert="horz" lIns="91440" tIns="45720" rIns="91440" bIns="45720" rtlCol="0" anchor="ctr"/>
-          <a:lstStyle>
-            <a:defPPr rtl="0">
-              <a:defRPr lang="ko-kr"/>
-            </a:defPPr>
-            <a:lvl1pPr marL="0" algn="r" defTabSz="914400" rtl="0" eaLnBrk="1" latinLnBrk="0" hangingPunct="1">
-              <a:defRPr sz="1200" kern="1200" cap="none" spc="0" baseline="0">
-                <a:solidFill>
-                  <a:schemeClr val="tx1">
-                    <a:tint val="75000"/>
-                  </a:schemeClr>
-                </a:solidFill>
-                <a:latin typeface="맑은 고딕" panose="020B0503020000020004" pitchFamily="50" charset="-127"/>
-                <a:ea typeface="맑은 고딕" panose="020B0503020000020004" pitchFamily="50" charset="-127"/>
-                <a:cs typeface="+mn-cs"/>
-              </a:defRPr>
-            </a:lvl1pPr>
-            <a:lvl2pPr marL="457200" algn="l" defTabSz="914400" rtl="0" eaLnBrk="1" latinLnBrk="0" hangingPunct="1">
-              <a:defRPr sz="1800" kern="1200">
-                <a:solidFill>
-                  <a:schemeClr val="tx1"/>
-                </a:solidFill>
-                <a:latin typeface="+mn-lt"/>
-                <a:ea typeface="+mn-ea"/>
-                <a:cs typeface="+mn-cs"/>
-              </a:defRPr>
-            </a:lvl2pPr>
-            <a:lvl3pPr marL="914400" algn="l" defTabSz="914400" rtl="0" eaLnBrk="1" latinLnBrk="0" hangingPunct="1">
-              <a:defRPr sz="1800" kern="1200">
-                <a:solidFill>
-                  <a:schemeClr val="tx1"/>
-                </a:solidFill>
-                <a:latin typeface="+mn-lt"/>
-                <a:ea typeface="+mn-ea"/>
-                <a:cs typeface="+mn-cs"/>
-              </a:defRPr>
-            </a:lvl3pPr>
-            <a:lvl4pPr marL="1371600" algn="l" defTabSz="914400" rtl="0" eaLnBrk="1" latinLnBrk="0" hangingPunct="1">
-              <a:defRPr sz="1800" kern="1200">
-                <a:solidFill>
-                  <a:schemeClr val="tx1"/>
-                </a:solidFill>
-                <a:latin typeface="+mn-lt"/>
-                <a:ea typeface="+mn-ea"/>
-                <a:cs typeface="+mn-cs"/>
-              </a:defRPr>
-            </a:lvl4pPr>
-            <a:lvl5pPr marL="1828800" algn="l" defTabSz="914400" rtl="0" eaLnBrk="1" latinLnBrk="0" hangingPunct="1">
-              <a:defRPr sz="1800" kern="1200">
-                <a:solidFill>
-                  <a:schemeClr val="tx1"/>
-                </a:solidFill>
-                <a:latin typeface="+mn-lt"/>
-                <a:ea typeface="+mn-ea"/>
-                <a:cs typeface="+mn-cs"/>
-              </a:defRPr>
-            </a:lvl5pPr>
-            <a:lvl6pPr marL="2286000" algn="l" defTabSz="914400" rtl="0" eaLnBrk="1" latinLnBrk="0" hangingPunct="1">
-              <a:defRPr sz="1800" kern="1200">
-                <a:solidFill>
-                  <a:schemeClr val="tx1"/>
-                </a:solidFill>
-                <a:latin typeface="+mn-lt"/>
-                <a:ea typeface="+mn-ea"/>
-                <a:cs typeface="+mn-cs"/>
-              </a:defRPr>
-            </a:lvl6pPr>
-            <a:lvl7pPr marL="2743200" algn="l" defTabSz="914400" rtl="0" eaLnBrk="1" latinLnBrk="0" hangingPunct="1">
-              <a:defRPr sz="1800" kern="1200">
-                <a:solidFill>
-                  <a:schemeClr val="tx1"/>
-                </a:solidFill>
-                <a:latin typeface="+mn-lt"/>
-                <a:ea typeface="+mn-ea"/>
-                <a:cs typeface="+mn-cs"/>
-              </a:defRPr>
-            </a:lvl7pPr>
-            <a:lvl8pPr marL="3200400" algn="l" defTabSz="914400" rtl="0" eaLnBrk="1" latinLnBrk="0" hangingPunct="1">
-              <a:defRPr sz="1800" kern="1200">
-                <a:solidFill>
-                  <a:schemeClr val="tx1"/>
-                </a:solidFill>
-                <a:latin typeface="+mn-lt"/>
-                <a:ea typeface="+mn-ea"/>
-                <a:cs typeface="+mn-cs"/>
-              </a:defRPr>
-            </a:lvl8pPr>
-            <a:lvl9pPr marL="3657600" algn="l" defTabSz="914400" rtl="0" eaLnBrk="1" latinLnBrk="0" hangingPunct="1">
-              <a:defRPr sz="1800" kern="1200">
-                <a:solidFill>
-                  <a:schemeClr val="tx1"/>
-                </a:solidFill>
-                <a:latin typeface="+mn-lt"/>
-                <a:ea typeface="+mn-ea"/>
-                <a:cs typeface="+mn-cs"/>
-              </a:defRPr>
-            </a:lvl9pPr>
-          </a:lstStyle>
-          <a:p>
-            <a:pPr>
-              <a:defRPr/>
-            </a:pPr>
-            <a:fld id="{D76B855D-E9CC-4FF8-AD85-6CDC7B89A0DE}" type="slidenum">
-              <a:rPr lang="en-US" altLang="ko-KR" smtClean="0">
-                <a:solidFill>
-                  <a:prstClr val="black">
-                    <a:tint val="75000"/>
-                  </a:prstClr>
-                </a:solidFill>
-              </a:rPr>
-              <a:pPr>
-                <a:defRPr/>
-              </a:pPr>
-              <a:t>8</a:t>
-            </a:fld>
-            <a:endParaRPr lang="ko-KR" altLang="en-US" dirty="0">
-              <a:solidFill>
-                <a:prstClr val="black">
-                  <a:tint val="75000"/>
-                </a:prstClr>
-              </a:solidFill>
-            </a:endParaRPr>
-          </a:p>
-        </p:txBody>
-      </p:sp>
     </p:spTree>
     <p:extLst>
       <p:ext uri="{BB962C8B-B14F-4D97-AF65-F5344CB8AC3E}">
@@ -20464,12 +20538,453 @@
           </a:p>
         </p:txBody>
       </p:sp>
+      <p:sp>
+        <p:nvSpPr>
+          <p:cNvPr id="5" name="날짜 개체 틀 3">
+            <a:extLst>
+              <a:ext uri="{FF2B5EF4-FFF2-40B4-BE49-F238E27FC236}">
+                <a16:creationId xmlns:a16="http://schemas.microsoft.com/office/drawing/2014/main" id="{689C6024-9D11-FBFB-B80E-E5F6ABAC4F0D}"/>
+              </a:ext>
+            </a:extLst>
+          </p:cNvPr>
+          <p:cNvSpPr txBox="1">
+            <a:spLocks/>
+          </p:cNvSpPr>
+          <p:nvPr/>
+        </p:nvSpPr>
+        <p:spPr>
+          <a:xfrm>
+            <a:off x="990600" y="6508750"/>
+            <a:ext cx="2743200" cy="365125"/>
+          </a:xfrm>
+          <a:prstGeom prst="rect">
+            <a:avLst/>
+          </a:prstGeom>
+        </p:spPr>
+        <p:txBody>
+          <a:bodyPr vert="horz" lIns="91440" tIns="45720" rIns="91440" bIns="45720" rtlCol="0" anchor="ctr"/>
+          <a:lstStyle>
+            <a:defPPr rtl="0">
+              <a:defRPr lang="ko-kr"/>
+            </a:defPPr>
+            <a:lvl1pPr marL="0" algn="l" defTabSz="914400" rtl="0" eaLnBrk="1" latinLnBrk="0" hangingPunct="1">
+              <a:defRPr sz="1200" kern="1200" cap="none" spc="0" baseline="0">
+                <a:solidFill>
+                  <a:schemeClr val="tx1">
+                    <a:tint val="75000"/>
+                  </a:schemeClr>
+                </a:solidFill>
+                <a:latin typeface="맑은 고딕" panose="020B0503020000020004" pitchFamily="50" charset="-127"/>
+                <a:ea typeface="맑은 고딕" panose="020B0503020000020004" pitchFamily="50" charset="-127"/>
+                <a:cs typeface="+mn-cs"/>
+              </a:defRPr>
+            </a:lvl1pPr>
+            <a:lvl2pPr marL="457200" algn="l" defTabSz="914400" rtl="0" eaLnBrk="1" latinLnBrk="0" hangingPunct="1">
+              <a:defRPr sz="1800" kern="1200">
+                <a:solidFill>
+                  <a:schemeClr val="tx1"/>
+                </a:solidFill>
+                <a:latin typeface="+mn-lt"/>
+                <a:ea typeface="+mn-ea"/>
+                <a:cs typeface="+mn-cs"/>
+              </a:defRPr>
+            </a:lvl2pPr>
+            <a:lvl3pPr marL="914400" algn="l" defTabSz="914400" rtl="0" eaLnBrk="1" latinLnBrk="0" hangingPunct="1">
+              <a:defRPr sz="1800" kern="1200">
+                <a:solidFill>
+                  <a:schemeClr val="tx1"/>
+                </a:solidFill>
+                <a:latin typeface="+mn-lt"/>
+                <a:ea typeface="+mn-ea"/>
+                <a:cs typeface="+mn-cs"/>
+              </a:defRPr>
+            </a:lvl3pPr>
+            <a:lvl4pPr marL="1371600" algn="l" defTabSz="914400" rtl="0" eaLnBrk="1" latinLnBrk="0" hangingPunct="1">
+              <a:defRPr sz="1800" kern="1200">
+                <a:solidFill>
+                  <a:schemeClr val="tx1"/>
+                </a:solidFill>
+                <a:latin typeface="+mn-lt"/>
+                <a:ea typeface="+mn-ea"/>
+                <a:cs typeface="+mn-cs"/>
+              </a:defRPr>
+            </a:lvl4pPr>
+            <a:lvl5pPr marL="1828800" algn="l" defTabSz="914400" rtl="0" eaLnBrk="1" latinLnBrk="0" hangingPunct="1">
+              <a:defRPr sz="1800" kern="1200">
+                <a:solidFill>
+                  <a:schemeClr val="tx1"/>
+                </a:solidFill>
+                <a:latin typeface="+mn-lt"/>
+                <a:ea typeface="+mn-ea"/>
+                <a:cs typeface="+mn-cs"/>
+              </a:defRPr>
+            </a:lvl5pPr>
+            <a:lvl6pPr marL="2286000" algn="l" defTabSz="914400" rtl="0" eaLnBrk="1" latinLnBrk="0" hangingPunct="1">
+              <a:defRPr sz="1800" kern="1200">
+                <a:solidFill>
+                  <a:schemeClr val="tx1"/>
+                </a:solidFill>
+                <a:latin typeface="+mn-lt"/>
+                <a:ea typeface="+mn-ea"/>
+                <a:cs typeface="+mn-cs"/>
+              </a:defRPr>
+            </a:lvl6pPr>
+            <a:lvl7pPr marL="2743200" algn="l" defTabSz="914400" rtl="0" eaLnBrk="1" latinLnBrk="0" hangingPunct="1">
+              <a:defRPr sz="1800" kern="1200">
+                <a:solidFill>
+                  <a:schemeClr val="tx1"/>
+                </a:solidFill>
+                <a:latin typeface="+mn-lt"/>
+                <a:ea typeface="+mn-ea"/>
+                <a:cs typeface="+mn-cs"/>
+              </a:defRPr>
+            </a:lvl7pPr>
+            <a:lvl8pPr marL="3200400" algn="l" defTabSz="914400" rtl="0" eaLnBrk="1" latinLnBrk="0" hangingPunct="1">
+              <a:defRPr sz="1800" kern="1200">
+                <a:solidFill>
+                  <a:schemeClr val="tx1"/>
+                </a:solidFill>
+                <a:latin typeface="+mn-lt"/>
+                <a:ea typeface="+mn-ea"/>
+                <a:cs typeface="+mn-cs"/>
+              </a:defRPr>
+            </a:lvl8pPr>
+            <a:lvl9pPr marL="3657600" algn="l" defTabSz="914400" rtl="0" eaLnBrk="1" latinLnBrk="0" hangingPunct="1">
+              <a:defRPr sz="1800" kern="1200">
+                <a:solidFill>
+                  <a:schemeClr val="tx1"/>
+                </a:solidFill>
+                <a:latin typeface="+mn-lt"/>
+                <a:ea typeface="+mn-ea"/>
+                <a:cs typeface="+mn-cs"/>
+              </a:defRPr>
+            </a:lvl9pPr>
+          </a:lstStyle>
+          <a:p>
+            <a:pPr>
+              <a:defRPr/>
+            </a:pPr>
+            <a:r>
+              <a:rPr lang="en-US" altLang="ko-KR">
+                <a:solidFill>
+                  <a:prstClr val="black">
+                    <a:tint val="75000"/>
+                  </a:prstClr>
+                </a:solidFill>
+              </a:rPr>
+              <a:t>12/29/2022</a:t>
+            </a:r>
+            <a:endParaRPr lang="en-US" altLang="ko-KR" dirty="0">
+              <a:solidFill>
+                <a:prstClr val="black">
+                  <a:tint val="75000"/>
+                </a:prstClr>
+              </a:solidFill>
+            </a:endParaRPr>
+          </a:p>
+        </p:txBody>
+      </p:sp>
+      <p:sp>
+        <p:nvSpPr>
+          <p:cNvPr id="6" name="바닥글 개체 틀 4">
+            <a:extLst>
+              <a:ext uri="{FF2B5EF4-FFF2-40B4-BE49-F238E27FC236}">
+                <a16:creationId xmlns:a16="http://schemas.microsoft.com/office/drawing/2014/main" id="{0A0ECDA3-002F-C46A-7771-04FF64796F3E}"/>
+              </a:ext>
+            </a:extLst>
+          </p:cNvPr>
+          <p:cNvSpPr txBox="1">
+            <a:spLocks/>
+          </p:cNvSpPr>
+          <p:nvPr/>
+        </p:nvSpPr>
+        <p:spPr>
+          <a:xfrm>
+            <a:off x="4191000" y="6508750"/>
+            <a:ext cx="4114800" cy="365125"/>
+          </a:xfrm>
+          <a:prstGeom prst="rect">
+            <a:avLst/>
+          </a:prstGeom>
+        </p:spPr>
+        <p:txBody>
+          <a:bodyPr vert="horz" lIns="91440" tIns="45720" rIns="91440" bIns="45720" rtlCol="0" anchor="ctr"/>
+          <a:lstStyle>
+            <a:defPPr rtl="0">
+              <a:defRPr lang="ko-kr"/>
+            </a:defPPr>
+            <a:lvl1pPr marL="0" algn="ctr" defTabSz="914400" rtl="0" eaLnBrk="1" latinLnBrk="0" hangingPunct="1">
+              <a:defRPr sz="1200" kern="1200" cap="none" spc="0" baseline="0">
+                <a:solidFill>
+                  <a:schemeClr val="tx1">
+                    <a:tint val="75000"/>
+                  </a:schemeClr>
+                </a:solidFill>
+                <a:latin typeface="맑은 고딕" panose="020B0503020000020004" pitchFamily="50" charset="-127"/>
+                <a:ea typeface="맑은 고딕" panose="020B0503020000020004" pitchFamily="50" charset="-127"/>
+                <a:cs typeface="+mn-cs"/>
+              </a:defRPr>
+            </a:lvl1pPr>
+            <a:lvl2pPr marL="457200" algn="l" defTabSz="914400" rtl="0" eaLnBrk="1" latinLnBrk="0" hangingPunct="1">
+              <a:defRPr sz="1800" kern="1200">
+                <a:solidFill>
+                  <a:schemeClr val="tx1"/>
+                </a:solidFill>
+                <a:latin typeface="+mn-lt"/>
+                <a:ea typeface="+mn-ea"/>
+                <a:cs typeface="+mn-cs"/>
+              </a:defRPr>
+            </a:lvl2pPr>
+            <a:lvl3pPr marL="914400" algn="l" defTabSz="914400" rtl="0" eaLnBrk="1" latinLnBrk="0" hangingPunct="1">
+              <a:defRPr sz="1800" kern="1200">
+                <a:solidFill>
+                  <a:schemeClr val="tx1"/>
+                </a:solidFill>
+                <a:latin typeface="+mn-lt"/>
+                <a:ea typeface="+mn-ea"/>
+                <a:cs typeface="+mn-cs"/>
+              </a:defRPr>
+            </a:lvl3pPr>
+            <a:lvl4pPr marL="1371600" algn="l" defTabSz="914400" rtl="0" eaLnBrk="1" latinLnBrk="0" hangingPunct="1">
+              <a:defRPr sz="1800" kern="1200">
+                <a:solidFill>
+                  <a:schemeClr val="tx1"/>
+                </a:solidFill>
+                <a:latin typeface="+mn-lt"/>
+                <a:ea typeface="+mn-ea"/>
+                <a:cs typeface="+mn-cs"/>
+              </a:defRPr>
+            </a:lvl4pPr>
+            <a:lvl5pPr marL="1828800" algn="l" defTabSz="914400" rtl="0" eaLnBrk="1" latinLnBrk="0" hangingPunct="1">
+              <a:defRPr sz="1800" kern="1200">
+                <a:solidFill>
+                  <a:schemeClr val="tx1"/>
+                </a:solidFill>
+                <a:latin typeface="+mn-lt"/>
+                <a:ea typeface="+mn-ea"/>
+                <a:cs typeface="+mn-cs"/>
+              </a:defRPr>
+            </a:lvl5pPr>
+            <a:lvl6pPr marL="2286000" algn="l" defTabSz="914400" rtl="0" eaLnBrk="1" latinLnBrk="0" hangingPunct="1">
+              <a:defRPr sz="1800" kern="1200">
+                <a:solidFill>
+                  <a:schemeClr val="tx1"/>
+                </a:solidFill>
+                <a:latin typeface="+mn-lt"/>
+                <a:ea typeface="+mn-ea"/>
+                <a:cs typeface="+mn-cs"/>
+              </a:defRPr>
+            </a:lvl6pPr>
+            <a:lvl7pPr marL="2743200" algn="l" defTabSz="914400" rtl="0" eaLnBrk="1" latinLnBrk="0" hangingPunct="1">
+              <a:defRPr sz="1800" kern="1200">
+                <a:solidFill>
+                  <a:schemeClr val="tx1"/>
+                </a:solidFill>
+                <a:latin typeface="+mn-lt"/>
+                <a:ea typeface="+mn-ea"/>
+                <a:cs typeface="+mn-cs"/>
+              </a:defRPr>
+            </a:lvl7pPr>
+            <a:lvl8pPr marL="3200400" algn="l" defTabSz="914400" rtl="0" eaLnBrk="1" latinLnBrk="0" hangingPunct="1">
+              <a:defRPr sz="1800" kern="1200">
+                <a:solidFill>
+                  <a:schemeClr val="tx1"/>
+                </a:solidFill>
+                <a:latin typeface="+mn-lt"/>
+                <a:ea typeface="+mn-ea"/>
+                <a:cs typeface="+mn-cs"/>
+              </a:defRPr>
+            </a:lvl8pPr>
+            <a:lvl9pPr marL="3657600" algn="l" defTabSz="914400" rtl="0" eaLnBrk="1" latinLnBrk="0" hangingPunct="1">
+              <a:defRPr sz="1800" kern="1200">
+                <a:solidFill>
+                  <a:schemeClr val="tx1"/>
+                </a:solidFill>
+                <a:latin typeface="+mn-lt"/>
+                <a:ea typeface="+mn-ea"/>
+                <a:cs typeface="+mn-cs"/>
+              </a:defRPr>
+            </a:lvl9pPr>
+          </a:lstStyle>
+          <a:p>
+            <a:pPr>
+              <a:defRPr/>
+            </a:pPr>
+            <a:r>
+              <a:rPr lang="en-US" altLang="ko-KR">
+                <a:solidFill>
+                  <a:prstClr val="black">
+                    <a:tint val="75000"/>
+                  </a:prstClr>
+                </a:solidFill>
+              </a:rPr>
+              <a:t>CMS BOARD PROJECT</a:t>
+            </a:r>
+            <a:endParaRPr lang="ko-KR" altLang="en-US" dirty="0">
+              <a:solidFill>
+                <a:prstClr val="black">
+                  <a:tint val="75000"/>
+                </a:prstClr>
+              </a:solidFill>
+            </a:endParaRPr>
+          </a:p>
+        </p:txBody>
+      </p:sp>
+      <p:sp>
+        <p:nvSpPr>
+          <p:cNvPr id="7" name="슬라이드 번호 개체 틀 5">
+            <a:extLst>
+              <a:ext uri="{FF2B5EF4-FFF2-40B4-BE49-F238E27FC236}">
+                <a16:creationId xmlns:a16="http://schemas.microsoft.com/office/drawing/2014/main" id="{CC1BB182-138D-47F1-15D5-329F11B82146}"/>
+              </a:ext>
+            </a:extLst>
+          </p:cNvPr>
+          <p:cNvSpPr txBox="1">
+            <a:spLocks/>
+          </p:cNvSpPr>
+          <p:nvPr/>
+        </p:nvSpPr>
+        <p:spPr>
+          <a:xfrm>
+            <a:off x="8763000" y="6508750"/>
+            <a:ext cx="2743200" cy="365125"/>
+          </a:xfrm>
+          <a:prstGeom prst="rect">
+            <a:avLst/>
+          </a:prstGeom>
+        </p:spPr>
+        <p:txBody>
+          <a:bodyPr vert="horz" lIns="91440" tIns="45720" rIns="91440" bIns="45720" rtlCol="0" anchor="ctr"/>
+          <a:lstStyle>
+            <a:defPPr rtl="0">
+              <a:defRPr lang="ko-kr"/>
+            </a:defPPr>
+            <a:lvl1pPr marL="0" algn="r" defTabSz="914400" rtl="0" eaLnBrk="1" latinLnBrk="0" hangingPunct="1">
+              <a:defRPr sz="1200" kern="1200" cap="none" spc="0" baseline="0">
+                <a:solidFill>
+                  <a:schemeClr val="tx1">
+                    <a:tint val="75000"/>
+                  </a:schemeClr>
+                </a:solidFill>
+                <a:latin typeface="맑은 고딕" panose="020B0503020000020004" pitchFamily="50" charset="-127"/>
+                <a:ea typeface="맑은 고딕" panose="020B0503020000020004" pitchFamily="50" charset="-127"/>
+                <a:cs typeface="+mn-cs"/>
+              </a:defRPr>
+            </a:lvl1pPr>
+            <a:lvl2pPr marL="457200" algn="l" defTabSz="914400" rtl="0" eaLnBrk="1" latinLnBrk="0" hangingPunct="1">
+              <a:defRPr sz="1800" kern="1200">
+                <a:solidFill>
+                  <a:schemeClr val="tx1"/>
+                </a:solidFill>
+                <a:latin typeface="+mn-lt"/>
+                <a:ea typeface="+mn-ea"/>
+                <a:cs typeface="+mn-cs"/>
+              </a:defRPr>
+            </a:lvl2pPr>
+            <a:lvl3pPr marL="914400" algn="l" defTabSz="914400" rtl="0" eaLnBrk="1" latinLnBrk="0" hangingPunct="1">
+              <a:defRPr sz="1800" kern="1200">
+                <a:solidFill>
+                  <a:schemeClr val="tx1"/>
+                </a:solidFill>
+                <a:latin typeface="+mn-lt"/>
+                <a:ea typeface="+mn-ea"/>
+                <a:cs typeface="+mn-cs"/>
+              </a:defRPr>
+            </a:lvl3pPr>
+            <a:lvl4pPr marL="1371600" algn="l" defTabSz="914400" rtl="0" eaLnBrk="1" latinLnBrk="0" hangingPunct="1">
+              <a:defRPr sz="1800" kern="1200">
+                <a:solidFill>
+                  <a:schemeClr val="tx1"/>
+                </a:solidFill>
+                <a:latin typeface="+mn-lt"/>
+                <a:ea typeface="+mn-ea"/>
+                <a:cs typeface="+mn-cs"/>
+              </a:defRPr>
+            </a:lvl4pPr>
+            <a:lvl5pPr marL="1828800" algn="l" defTabSz="914400" rtl="0" eaLnBrk="1" latinLnBrk="0" hangingPunct="1">
+              <a:defRPr sz="1800" kern="1200">
+                <a:solidFill>
+                  <a:schemeClr val="tx1"/>
+                </a:solidFill>
+                <a:latin typeface="+mn-lt"/>
+                <a:ea typeface="+mn-ea"/>
+                <a:cs typeface="+mn-cs"/>
+              </a:defRPr>
+            </a:lvl5pPr>
+            <a:lvl6pPr marL="2286000" algn="l" defTabSz="914400" rtl="0" eaLnBrk="1" latinLnBrk="0" hangingPunct="1">
+              <a:defRPr sz="1800" kern="1200">
+                <a:solidFill>
+                  <a:schemeClr val="tx1"/>
+                </a:solidFill>
+                <a:latin typeface="+mn-lt"/>
+                <a:ea typeface="+mn-ea"/>
+                <a:cs typeface="+mn-cs"/>
+              </a:defRPr>
+            </a:lvl6pPr>
+            <a:lvl7pPr marL="2743200" algn="l" defTabSz="914400" rtl="0" eaLnBrk="1" latinLnBrk="0" hangingPunct="1">
+              <a:defRPr sz="1800" kern="1200">
+                <a:solidFill>
+                  <a:schemeClr val="tx1"/>
+                </a:solidFill>
+                <a:latin typeface="+mn-lt"/>
+                <a:ea typeface="+mn-ea"/>
+                <a:cs typeface="+mn-cs"/>
+              </a:defRPr>
+            </a:lvl7pPr>
+            <a:lvl8pPr marL="3200400" algn="l" defTabSz="914400" rtl="0" eaLnBrk="1" latinLnBrk="0" hangingPunct="1">
+              <a:defRPr sz="1800" kern="1200">
+                <a:solidFill>
+                  <a:schemeClr val="tx1"/>
+                </a:solidFill>
+                <a:latin typeface="+mn-lt"/>
+                <a:ea typeface="+mn-ea"/>
+                <a:cs typeface="+mn-cs"/>
+              </a:defRPr>
+            </a:lvl8pPr>
+            <a:lvl9pPr marL="3657600" algn="l" defTabSz="914400" rtl="0" eaLnBrk="1" latinLnBrk="0" hangingPunct="1">
+              <a:defRPr sz="1800" kern="1200">
+                <a:solidFill>
+                  <a:schemeClr val="tx1"/>
+                </a:solidFill>
+                <a:latin typeface="+mn-lt"/>
+                <a:ea typeface="+mn-ea"/>
+                <a:cs typeface="+mn-cs"/>
+              </a:defRPr>
+            </a:lvl9pPr>
+          </a:lstStyle>
+          <a:p>
+            <a:pPr>
+              <a:defRPr/>
+            </a:pPr>
+            <a:fld id="{D76B855D-E9CC-4FF8-AD85-6CDC7B89A0DE}" type="slidenum">
+              <a:rPr lang="en-US" altLang="ko-KR" smtClean="0">
+                <a:solidFill>
+                  <a:prstClr val="black">
+                    <a:tint val="75000"/>
+                  </a:prstClr>
+                </a:solidFill>
+              </a:rPr>
+              <a:pPr>
+                <a:defRPr/>
+              </a:pPr>
+              <a:t>9</a:t>
+            </a:fld>
+            <a:endParaRPr lang="ko-KR" altLang="en-US" dirty="0">
+              <a:solidFill>
+                <a:prstClr val="black">
+                  <a:tint val="75000"/>
+                </a:prstClr>
+              </a:solidFill>
+            </a:endParaRPr>
+          </a:p>
+        </p:txBody>
+      </p:sp>
       <p:pic>
         <p:nvPicPr>
-          <p:cNvPr id="4" name="그림 3">
+          <p:cNvPr id="8" name="그림 7" descr="텍스트이(가) 표시된 사진&#10;&#10;자동 생성된 설명">
             <a:extLst>
               <a:ext uri="{FF2B5EF4-FFF2-40B4-BE49-F238E27FC236}">
-                <a16:creationId xmlns:a16="http://schemas.microsoft.com/office/drawing/2014/main" id="{DAC0A9AF-21AF-AFB2-6BC6-7D89EA10D75B}"/>
+                <a16:creationId xmlns:a16="http://schemas.microsoft.com/office/drawing/2014/main" id="{D2FE190B-43B0-8ED6-5D0D-EAB6C3303D9E}"/>
               </a:ext>
             </a:extLst>
           </p:cNvPr>
@@ -20486,455 +21001,14 @@
         </p:blipFill>
         <p:spPr>
           <a:xfrm>
-            <a:off x="1316566" y="1511531"/>
-            <a:ext cx="9558867" cy="4638566"/>
+            <a:off x="1049383" y="1499424"/>
+            <a:ext cx="10093234" cy="4916261"/>
           </a:xfrm>
           <a:prstGeom prst="rect">
             <a:avLst/>
           </a:prstGeom>
         </p:spPr>
       </p:pic>
-      <p:sp>
-        <p:nvSpPr>
-          <p:cNvPr id="5" name="날짜 개체 틀 3">
-            <a:extLst>
-              <a:ext uri="{FF2B5EF4-FFF2-40B4-BE49-F238E27FC236}">
-                <a16:creationId xmlns:a16="http://schemas.microsoft.com/office/drawing/2014/main" id="{689C6024-9D11-FBFB-B80E-E5F6ABAC4F0D}"/>
-              </a:ext>
-            </a:extLst>
-          </p:cNvPr>
-          <p:cNvSpPr txBox="1">
-            <a:spLocks/>
-          </p:cNvSpPr>
-          <p:nvPr/>
-        </p:nvSpPr>
-        <p:spPr>
-          <a:xfrm>
-            <a:off x="990600" y="6508750"/>
-            <a:ext cx="2743200" cy="365125"/>
-          </a:xfrm>
-          <a:prstGeom prst="rect">
-            <a:avLst/>
-          </a:prstGeom>
-        </p:spPr>
-        <p:txBody>
-          <a:bodyPr vert="horz" lIns="91440" tIns="45720" rIns="91440" bIns="45720" rtlCol="0" anchor="ctr"/>
-          <a:lstStyle>
-            <a:defPPr rtl="0">
-              <a:defRPr lang="ko-kr"/>
-            </a:defPPr>
-            <a:lvl1pPr marL="0" algn="l" defTabSz="914400" rtl="0" eaLnBrk="1" latinLnBrk="0" hangingPunct="1">
-              <a:defRPr sz="1200" kern="1200" cap="none" spc="0" baseline="0">
-                <a:solidFill>
-                  <a:schemeClr val="tx1">
-                    <a:tint val="75000"/>
-                  </a:schemeClr>
-                </a:solidFill>
-                <a:latin typeface="맑은 고딕" panose="020B0503020000020004" pitchFamily="50" charset="-127"/>
-                <a:ea typeface="맑은 고딕" panose="020B0503020000020004" pitchFamily="50" charset="-127"/>
-                <a:cs typeface="+mn-cs"/>
-              </a:defRPr>
-            </a:lvl1pPr>
-            <a:lvl2pPr marL="457200" algn="l" defTabSz="914400" rtl="0" eaLnBrk="1" latinLnBrk="0" hangingPunct="1">
-              <a:defRPr sz="1800" kern="1200">
-                <a:solidFill>
-                  <a:schemeClr val="tx1"/>
-                </a:solidFill>
-                <a:latin typeface="+mn-lt"/>
-                <a:ea typeface="+mn-ea"/>
-                <a:cs typeface="+mn-cs"/>
-              </a:defRPr>
-            </a:lvl2pPr>
-            <a:lvl3pPr marL="914400" algn="l" defTabSz="914400" rtl="0" eaLnBrk="1" latinLnBrk="0" hangingPunct="1">
-              <a:defRPr sz="1800" kern="1200">
-                <a:solidFill>
-                  <a:schemeClr val="tx1"/>
-                </a:solidFill>
-                <a:latin typeface="+mn-lt"/>
-                <a:ea typeface="+mn-ea"/>
-                <a:cs typeface="+mn-cs"/>
-              </a:defRPr>
-            </a:lvl3pPr>
-            <a:lvl4pPr marL="1371600" algn="l" defTabSz="914400" rtl="0" eaLnBrk="1" latinLnBrk="0" hangingPunct="1">
-              <a:defRPr sz="1800" kern="1200">
-                <a:solidFill>
-                  <a:schemeClr val="tx1"/>
-                </a:solidFill>
-                <a:latin typeface="+mn-lt"/>
-                <a:ea typeface="+mn-ea"/>
-                <a:cs typeface="+mn-cs"/>
-              </a:defRPr>
-            </a:lvl4pPr>
-            <a:lvl5pPr marL="1828800" algn="l" defTabSz="914400" rtl="0" eaLnBrk="1" latinLnBrk="0" hangingPunct="1">
-              <a:defRPr sz="1800" kern="1200">
-                <a:solidFill>
-                  <a:schemeClr val="tx1"/>
-                </a:solidFill>
-                <a:latin typeface="+mn-lt"/>
-                <a:ea typeface="+mn-ea"/>
-                <a:cs typeface="+mn-cs"/>
-              </a:defRPr>
-            </a:lvl5pPr>
-            <a:lvl6pPr marL="2286000" algn="l" defTabSz="914400" rtl="0" eaLnBrk="1" latinLnBrk="0" hangingPunct="1">
-              <a:defRPr sz="1800" kern="1200">
-                <a:solidFill>
-                  <a:schemeClr val="tx1"/>
-                </a:solidFill>
-                <a:latin typeface="+mn-lt"/>
-                <a:ea typeface="+mn-ea"/>
-                <a:cs typeface="+mn-cs"/>
-              </a:defRPr>
-            </a:lvl6pPr>
-            <a:lvl7pPr marL="2743200" algn="l" defTabSz="914400" rtl="0" eaLnBrk="1" latinLnBrk="0" hangingPunct="1">
-              <a:defRPr sz="1800" kern="1200">
-                <a:solidFill>
-                  <a:schemeClr val="tx1"/>
-                </a:solidFill>
-                <a:latin typeface="+mn-lt"/>
-                <a:ea typeface="+mn-ea"/>
-                <a:cs typeface="+mn-cs"/>
-              </a:defRPr>
-            </a:lvl7pPr>
-            <a:lvl8pPr marL="3200400" algn="l" defTabSz="914400" rtl="0" eaLnBrk="1" latinLnBrk="0" hangingPunct="1">
-              <a:defRPr sz="1800" kern="1200">
-                <a:solidFill>
-                  <a:schemeClr val="tx1"/>
-                </a:solidFill>
-                <a:latin typeface="+mn-lt"/>
-                <a:ea typeface="+mn-ea"/>
-                <a:cs typeface="+mn-cs"/>
-              </a:defRPr>
-            </a:lvl8pPr>
-            <a:lvl9pPr marL="3657600" algn="l" defTabSz="914400" rtl="0" eaLnBrk="1" latinLnBrk="0" hangingPunct="1">
-              <a:defRPr sz="1800" kern="1200">
-                <a:solidFill>
-                  <a:schemeClr val="tx1"/>
-                </a:solidFill>
-                <a:latin typeface="+mn-lt"/>
-                <a:ea typeface="+mn-ea"/>
-                <a:cs typeface="+mn-cs"/>
-              </a:defRPr>
-            </a:lvl9pPr>
-          </a:lstStyle>
-          <a:p>
-            <a:pPr>
-              <a:defRPr/>
-            </a:pPr>
-            <a:r>
-              <a:rPr lang="en-US" altLang="ko-KR">
-                <a:solidFill>
-                  <a:prstClr val="black">
-                    <a:tint val="75000"/>
-                  </a:prstClr>
-                </a:solidFill>
-              </a:rPr>
-              <a:t>12/29/2022</a:t>
-            </a:r>
-            <a:endParaRPr lang="en-US" altLang="ko-KR" dirty="0">
-              <a:solidFill>
-                <a:prstClr val="black">
-                  <a:tint val="75000"/>
-                </a:prstClr>
-              </a:solidFill>
-            </a:endParaRPr>
-          </a:p>
-        </p:txBody>
-      </p:sp>
-      <p:sp>
-        <p:nvSpPr>
-          <p:cNvPr id="6" name="바닥글 개체 틀 4">
-            <a:extLst>
-              <a:ext uri="{FF2B5EF4-FFF2-40B4-BE49-F238E27FC236}">
-                <a16:creationId xmlns:a16="http://schemas.microsoft.com/office/drawing/2014/main" id="{0A0ECDA3-002F-C46A-7771-04FF64796F3E}"/>
-              </a:ext>
-            </a:extLst>
-          </p:cNvPr>
-          <p:cNvSpPr txBox="1">
-            <a:spLocks/>
-          </p:cNvSpPr>
-          <p:nvPr/>
-        </p:nvSpPr>
-        <p:spPr>
-          <a:xfrm>
-            <a:off x="4191000" y="6508750"/>
-            <a:ext cx="4114800" cy="365125"/>
-          </a:xfrm>
-          <a:prstGeom prst="rect">
-            <a:avLst/>
-          </a:prstGeom>
-        </p:spPr>
-        <p:txBody>
-          <a:bodyPr vert="horz" lIns="91440" tIns="45720" rIns="91440" bIns="45720" rtlCol="0" anchor="ctr"/>
-          <a:lstStyle>
-            <a:defPPr rtl="0">
-              <a:defRPr lang="ko-kr"/>
-            </a:defPPr>
-            <a:lvl1pPr marL="0" algn="ctr" defTabSz="914400" rtl="0" eaLnBrk="1" latinLnBrk="0" hangingPunct="1">
-              <a:defRPr sz="1200" kern="1200" cap="none" spc="0" baseline="0">
-                <a:solidFill>
-                  <a:schemeClr val="tx1">
-                    <a:tint val="75000"/>
-                  </a:schemeClr>
-                </a:solidFill>
-                <a:latin typeface="맑은 고딕" panose="020B0503020000020004" pitchFamily="50" charset="-127"/>
-                <a:ea typeface="맑은 고딕" panose="020B0503020000020004" pitchFamily="50" charset="-127"/>
-                <a:cs typeface="+mn-cs"/>
-              </a:defRPr>
-            </a:lvl1pPr>
-            <a:lvl2pPr marL="457200" algn="l" defTabSz="914400" rtl="0" eaLnBrk="1" latinLnBrk="0" hangingPunct="1">
-              <a:defRPr sz="1800" kern="1200">
-                <a:solidFill>
-                  <a:schemeClr val="tx1"/>
-                </a:solidFill>
-                <a:latin typeface="+mn-lt"/>
-                <a:ea typeface="+mn-ea"/>
-                <a:cs typeface="+mn-cs"/>
-              </a:defRPr>
-            </a:lvl2pPr>
-            <a:lvl3pPr marL="914400" algn="l" defTabSz="914400" rtl="0" eaLnBrk="1" latinLnBrk="0" hangingPunct="1">
-              <a:defRPr sz="1800" kern="1200">
-                <a:solidFill>
-                  <a:schemeClr val="tx1"/>
-                </a:solidFill>
-                <a:latin typeface="+mn-lt"/>
-                <a:ea typeface="+mn-ea"/>
-                <a:cs typeface="+mn-cs"/>
-              </a:defRPr>
-            </a:lvl3pPr>
-            <a:lvl4pPr marL="1371600" algn="l" defTabSz="914400" rtl="0" eaLnBrk="1" latinLnBrk="0" hangingPunct="1">
-              <a:defRPr sz="1800" kern="1200">
-                <a:solidFill>
-                  <a:schemeClr val="tx1"/>
-                </a:solidFill>
-                <a:latin typeface="+mn-lt"/>
-                <a:ea typeface="+mn-ea"/>
-                <a:cs typeface="+mn-cs"/>
-              </a:defRPr>
-            </a:lvl4pPr>
-            <a:lvl5pPr marL="1828800" algn="l" defTabSz="914400" rtl="0" eaLnBrk="1" latinLnBrk="0" hangingPunct="1">
-              <a:defRPr sz="1800" kern="1200">
-                <a:solidFill>
-                  <a:schemeClr val="tx1"/>
-                </a:solidFill>
-                <a:latin typeface="+mn-lt"/>
-                <a:ea typeface="+mn-ea"/>
-                <a:cs typeface="+mn-cs"/>
-              </a:defRPr>
-            </a:lvl5pPr>
-            <a:lvl6pPr marL="2286000" algn="l" defTabSz="914400" rtl="0" eaLnBrk="1" latinLnBrk="0" hangingPunct="1">
-              <a:defRPr sz="1800" kern="1200">
-                <a:solidFill>
-                  <a:schemeClr val="tx1"/>
-                </a:solidFill>
-                <a:latin typeface="+mn-lt"/>
-                <a:ea typeface="+mn-ea"/>
-                <a:cs typeface="+mn-cs"/>
-              </a:defRPr>
-            </a:lvl6pPr>
-            <a:lvl7pPr marL="2743200" algn="l" defTabSz="914400" rtl="0" eaLnBrk="1" latinLnBrk="0" hangingPunct="1">
-              <a:defRPr sz="1800" kern="1200">
-                <a:solidFill>
-                  <a:schemeClr val="tx1"/>
-                </a:solidFill>
-                <a:latin typeface="+mn-lt"/>
-                <a:ea typeface="+mn-ea"/>
-                <a:cs typeface="+mn-cs"/>
-              </a:defRPr>
-            </a:lvl7pPr>
-            <a:lvl8pPr marL="3200400" algn="l" defTabSz="914400" rtl="0" eaLnBrk="1" latinLnBrk="0" hangingPunct="1">
-              <a:defRPr sz="1800" kern="1200">
-                <a:solidFill>
-                  <a:schemeClr val="tx1"/>
-                </a:solidFill>
-                <a:latin typeface="+mn-lt"/>
-                <a:ea typeface="+mn-ea"/>
-                <a:cs typeface="+mn-cs"/>
-              </a:defRPr>
-            </a:lvl8pPr>
-            <a:lvl9pPr marL="3657600" algn="l" defTabSz="914400" rtl="0" eaLnBrk="1" latinLnBrk="0" hangingPunct="1">
-              <a:defRPr sz="1800" kern="1200">
-                <a:solidFill>
-                  <a:schemeClr val="tx1"/>
-                </a:solidFill>
-                <a:latin typeface="+mn-lt"/>
-                <a:ea typeface="+mn-ea"/>
-                <a:cs typeface="+mn-cs"/>
-              </a:defRPr>
-            </a:lvl9pPr>
-          </a:lstStyle>
-          <a:p>
-            <a:pPr>
-              <a:defRPr/>
-            </a:pPr>
-            <a:r>
-              <a:rPr lang="en-US" altLang="ko-KR">
-                <a:solidFill>
-                  <a:prstClr val="black">
-                    <a:tint val="75000"/>
-                  </a:prstClr>
-                </a:solidFill>
-              </a:rPr>
-              <a:t>CMS BOARD PROJECT</a:t>
-            </a:r>
-            <a:endParaRPr lang="ko-KR" altLang="en-US" dirty="0">
-              <a:solidFill>
-                <a:prstClr val="black">
-                  <a:tint val="75000"/>
-                </a:prstClr>
-              </a:solidFill>
-            </a:endParaRPr>
-          </a:p>
-        </p:txBody>
-      </p:sp>
-      <p:sp>
-        <p:nvSpPr>
-          <p:cNvPr id="7" name="슬라이드 번호 개체 틀 5">
-            <a:extLst>
-              <a:ext uri="{FF2B5EF4-FFF2-40B4-BE49-F238E27FC236}">
-                <a16:creationId xmlns:a16="http://schemas.microsoft.com/office/drawing/2014/main" id="{CC1BB182-138D-47F1-15D5-329F11B82146}"/>
-              </a:ext>
-            </a:extLst>
-          </p:cNvPr>
-          <p:cNvSpPr txBox="1">
-            <a:spLocks/>
-          </p:cNvSpPr>
-          <p:nvPr/>
-        </p:nvSpPr>
-        <p:spPr>
-          <a:xfrm>
-            <a:off x="8763000" y="6508750"/>
-            <a:ext cx="2743200" cy="365125"/>
-          </a:xfrm>
-          <a:prstGeom prst="rect">
-            <a:avLst/>
-          </a:prstGeom>
-        </p:spPr>
-        <p:txBody>
-          <a:bodyPr vert="horz" lIns="91440" tIns="45720" rIns="91440" bIns="45720" rtlCol="0" anchor="ctr"/>
-          <a:lstStyle>
-            <a:defPPr rtl="0">
-              <a:defRPr lang="ko-kr"/>
-            </a:defPPr>
-            <a:lvl1pPr marL="0" algn="r" defTabSz="914400" rtl="0" eaLnBrk="1" latinLnBrk="0" hangingPunct="1">
-              <a:defRPr sz="1200" kern="1200" cap="none" spc="0" baseline="0">
-                <a:solidFill>
-                  <a:schemeClr val="tx1">
-                    <a:tint val="75000"/>
-                  </a:schemeClr>
-                </a:solidFill>
-                <a:latin typeface="맑은 고딕" panose="020B0503020000020004" pitchFamily="50" charset="-127"/>
-                <a:ea typeface="맑은 고딕" panose="020B0503020000020004" pitchFamily="50" charset="-127"/>
-                <a:cs typeface="+mn-cs"/>
-              </a:defRPr>
-            </a:lvl1pPr>
-            <a:lvl2pPr marL="457200" algn="l" defTabSz="914400" rtl="0" eaLnBrk="1" latinLnBrk="0" hangingPunct="1">
-              <a:defRPr sz="1800" kern="1200">
-                <a:solidFill>
-                  <a:schemeClr val="tx1"/>
-                </a:solidFill>
-                <a:latin typeface="+mn-lt"/>
-                <a:ea typeface="+mn-ea"/>
-                <a:cs typeface="+mn-cs"/>
-              </a:defRPr>
-            </a:lvl2pPr>
-            <a:lvl3pPr marL="914400" algn="l" defTabSz="914400" rtl="0" eaLnBrk="1" latinLnBrk="0" hangingPunct="1">
-              <a:defRPr sz="1800" kern="1200">
-                <a:solidFill>
-                  <a:schemeClr val="tx1"/>
-                </a:solidFill>
-                <a:latin typeface="+mn-lt"/>
-                <a:ea typeface="+mn-ea"/>
-                <a:cs typeface="+mn-cs"/>
-              </a:defRPr>
-            </a:lvl3pPr>
-            <a:lvl4pPr marL="1371600" algn="l" defTabSz="914400" rtl="0" eaLnBrk="1" latinLnBrk="0" hangingPunct="1">
-              <a:defRPr sz="1800" kern="1200">
-                <a:solidFill>
-                  <a:schemeClr val="tx1"/>
-                </a:solidFill>
-                <a:latin typeface="+mn-lt"/>
-                <a:ea typeface="+mn-ea"/>
-                <a:cs typeface="+mn-cs"/>
-              </a:defRPr>
-            </a:lvl4pPr>
-            <a:lvl5pPr marL="1828800" algn="l" defTabSz="914400" rtl="0" eaLnBrk="1" latinLnBrk="0" hangingPunct="1">
-              <a:defRPr sz="1800" kern="1200">
-                <a:solidFill>
-                  <a:schemeClr val="tx1"/>
-                </a:solidFill>
-                <a:latin typeface="+mn-lt"/>
-                <a:ea typeface="+mn-ea"/>
-                <a:cs typeface="+mn-cs"/>
-              </a:defRPr>
-            </a:lvl5pPr>
-            <a:lvl6pPr marL="2286000" algn="l" defTabSz="914400" rtl="0" eaLnBrk="1" latinLnBrk="0" hangingPunct="1">
-              <a:defRPr sz="1800" kern="1200">
-                <a:solidFill>
-                  <a:schemeClr val="tx1"/>
-                </a:solidFill>
-                <a:latin typeface="+mn-lt"/>
-                <a:ea typeface="+mn-ea"/>
-                <a:cs typeface="+mn-cs"/>
-              </a:defRPr>
-            </a:lvl6pPr>
-            <a:lvl7pPr marL="2743200" algn="l" defTabSz="914400" rtl="0" eaLnBrk="1" latinLnBrk="0" hangingPunct="1">
-              <a:defRPr sz="1800" kern="1200">
-                <a:solidFill>
-                  <a:schemeClr val="tx1"/>
-                </a:solidFill>
-                <a:latin typeface="+mn-lt"/>
-                <a:ea typeface="+mn-ea"/>
-                <a:cs typeface="+mn-cs"/>
-              </a:defRPr>
-            </a:lvl7pPr>
-            <a:lvl8pPr marL="3200400" algn="l" defTabSz="914400" rtl="0" eaLnBrk="1" latinLnBrk="0" hangingPunct="1">
-              <a:defRPr sz="1800" kern="1200">
-                <a:solidFill>
-                  <a:schemeClr val="tx1"/>
-                </a:solidFill>
-                <a:latin typeface="+mn-lt"/>
-                <a:ea typeface="+mn-ea"/>
-                <a:cs typeface="+mn-cs"/>
-              </a:defRPr>
-            </a:lvl8pPr>
-            <a:lvl9pPr marL="3657600" algn="l" defTabSz="914400" rtl="0" eaLnBrk="1" latinLnBrk="0" hangingPunct="1">
-              <a:defRPr sz="1800" kern="1200">
-                <a:solidFill>
-                  <a:schemeClr val="tx1"/>
-                </a:solidFill>
-                <a:latin typeface="+mn-lt"/>
-                <a:ea typeface="+mn-ea"/>
-                <a:cs typeface="+mn-cs"/>
-              </a:defRPr>
-            </a:lvl9pPr>
-          </a:lstStyle>
-          <a:p>
-            <a:pPr>
-              <a:defRPr/>
-            </a:pPr>
-            <a:fld id="{D76B855D-E9CC-4FF8-AD85-6CDC7B89A0DE}" type="slidenum">
-              <a:rPr lang="en-US" altLang="ko-KR" smtClean="0">
-                <a:solidFill>
-                  <a:prstClr val="black">
-                    <a:tint val="75000"/>
-                  </a:prstClr>
-                </a:solidFill>
-              </a:rPr>
-              <a:pPr>
-                <a:defRPr/>
-              </a:pPr>
-              <a:t>9</a:t>
-            </a:fld>
-            <a:endParaRPr lang="ko-KR" altLang="en-US" dirty="0">
-              <a:solidFill>
-                <a:prstClr val="black">
-                  <a:tint val="75000"/>
-                </a:prstClr>
-              </a:solidFill>
-            </a:endParaRPr>
-          </a:p>
-        </p:txBody>
-      </p:sp>
     </p:spTree>
     <p:extLst>
       <p:ext uri="{BB962C8B-B14F-4D97-AF65-F5344CB8AC3E}">
@@ -21706,21 +21780,21 @@
 </file>
 
 <file path=customXml/item1.xml><?xml version="1.0" encoding="utf-8"?>
+<?mso-contentType ?>
+<FormTemplates xmlns="http://schemas.microsoft.com/sharepoint/v3/contenttype/forms">
+  <Display>DocumentLibraryForm</Display>
+  <Edit>DocumentLibraryForm</Edit>
+  <New>DocumentLibraryForm</New>
+</FormTemplates>
+</file>
+
+<file path=customXml/item2.xml><?xml version="1.0" encoding="utf-8"?>
 <p:properties xmlns:p="http://schemas.microsoft.com/office/2006/metadata/properties" xmlns:xsi="http://www.w3.org/2001/XMLSchema-instance" xmlns:pc="http://schemas.microsoft.com/office/infopath/2007/PartnerControls">
   <documentManagement>
     <Status xmlns="71af3243-3dd4-4a8d-8c0d-dd76da1f02a5">Not started</Status>
     <MediaServiceKeyPoints xmlns="71af3243-3dd4-4a8d-8c0d-dd76da1f02a5" xsi:nil="true"/>
   </documentManagement>
 </p:properties>
-</file>
-
-<file path=customXml/item2.xml><?xml version="1.0" encoding="utf-8"?>
-<?mso-contentType ?>
-<FormTemplates xmlns="http://schemas.microsoft.com/sharepoint/v3/contenttype/forms">
-  <Display>DocumentLibraryForm</Display>
-  <Edit>DocumentLibraryForm</Edit>
-  <New>DocumentLibraryForm</New>
-</FormTemplates>
 </file>
 
 <file path=customXml/item3.xml><?xml version="1.0" encoding="utf-8"?>
@@ -21945,19 +22019,19 @@
 </file>
 
 <file path=customXml/itemProps1.xml><?xml version="1.0" encoding="utf-8"?>
+<ds:datastoreItem xmlns:ds="http://schemas.openxmlformats.org/officeDocument/2006/customXml" ds:itemID="{1A449C04-64B3-4403-94B7-8D2284C38D1B}">
+  <ds:schemaRefs>
+    <ds:schemaRef ds:uri="http://schemas.microsoft.com/sharepoint/v3/contenttype/forms"/>
+  </ds:schemaRefs>
+</ds:datastoreItem>
+</file>
+
+<file path=customXml/itemProps2.xml><?xml version="1.0" encoding="utf-8"?>
 <ds:datastoreItem xmlns:ds="http://schemas.openxmlformats.org/officeDocument/2006/customXml" ds:itemID="{FBDEF148-1770-458F-8F5B-C3D0A278AA97}">
   <ds:schemaRefs>
     <ds:schemaRef ds:uri="http://schemas.microsoft.com/office/2006/metadata/properties"/>
     <ds:schemaRef ds:uri="http://schemas.microsoft.com/office/infopath/2007/PartnerControls"/>
     <ds:schemaRef ds:uri="71af3243-3dd4-4a8d-8c0d-dd76da1f02a5"/>
-  </ds:schemaRefs>
-</ds:datastoreItem>
-</file>
-
-<file path=customXml/itemProps2.xml><?xml version="1.0" encoding="utf-8"?>
-<ds:datastoreItem xmlns:ds="http://schemas.openxmlformats.org/officeDocument/2006/customXml" ds:itemID="{1A449C04-64B3-4403-94B7-8D2284C38D1B}">
-  <ds:schemaRefs>
-    <ds:schemaRef ds:uri="http://schemas.microsoft.com/sharepoint/v3/contenttype/forms"/>
   </ds:schemaRefs>
 </ds:datastoreItem>
 </file>

--- a/document/CMS_Board_Project.pptx
+++ b/document/CMS_Board_Project.pptx
@@ -1,32 +1,33 @@
 
 <file path=ppt/presentation.xml><?xml version="1.0" encoding="utf-8"?>
-<p:presentation xmlns:a="http://schemas.openxmlformats.org/drawingml/2006/main" xmlns:r="http://schemas.openxmlformats.org/officeDocument/2006/relationships" xmlns:p="http://schemas.openxmlformats.org/presentationml/2006/main" saveSubsetFonts="1" autoCompressPictures="0">
+<p:presentation xmlns:a="http://schemas.openxmlformats.org/drawingml/2006/main" xmlns:r="http://schemas.openxmlformats.org/officeDocument/2006/relationships" xmlns:p="http://schemas.openxmlformats.org/presentationml/2006/main" autoCompressPictures="0">
   <p:sldMasterIdLst>
-    <p:sldMasterId id="2147483768" r:id="rId4"/>
+    <p:sldMasterId id="2147483768" r:id="rId1"/>
   </p:sldMasterIdLst>
   <p:notesMasterIdLst>
-    <p:notesMasterId r:id="rId21"/>
+    <p:notesMasterId r:id="rId19"/>
   </p:notesMasterIdLst>
   <p:handoutMasterIdLst>
-    <p:handoutMasterId r:id="rId22"/>
+    <p:handoutMasterId r:id="rId20"/>
   </p:handoutMasterIdLst>
   <p:sldIdLst>
-    <p:sldId id="3825" r:id="rId5"/>
-    <p:sldId id="3826" r:id="rId6"/>
-    <p:sldId id="3828" r:id="rId7"/>
-    <p:sldId id="3827" r:id="rId8"/>
-    <p:sldId id="3835" r:id="rId9"/>
-    <p:sldId id="3794" r:id="rId10"/>
-    <p:sldId id="3838" r:id="rId11"/>
-    <p:sldId id="3842" r:id="rId12"/>
-    <p:sldId id="3839" r:id="rId13"/>
-    <p:sldId id="3840" r:id="rId14"/>
-    <p:sldId id="3841" r:id="rId15"/>
-    <p:sldId id="3843" r:id="rId16"/>
-    <p:sldId id="3844" r:id="rId17"/>
-    <p:sldId id="3836" r:id="rId18"/>
-    <p:sldId id="3837" r:id="rId19"/>
-    <p:sldId id="3834" r:id="rId20"/>
+    <p:sldId id="3825" r:id="rId2"/>
+    <p:sldId id="3826" r:id="rId3"/>
+    <p:sldId id="3828" r:id="rId4"/>
+    <p:sldId id="3827" r:id="rId5"/>
+    <p:sldId id="3835" r:id="rId6"/>
+    <p:sldId id="3794" r:id="rId7"/>
+    <p:sldId id="3838" r:id="rId8"/>
+    <p:sldId id="3842" r:id="rId9"/>
+    <p:sldId id="3839" r:id="rId10"/>
+    <p:sldId id="3840" r:id="rId11"/>
+    <p:sldId id="3841" r:id="rId12"/>
+    <p:sldId id="3843" r:id="rId13"/>
+    <p:sldId id="3844" r:id="rId14"/>
+    <p:sldId id="3845" r:id="rId15"/>
+    <p:sldId id="3836" r:id="rId16"/>
+    <p:sldId id="3837" r:id="rId17"/>
+    <p:sldId id="3834" r:id="rId18"/>
   </p:sldIdLst>
   <p:sldSz cx="12192000" cy="6858000"/>
   <p:notesSz cx="6858000" cy="9144000"/>
@@ -128,22 +129,22 @@
   <p:extLst>
     <p:ext uri="{EFAFB233-063F-42B5-8137-9DF3F51BA10A}">
       <p15:sldGuideLst xmlns:p15="http://schemas.microsoft.com/office/powerpoint/2012/main">
-        <p15:guide id="1" orient="horz" pos="1200" userDrawn="1">
+        <p15:guide id="1" orient="horz" pos="1199">
           <p15:clr>
             <a:srgbClr val="A4A3A4"/>
           </p15:clr>
         </p15:guide>
-        <p15:guide id="2" orient="horz" pos="3408" userDrawn="1">
+        <p15:guide id="2" orient="horz" pos="3408">
           <p15:clr>
             <a:srgbClr val="A4A3A4"/>
           </p15:clr>
         </p15:guide>
-        <p15:guide id="3" pos="6936" userDrawn="1">
+        <p15:guide id="3" pos="6936">
           <p15:clr>
             <a:srgbClr val="A4A3A4"/>
           </p15:clr>
         </p15:guide>
-        <p15:guide id="4" pos="744" userDrawn="1">
+        <p15:guide id="4" pos="743">
           <p15:clr>
             <a:srgbClr val="A4A3A4"/>
           </p15:clr>
@@ -205,14 +206,17 @@
           </a:prstGeom>
         </p:spPr>
         <p:txBody>
-          <a:bodyPr vert="horz" lIns="91440" tIns="45720" rIns="91440" bIns="45720" rtlCol="0"/>
+          <a:bodyPr vert="horz" lIns="91440" tIns="45720" rIns="91440" bIns="45720"/>
           <a:lstStyle>
             <a:lvl1pPr algn="l">
               <a:defRPr sz="1200"/>
             </a:lvl1pPr>
           </a:lstStyle>
           <a:p>
-            <a:endParaRPr lang="ko-KR" altLang="en-US" dirty="0">
+            <a:pPr lvl="0">
+              <a:defRPr/>
+            </a:pPr>
+            <a:endParaRPr lang="ko-KR" altLang="en-US">
               <a:latin typeface="+mj-lt"/>
             </a:endParaRPr>
           </a:p>
@@ -238,20 +242,26 @@
           </a:prstGeom>
         </p:spPr>
         <p:txBody>
-          <a:bodyPr vert="horz" lIns="91440" tIns="45720" rIns="91440" bIns="45720" rtlCol="0"/>
+          <a:bodyPr vert="horz" lIns="91440" tIns="45720" rIns="91440" bIns="45720"/>
           <a:lstStyle>
             <a:lvl1pPr algn="r">
               <a:defRPr sz="1200"/>
             </a:lvl1pPr>
           </a:lstStyle>
           <a:p>
+            <a:pPr lvl="0">
+              <a:defRPr/>
+            </a:pPr>
             <a:fld id="{D024D597-4836-42AA-8840-ACAAD80842E5}" type="datetime1">
-              <a:rPr lang="ko-KR" altLang="en-US" smtClean="0">
+              <a:rPr lang="ko-KR" altLang="en-US">
                 <a:latin typeface="+mj-lt"/>
               </a:rPr>
-              <a:t>2022-12-29</a:t>
+              <a:pPr lvl="0">
+                <a:defRPr/>
+              </a:pPr>
+              <a:t>2022-12-30</a:t>
             </a:fld>
-            <a:endParaRPr lang="ko-KR" altLang="en-US" dirty="0">
+            <a:endParaRPr lang="ko-KR" altLang="en-US">
               <a:latin typeface="+mj-lt"/>
             </a:endParaRPr>
           </a:p>
@@ -277,14 +287,17 @@
           </a:prstGeom>
         </p:spPr>
         <p:txBody>
-          <a:bodyPr vert="horz" lIns="91440" tIns="45720" rIns="91440" bIns="45720" rtlCol="0" anchor="b"/>
+          <a:bodyPr vert="horz" lIns="91440" tIns="45720" rIns="91440" bIns="45720" anchor="b"/>
           <a:lstStyle>
             <a:lvl1pPr algn="l">
               <a:defRPr sz="1200"/>
             </a:lvl1pPr>
           </a:lstStyle>
           <a:p>
-            <a:endParaRPr lang="ko-KR" altLang="en-US" dirty="0">
+            <a:pPr lvl="0">
+              <a:defRPr/>
+            </a:pPr>
+            <a:endParaRPr lang="ko-KR" altLang="en-US">
               <a:latin typeface="+mj-lt"/>
             </a:endParaRPr>
           </a:p>
@@ -310,20 +323,26 @@
           </a:prstGeom>
         </p:spPr>
         <p:txBody>
-          <a:bodyPr vert="horz" lIns="91440" tIns="45720" rIns="91440" bIns="45720" rtlCol="0" anchor="b"/>
+          <a:bodyPr vert="horz" lIns="91440" tIns="45720" rIns="91440" bIns="45720" anchor="b"/>
           <a:lstStyle>
             <a:lvl1pPr algn="r">
               <a:defRPr sz="1200"/>
             </a:lvl1pPr>
           </a:lstStyle>
           <a:p>
+            <a:pPr lvl="0">
+              <a:defRPr/>
+            </a:pPr>
             <a:fld id="{4AD0F4C1-F197-4411-A8B3-D320801A9BAD}" type="slidenum">
-              <a:rPr lang="en-US" altLang="ko-KR" smtClean="0">
+              <a:rPr lang="en-US" altLang="ko-KR">
                 <a:latin typeface="+mj-lt"/>
               </a:rPr>
+              <a:pPr lvl="0">
+                <a:defRPr/>
+              </a:pPr>
               <a:t>‹#›</a:t>
             </a:fld>
-            <a:endParaRPr lang="ko-KR" altLang="en-US" dirty="0">
+            <a:endParaRPr lang="ko-KR" altLang="en-US">
               <a:latin typeface="+mj-lt"/>
             </a:endParaRPr>
           </a:p>
@@ -332,7 +351,7 @@
     </p:spTree>
     <p:extLst>
       <p:ext uri="{BB962C8B-B14F-4D97-AF65-F5344CB8AC3E}">
-        <p14:creationId xmlns:p14="http://schemas.microsoft.com/office/powerpoint/2010/main" val="583891799"/>
+        <p14:creationId xmlns:p14="http://schemas.microsoft.com/office/powerpoint/2010/main" val="1"/>
       </p:ext>
     </p:extLst>
   </p:cSld>
@@ -383,7 +402,7 @@
           </a:prstGeom>
         </p:spPr>
         <p:txBody>
-          <a:bodyPr vert="horz" lIns="91440" tIns="45720" rIns="91440" bIns="45720" rtlCol="0"/>
+          <a:bodyPr vert="horz" lIns="91440" tIns="45720" rIns="91440" bIns="45720"/>
           <a:lstStyle>
             <a:lvl1pPr algn="l">
               <a:defRPr sz="1200">
@@ -393,7 +412,10 @@
             </a:lvl1pPr>
           </a:lstStyle>
           <a:p>
-            <a:endParaRPr lang="ko-KR" altLang="en-US" noProof="0" dirty="0"/>
+            <a:pPr lvl="0">
+              <a:defRPr/>
+            </a:pPr>
+            <a:endParaRPr lang="ko-KR" altLang="en-US"/>
           </a:p>
         </p:txBody>
       </p:sp>
@@ -417,7 +439,7 @@
           </a:prstGeom>
         </p:spPr>
         <p:txBody>
-          <a:bodyPr vert="horz" lIns="91440" tIns="45720" rIns="91440" bIns="45720" rtlCol="0"/>
+          <a:bodyPr vert="horz" lIns="91440" tIns="45720" rIns="91440" bIns="45720"/>
           <a:lstStyle>
             <a:lvl1pPr algn="r">
               <a:defRPr sz="1200">
@@ -427,12 +449,17 @@
             </a:lvl1pPr>
           </a:lstStyle>
           <a:p>
+            <a:pPr lvl="0">
+              <a:defRPr/>
+            </a:pPr>
             <a:fld id="{C8C1DB09-50C6-4917-B352-F3C3284AAE69}" type="datetime1">
-              <a:rPr lang="ko-KR" altLang="en-US" smtClean="0"/>
-              <a:pPr/>
-              <a:t>2022-12-29</a:t>
+              <a:rPr lang="ko-KR" altLang="en-US"/>
+              <a:pPr lvl="0">
+                <a:defRPr/>
+              </a:pPr>
+              <a:t>2022-12-30</a:t>
             </a:fld>
-            <a:endParaRPr lang="ko-KR" altLang="en-US" dirty="0"/>
+            <a:endParaRPr lang="ko-KR" altLang="en-US"/>
           </a:p>
         </p:txBody>
       </p:sp>
@@ -440,7 +467,7 @@
         <p:nvSpPr>
           <p:cNvPr id="4" name="슬라이드 이미지 개체 틀 3"/>
           <p:cNvSpPr>
-            <a:spLocks noGrp="1" noRot="1" noChangeAspect="1"/>
+            <a:spLocks noGrp="1" noRot="1" noChangeAspect="1" noTextEdit="1"/>
           </p:cNvSpPr>
           <p:nvPr>
             <p:ph type="sldImg" idx="2"/>
@@ -462,11 +489,13 @@
           </a:ln>
         </p:spPr>
         <p:txBody>
-          <a:bodyPr vert="horz" lIns="91440" tIns="45720" rIns="91440" bIns="45720" rtlCol="0" anchor="ctr"/>
+          <a:bodyPr vert="horz" lIns="91440" tIns="45720" rIns="91440" bIns="45720" anchor="ctr"/>
           <a:lstStyle/>
           <a:p>
-            <a:pPr rtl="0"/>
-            <a:endParaRPr lang="ko-KR" altLang="en-US" noProof="0" dirty="0"/>
+            <a:pPr lvl="0" rtl="0">
+              <a:defRPr/>
+            </a:pPr>
+            <a:endParaRPr lang="ko-KR" altLang="en-US"/>
           </a:p>
         </p:txBody>
       </p:sp>
@@ -490,44 +519,54 @@
           </a:prstGeom>
         </p:spPr>
         <p:txBody>
-          <a:bodyPr vert="horz" lIns="91440" tIns="45720" rIns="91440" bIns="45720" rtlCol="0"/>
+          <a:bodyPr vert="horz" lIns="91440" tIns="45720" rIns="91440" bIns="45720"/>
           <a:lstStyle/>
           <a:p>
-            <a:pPr lvl="0" rtl="0"/>
-            <a:r>
-              <a:rPr lang="ko-KR" altLang="en-US" noProof="0" dirty="0"/>
+            <a:pPr lvl="0" rtl="0">
+              <a:defRPr/>
+            </a:pPr>
+            <a:r>
+              <a:rPr lang="ko-KR" altLang="en-US"/>
               <a:t>마스터 텍스트 스타일을 편집하려면 클릭하세요</a:t>
             </a:r>
             <a:r>
-              <a:rPr lang="en-US" altLang="ko-KR" noProof="0" dirty="0"/>
+              <a:rPr lang="en-US" altLang="ko-KR"/>
               <a:t>.</a:t>
             </a:r>
           </a:p>
           <a:p>
-            <a:pPr lvl="1" rtl="0"/>
-            <a:r>
-              <a:rPr lang="ko-KR" altLang="en-US" noProof="0" dirty="0"/>
+            <a:pPr lvl="1" rtl="0">
+              <a:defRPr/>
+            </a:pPr>
+            <a:r>
+              <a:rPr lang="ko-KR" altLang="en-US"/>
               <a:t>둘째 수준</a:t>
             </a:r>
           </a:p>
           <a:p>
-            <a:pPr lvl="2" rtl="0"/>
-            <a:r>
-              <a:rPr lang="ko-KR" altLang="en-US" noProof="0" dirty="0"/>
+            <a:pPr lvl="2" rtl="0">
+              <a:defRPr/>
+            </a:pPr>
+            <a:r>
+              <a:rPr lang="ko-KR" altLang="en-US"/>
               <a:t>셋째 수준</a:t>
             </a:r>
           </a:p>
           <a:p>
-            <a:pPr lvl="3" rtl="0"/>
-            <a:r>
-              <a:rPr lang="ko-KR" altLang="en-US" noProof="0" dirty="0"/>
+            <a:pPr lvl="3" rtl="0">
+              <a:defRPr/>
+            </a:pPr>
+            <a:r>
+              <a:rPr lang="ko-KR" altLang="en-US"/>
               <a:t>넷째 수준</a:t>
             </a:r>
           </a:p>
           <a:p>
-            <a:pPr lvl="4" rtl="0"/>
-            <a:r>
-              <a:rPr lang="ko-KR" altLang="en-US" noProof="0" dirty="0"/>
+            <a:pPr lvl="4" rtl="0">
+              <a:defRPr/>
+            </a:pPr>
+            <a:r>
+              <a:rPr lang="ko-KR" altLang="en-US"/>
               <a:t>다섯째 수준</a:t>
             </a:r>
           </a:p>
@@ -553,7 +592,7 @@
           </a:prstGeom>
         </p:spPr>
         <p:txBody>
-          <a:bodyPr vert="horz" lIns="91440" tIns="45720" rIns="91440" bIns="45720" rtlCol="0" anchor="b"/>
+          <a:bodyPr vert="horz" lIns="91440" tIns="45720" rIns="91440" bIns="45720" anchor="b"/>
           <a:lstStyle>
             <a:lvl1pPr algn="l">
               <a:defRPr sz="1200">
@@ -563,7 +602,10 @@
             </a:lvl1pPr>
           </a:lstStyle>
           <a:p>
-            <a:endParaRPr lang="ko-KR" altLang="en-US" noProof="0" dirty="0"/>
+            <a:pPr lvl="0">
+              <a:defRPr/>
+            </a:pPr>
+            <a:endParaRPr lang="ko-KR" altLang="en-US"/>
           </a:p>
         </p:txBody>
       </p:sp>
@@ -587,7 +629,7 @@
           </a:prstGeom>
         </p:spPr>
         <p:txBody>
-          <a:bodyPr vert="horz" lIns="91440" tIns="45720" rIns="91440" bIns="45720" rtlCol="0" anchor="b"/>
+          <a:bodyPr vert="horz" lIns="91440" tIns="45720" rIns="91440" bIns="45720" anchor="b"/>
           <a:lstStyle>
             <a:lvl1pPr algn="r">
               <a:defRPr sz="1200">
@@ -597,21 +639,21 @@
             </a:lvl1pPr>
           </a:lstStyle>
           <a:p>
+            <a:pPr lvl="0">
+              <a:defRPr/>
+            </a:pPr>
             <a:fld id="{D40C6A29-4676-420C-BBE3-ACC2B80F64D4}" type="slidenum">
-              <a:rPr lang="en-US" altLang="ko-KR" noProof="0" smtClean="0"/>
-              <a:pPr/>
+              <a:rPr lang="en-US" altLang="ko-KR"/>
+              <a:pPr lvl="0">
+                <a:defRPr/>
+              </a:pPr>
               <a:t>‹#›</a:t>
             </a:fld>
-            <a:endParaRPr lang="ko-KR" altLang="en-US" noProof="0" dirty="0"/>
+            <a:endParaRPr lang="ko-KR" altLang="en-US"/>
           </a:p>
         </p:txBody>
       </p:sp>
     </p:spTree>
-    <p:extLst>
-      <p:ext uri="{BB962C8B-B14F-4D97-AF65-F5344CB8AC3E}">
-        <p14:creationId xmlns:p14="http://schemas.microsoft.com/office/powerpoint/2010/main" val="3804597040"/>
-      </p:ext>
-    </p:extLst>
   </p:cSld>
   <p:clrMap bg1="lt1" tx1="dk1" bg2="lt2" tx2="dk2" accent1="accent1" accent2="accent2" accent3="accent3" accent4="accent4" accent5="accent5" accent6="accent6" hlink="hlink" folHlink="folHlink"/>
   <p:hf hdr="0" ftr="0" dt="0"/>
@@ -621,8 +663,8 @@
         <a:solidFill>
           <a:schemeClr val="tx1"/>
         </a:solidFill>
-        <a:latin typeface="맑은 고딕" panose="020B0503020000020004" pitchFamily="50" charset="-127"/>
-        <a:ea typeface="맑은 고딕" panose="020B0503020000020004" pitchFamily="50" charset="-127"/>
+        <a:latin typeface="맑은 고딕"/>
+        <a:ea typeface="맑은 고딕"/>
         <a:cs typeface="+mn-cs"/>
       </a:defRPr>
     </a:lvl1pPr>
@@ -631,8 +673,8 @@
         <a:solidFill>
           <a:schemeClr val="tx1"/>
         </a:solidFill>
-        <a:latin typeface="맑은 고딕" panose="020B0503020000020004" pitchFamily="50" charset="-127"/>
-        <a:ea typeface="맑은 고딕" panose="020B0503020000020004" pitchFamily="50" charset="-127"/>
+        <a:latin typeface="맑은 고딕"/>
+        <a:ea typeface="맑은 고딕"/>
         <a:cs typeface="+mn-cs"/>
       </a:defRPr>
     </a:lvl2pPr>
@@ -641,8 +683,8 @@
         <a:solidFill>
           <a:schemeClr val="tx1"/>
         </a:solidFill>
-        <a:latin typeface="맑은 고딕" panose="020B0503020000020004" pitchFamily="50" charset="-127"/>
-        <a:ea typeface="맑은 고딕" panose="020B0503020000020004" pitchFamily="50" charset="-127"/>
+        <a:latin typeface="맑은 고딕"/>
+        <a:ea typeface="맑은 고딕"/>
         <a:cs typeface="+mn-cs"/>
       </a:defRPr>
     </a:lvl3pPr>
@@ -651,8 +693,8 @@
         <a:solidFill>
           <a:schemeClr val="tx1"/>
         </a:solidFill>
-        <a:latin typeface="맑은 고딕" panose="020B0503020000020004" pitchFamily="50" charset="-127"/>
-        <a:ea typeface="맑은 고딕" panose="020B0503020000020004" pitchFamily="50" charset="-127"/>
+        <a:latin typeface="맑은 고딕"/>
+        <a:ea typeface="맑은 고딕"/>
         <a:cs typeface="+mn-cs"/>
       </a:defRPr>
     </a:lvl4pPr>
@@ -661,8 +703,8 @@
         <a:solidFill>
           <a:schemeClr val="tx1"/>
         </a:solidFill>
-        <a:latin typeface="맑은 고딕" panose="020B0503020000020004" pitchFamily="50" charset="-127"/>
-        <a:ea typeface="맑은 고딕" panose="020B0503020000020004" pitchFamily="50" charset="-127"/>
+        <a:latin typeface="맑은 고딕"/>
+        <a:ea typeface="맑은 고딕"/>
         <a:cs typeface="+mn-cs"/>
       </a:defRPr>
     </a:lvl5pPr>
@@ -731,7 +773,7 @@
         <p:nvSpPr>
           <p:cNvPr id="2" name="슬라이드 이미지 개체 틀 1"/>
           <p:cNvSpPr>
-            <a:spLocks noGrp="1" noRot="1" noChangeAspect="1"/>
+            <a:spLocks noGrp="1" noRot="1" noChangeAspect="1" noTextEdit="1"/>
           </p:cNvSpPr>
           <p:nvPr>
             <p:ph type="sldImg"/>
@@ -754,7 +796,10 @@
           <a:bodyPr/>
           <a:lstStyle/>
           <a:p>
-            <a:endParaRPr lang="ko-KR" altLang="en-US" dirty="0">
+            <a:pPr lvl="0">
+              <a:defRPr/>
+            </a:pPr>
+            <a:endParaRPr lang="ko-KR" altLang="en-US">
               <a:latin typeface="+mj-ea"/>
               <a:ea typeface="+mj-ea"/>
             </a:endParaRPr>
@@ -776,15 +821,20 @@
           <a:bodyPr/>
           <a:lstStyle/>
           <a:p>
-            <a:pPr rtl="0"/>
+            <a:pPr lvl="0" rtl="0">
+              <a:defRPr/>
+            </a:pPr>
             <a:fld id="{D40C6A29-4676-420C-BBE3-ACC2B80F64D4}" type="slidenum">
-              <a:rPr lang="en-US" altLang="ko-KR" smtClean="0">
+              <a:rPr lang="en-US" altLang="ko-KR">
                 <a:latin typeface="+mj-ea"/>
                 <a:ea typeface="+mj-ea"/>
               </a:rPr>
+              <a:pPr lvl="0" rtl="0">
+                <a:defRPr/>
+              </a:pPr>
               <a:t>1</a:t>
             </a:fld>
-            <a:endParaRPr lang="ko-KR" altLang="en-US" dirty="0">
+            <a:endParaRPr lang="ko-KR" altLang="en-US">
               <a:latin typeface="+mj-ea"/>
               <a:ea typeface="+mj-ea"/>
             </a:endParaRPr>
@@ -792,11 +842,6 @@
         </p:txBody>
       </p:sp>
     </p:spTree>
-    <p:extLst>
-      <p:ext uri="{BB962C8B-B14F-4D97-AF65-F5344CB8AC3E}">
-        <p14:creationId xmlns:p14="http://schemas.microsoft.com/office/powerpoint/2010/main" val="639152222"/>
-      </p:ext>
-    </p:extLst>
   </p:cSld>
   <p:clrMapOvr>
     <a:masterClrMapping/>
@@ -825,7 +870,7 @@
         <p:nvSpPr>
           <p:cNvPr id="2" name="슬라이드 이미지 개체 틀 1"/>
           <p:cNvSpPr>
-            <a:spLocks noGrp="1" noRot="1" noChangeAspect="1"/>
+            <a:spLocks noGrp="1" noRot="1" noChangeAspect="1" noTextEdit="1"/>
           </p:cNvSpPr>
           <p:nvPr>
             <p:ph type="sldImg"/>
@@ -845,14 +890,54 @@
         </p:nvSpPr>
         <p:spPr/>
         <p:txBody>
-          <a:bodyPr rtlCol="0"/>
+          <a:bodyPr/>
           <a:lstStyle/>
           <a:p>
-            <a:pPr rtl="0"/>
-            <a:endParaRPr lang="ko-KR" altLang="en-US" dirty="0">
+            <a:pPr marL="228600" lvl="0" indent="-228600" rtl="0">
+              <a:buAutoNum type="arabicPeriod"/>
+              <a:defRPr/>
+            </a:pPr>
+            <a:r>
+              <a:rPr lang="ko-KR" altLang="en-US" dirty="0">
+                <a:latin typeface="+mj-ea"/>
+                <a:ea typeface="+mj-ea"/>
+              </a:rPr>
+              <a:t>해당 게시글 내용 보기</a:t>
+            </a:r>
+            <a:endParaRPr lang="en-US" altLang="ko-KR" dirty="0">
               <a:latin typeface="+mj-ea"/>
               <a:ea typeface="+mj-ea"/>
             </a:endParaRPr>
+          </a:p>
+          <a:p>
+            <a:pPr marL="228600" lvl="0" indent="-228600" rtl="0">
+              <a:buAutoNum type="arabicPeriod"/>
+              <a:defRPr/>
+            </a:pPr>
+            <a:r>
+              <a:rPr lang="ko-KR" altLang="en-US" dirty="0">
+                <a:latin typeface="+mj-ea"/>
+                <a:ea typeface="+mj-ea"/>
+              </a:rPr>
+              <a:t>수정 버튼</a:t>
+            </a:r>
+            <a:endParaRPr lang="en-US" altLang="ko-KR" dirty="0">
+              <a:latin typeface="+mj-ea"/>
+              <a:ea typeface="+mj-ea"/>
+            </a:endParaRPr>
+          </a:p>
+          <a:p>
+            <a:pPr marL="228600" lvl="0" indent="-228600" rtl="0">
+              <a:buAutoNum type="arabicPeriod"/>
+              <a:defRPr/>
+            </a:pPr>
+            <a:r>
+              <a:rPr lang="ko-KR" altLang="en-US" dirty="0">
+                <a:latin typeface="+mj-ea"/>
+                <a:ea typeface="+mj-ea"/>
+              </a:rPr>
+              <a:t>리스트 버튼</a:t>
+            </a:r>
           </a:p>
         </p:txBody>
       </p:sp>
@@ -868,18 +953,23 @@
         </p:nvSpPr>
         <p:spPr/>
         <p:txBody>
-          <a:bodyPr rtlCol="0"/>
+          <a:bodyPr/>
           <a:lstStyle/>
           <a:p>
-            <a:pPr rtl="0"/>
+            <a:pPr lvl="0" rtl="0">
+              <a:defRPr/>
+            </a:pPr>
             <a:fld id="{D40C6A29-4676-420C-BBE3-ACC2B80F64D4}" type="slidenum">
-              <a:rPr lang="en-US" altLang="ko-KR" smtClean="0">
+              <a:rPr lang="en-US" altLang="ko-KR">
                 <a:latin typeface="+mj-ea"/>
                 <a:ea typeface="+mj-ea"/>
               </a:rPr>
+              <a:pPr lvl="0" rtl="0">
+                <a:defRPr/>
+              </a:pPr>
               <a:t>10</a:t>
             </a:fld>
-            <a:endParaRPr lang="ko-KR" altLang="en-US" dirty="0">
+            <a:endParaRPr lang="ko-KR" altLang="en-US">
               <a:latin typeface="+mj-ea"/>
               <a:ea typeface="+mj-ea"/>
             </a:endParaRPr>
@@ -887,11 +977,6 @@
         </p:txBody>
       </p:sp>
     </p:spTree>
-    <p:extLst>
-      <p:ext uri="{BB962C8B-B14F-4D97-AF65-F5344CB8AC3E}">
-        <p14:creationId xmlns:p14="http://schemas.microsoft.com/office/powerpoint/2010/main" val="2222852075"/>
-      </p:ext>
-    </p:extLst>
   </p:cSld>
   <p:clrMapOvr>
     <a:masterClrMapping/>
@@ -920,7 +1005,7 @@
         <p:nvSpPr>
           <p:cNvPr id="2" name="슬라이드 이미지 개체 틀 1"/>
           <p:cNvSpPr>
-            <a:spLocks noGrp="1" noRot="1" noChangeAspect="1"/>
+            <a:spLocks noGrp="1" noRot="1" noChangeAspect="1" noTextEdit="1"/>
           </p:cNvSpPr>
           <p:nvPr>
             <p:ph type="sldImg"/>
@@ -940,14 +1025,78 @@
         </p:nvSpPr>
         <p:spPr/>
         <p:txBody>
-          <a:bodyPr rtlCol="0"/>
+          <a:bodyPr/>
           <a:lstStyle/>
           <a:p>
-            <a:pPr rtl="0"/>
-            <a:endParaRPr lang="ko-KR" altLang="en-US" dirty="0">
+            <a:pPr marL="228600" lvl="0" indent="-228600" rtl="0">
+              <a:buAutoNum type="arabicPeriod"/>
+              <a:defRPr/>
+            </a:pPr>
+            <a:r>
+              <a:rPr lang="en-US" altLang="ko-KR" dirty="0">
+                <a:latin typeface="+mj-ea"/>
+                <a:ea typeface="+mj-ea"/>
+              </a:rPr>
+              <a:t>3</a:t>
+            </a:r>
+            <a:r>
+              <a:rPr lang="ko-KR" altLang="en-US" dirty="0">
+                <a:latin typeface="+mj-ea"/>
+                <a:ea typeface="+mj-ea"/>
+              </a:rPr>
+              <a:t>가지 필수 입력</a:t>
+            </a:r>
+            <a:endParaRPr lang="en-US" altLang="ko-KR" dirty="0">
               <a:latin typeface="+mj-ea"/>
               <a:ea typeface="+mj-ea"/>
             </a:endParaRPr>
+          </a:p>
+          <a:p>
+            <a:pPr marL="228600" lvl="0" indent="-228600" rtl="0">
+              <a:buAutoNum type="arabicPeriod"/>
+              <a:defRPr/>
+            </a:pPr>
+            <a:r>
+              <a:rPr lang="ko-KR" altLang="en-US" dirty="0">
+                <a:latin typeface="+mj-ea"/>
+                <a:ea typeface="+mj-ea"/>
+              </a:rPr>
+              <a:t>이전에 작성한 내용 전시</a:t>
+            </a:r>
+            <a:endParaRPr lang="en-US" altLang="ko-KR" dirty="0">
+              <a:latin typeface="+mj-ea"/>
+              <a:ea typeface="+mj-ea"/>
+            </a:endParaRPr>
+          </a:p>
+          <a:p>
+            <a:pPr marL="228600" lvl="0" indent="-228600" rtl="0">
+              <a:buAutoNum type="arabicPeriod"/>
+              <a:defRPr/>
+            </a:pPr>
+            <a:r>
+              <a:rPr lang="ko-KR" altLang="en-US" dirty="0">
+                <a:latin typeface="+mj-ea"/>
+                <a:ea typeface="+mj-ea"/>
+              </a:rPr>
+              <a:t>수정 버튼</a:t>
+            </a:r>
+            <a:endParaRPr lang="en-US" altLang="ko-KR" dirty="0">
+              <a:latin typeface="+mj-ea"/>
+              <a:ea typeface="+mj-ea"/>
+            </a:endParaRPr>
+          </a:p>
+          <a:p>
+            <a:pPr marL="228600" lvl="0" indent="-228600" rtl="0">
+              <a:buAutoNum type="arabicPeriod"/>
+              <a:defRPr/>
+            </a:pPr>
+            <a:r>
+              <a:rPr lang="ko-KR" altLang="en-US" dirty="0">
+                <a:latin typeface="+mj-ea"/>
+                <a:ea typeface="+mj-ea"/>
+              </a:rPr>
+              <a:t>취소</a:t>
+            </a:r>
           </a:p>
         </p:txBody>
       </p:sp>
@@ -963,18 +1112,23 @@
         </p:nvSpPr>
         <p:spPr/>
         <p:txBody>
-          <a:bodyPr rtlCol="0"/>
+          <a:bodyPr/>
           <a:lstStyle/>
           <a:p>
-            <a:pPr rtl="0"/>
+            <a:pPr lvl="0" rtl="0">
+              <a:defRPr/>
+            </a:pPr>
             <a:fld id="{D40C6A29-4676-420C-BBE3-ACC2B80F64D4}" type="slidenum">
-              <a:rPr lang="en-US" altLang="ko-KR" smtClean="0">
+              <a:rPr lang="en-US" altLang="ko-KR">
                 <a:latin typeface="+mj-ea"/>
                 <a:ea typeface="+mj-ea"/>
               </a:rPr>
+              <a:pPr lvl="0" rtl="0">
+                <a:defRPr/>
+              </a:pPr>
               <a:t>11</a:t>
             </a:fld>
-            <a:endParaRPr lang="ko-KR" altLang="en-US" dirty="0">
+            <a:endParaRPr lang="ko-KR" altLang="en-US">
               <a:latin typeface="+mj-ea"/>
               <a:ea typeface="+mj-ea"/>
             </a:endParaRPr>
@@ -982,11 +1136,6 @@
         </p:txBody>
       </p:sp>
     </p:spTree>
-    <p:extLst>
-      <p:ext uri="{BB962C8B-B14F-4D97-AF65-F5344CB8AC3E}">
-        <p14:creationId xmlns:p14="http://schemas.microsoft.com/office/powerpoint/2010/main" val="3510284262"/>
-      </p:ext>
-    </p:extLst>
   </p:cSld>
   <p:clrMapOvr>
     <a:masterClrMapping/>
@@ -1015,7 +1164,7 @@
         <p:nvSpPr>
           <p:cNvPr id="2" name="슬라이드 이미지 개체 틀 1"/>
           <p:cNvSpPr>
-            <a:spLocks noGrp="1" noRot="1" noChangeAspect="1"/>
+            <a:spLocks noGrp="1" noRot="1" noChangeAspect="1" noTextEdit="1"/>
           </p:cNvSpPr>
           <p:nvPr>
             <p:ph type="sldImg"/>
@@ -1035,14 +1184,26 @@
         </p:nvSpPr>
         <p:spPr/>
         <p:txBody>
-          <a:bodyPr rtlCol="0"/>
+          <a:bodyPr/>
           <a:lstStyle/>
           <a:p>
-            <a:pPr rtl="0"/>
-            <a:endParaRPr lang="ko-KR" altLang="en-US" dirty="0">
-              <a:latin typeface="+mj-ea"/>
-              <a:ea typeface="+mj-ea"/>
-            </a:endParaRPr>
+            <a:pPr lvl="0" rtl="0">
+              <a:defRPr/>
+            </a:pPr>
+            <a:r>
+              <a:rPr lang="en-US" altLang="ko-KR" dirty="0">
+                <a:latin typeface="+mj-ea"/>
+                <a:ea typeface="+mj-ea"/>
+              </a:rPr>
+              <a:t>1. </a:t>
+            </a:r>
+            <a:r>
+              <a:rPr lang="ko-KR" altLang="en-US" dirty="0">
+                <a:latin typeface="+mj-ea"/>
+                <a:ea typeface="+mj-ea"/>
+              </a:rPr>
+              <a:t>삭제 기능</a:t>
+            </a:r>
           </a:p>
         </p:txBody>
       </p:sp>
@@ -1058,18 +1219,23 @@
         </p:nvSpPr>
         <p:spPr/>
         <p:txBody>
-          <a:bodyPr rtlCol="0"/>
+          <a:bodyPr/>
           <a:lstStyle/>
           <a:p>
-            <a:pPr rtl="0"/>
+            <a:pPr lvl="0" rtl="0">
+              <a:defRPr/>
+            </a:pPr>
             <a:fld id="{D40C6A29-4676-420C-BBE3-ACC2B80F64D4}" type="slidenum">
-              <a:rPr lang="en-US" altLang="ko-KR" smtClean="0">
+              <a:rPr lang="en-US" altLang="ko-KR">
                 <a:latin typeface="+mj-ea"/>
                 <a:ea typeface="+mj-ea"/>
               </a:rPr>
+              <a:pPr lvl="0" rtl="0">
+                <a:defRPr/>
+              </a:pPr>
               <a:t>12</a:t>
             </a:fld>
-            <a:endParaRPr lang="ko-KR" altLang="en-US" dirty="0">
+            <a:endParaRPr lang="ko-KR" altLang="en-US">
               <a:latin typeface="+mj-ea"/>
               <a:ea typeface="+mj-ea"/>
             </a:endParaRPr>
@@ -1077,11 +1243,6 @@
         </p:txBody>
       </p:sp>
     </p:spTree>
-    <p:extLst>
-      <p:ext uri="{BB962C8B-B14F-4D97-AF65-F5344CB8AC3E}">
-        <p14:creationId xmlns:p14="http://schemas.microsoft.com/office/powerpoint/2010/main" val="603962855"/>
-      </p:ext>
-    </p:extLst>
   </p:cSld>
   <p:clrMapOvr>
     <a:masterClrMapping/>
@@ -1110,7 +1271,7 @@
         <p:nvSpPr>
           <p:cNvPr id="2" name="슬라이드 이미지 개체 틀 1"/>
           <p:cNvSpPr>
-            <a:spLocks noGrp="1" noRot="1" noChangeAspect="1"/>
+            <a:spLocks noGrp="1" noRot="1" noChangeAspect="1" noTextEdit="1"/>
           </p:cNvSpPr>
           <p:nvPr>
             <p:ph type="sldImg"/>
@@ -1130,14 +1291,37 @@
         </p:nvSpPr>
         <p:spPr/>
         <p:txBody>
-          <a:bodyPr rtlCol="0"/>
+          <a:bodyPr/>
           <a:lstStyle/>
           <a:p>
-            <a:pPr rtl="0"/>
-            <a:endParaRPr lang="ko-KR" altLang="en-US" dirty="0">
+            <a:pPr marL="228600" lvl="0" indent="-228600" rtl="0">
+              <a:buAutoNum type="arabicPeriod"/>
+              <a:defRPr/>
+            </a:pPr>
+            <a:r>
+              <a:rPr lang="ko-KR" altLang="en-US" dirty="0">
+                <a:latin typeface="+mj-ea"/>
+                <a:ea typeface="+mj-ea"/>
+              </a:rPr>
+              <a:t>로그아웃 기능</a:t>
+            </a:r>
+            <a:endParaRPr lang="en-US" altLang="ko-KR" dirty="0">
               <a:latin typeface="+mj-ea"/>
               <a:ea typeface="+mj-ea"/>
             </a:endParaRPr>
+          </a:p>
+          <a:p>
+            <a:pPr marL="228600" lvl="0" indent="-228600" rtl="0">
+              <a:buAutoNum type="arabicPeriod"/>
+              <a:defRPr/>
+            </a:pPr>
+            <a:r>
+              <a:rPr lang="ko-KR" altLang="en-US" dirty="0">
+                <a:latin typeface="+mj-ea"/>
+                <a:ea typeface="+mj-ea"/>
+              </a:rPr>
+              <a:t>홈 버튼</a:t>
+            </a:r>
           </a:p>
         </p:txBody>
       </p:sp>
@@ -1153,18 +1337,23 @@
         </p:nvSpPr>
         <p:spPr/>
         <p:txBody>
-          <a:bodyPr rtlCol="0"/>
+          <a:bodyPr/>
           <a:lstStyle/>
           <a:p>
-            <a:pPr rtl="0"/>
+            <a:pPr lvl="0" rtl="0">
+              <a:defRPr/>
+            </a:pPr>
             <a:fld id="{D40C6A29-4676-420C-BBE3-ACC2B80F64D4}" type="slidenum">
-              <a:rPr lang="en-US" altLang="ko-KR" smtClean="0">
+              <a:rPr lang="en-US" altLang="ko-KR">
                 <a:latin typeface="+mj-ea"/>
                 <a:ea typeface="+mj-ea"/>
               </a:rPr>
+              <a:pPr lvl="0" rtl="0">
+                <a:defRPr/>
+              </a:pPr>
               <a:t>13</a:t>
             </a:fld>
-            <a:endParaRPr lang="ko-KR" altLang="en-US" dirty="0">
+            <a:endParaRPr lang="ko-KR" altLang="en-US">
               <a:latin typeface="+mj-ea"/>
               <a:ea typeface="+mj-ea"/>
             </a:endParaRPr>
@@ -1172,11 +1361,6 @@
         </p:txBody>
       </p:sp>
     </p:spTree>
-    <p:extLst>
-      <p:ext uri="{BB962C8B-B14F-4D97-AF65-F5344CB8AC3E}">
-        <p14:creationId xmlns:p14="http://schemas.microsoft.com/office/powerpoint/2010/main" val="2928736300"/>
-      </p:ext>
-    </p:extLst>
   </p:cSld>
   <p:clrMapOvr>
     <a:masterClrMapping/>
@@ -1205,7 +1389,7 @@
         <p:nvSpPr>
           <p:cNvPr id="2" name="슬라이드 이미지 개체 틀 1"/>
           <p:cNvSpPr>
-            <a:spLocks noGrp="1" noRot="1" noChangeAspect="1"/>
+            <a:spLocks noGrp="1" noRot="1" noChangeAspect="1" noTextEdit="1"/>
           </p:cNvSpPr>
           <p:nvPr>
             <p:ph type="sldImg"/>
@@ -1228,7 +1412,10 @@
           <a:bodyPr/>
           <a:lstStyle/>
           <a:p>
-            <a:endParaRPr lang="ko-KR" altLang="en-US" dirty="0">
+            <a:pPr lvl="0" rtl="0">
+              <a:defRPr/>
+            </a:pPr>
+            <a:endParaRPr lang="ko-KR" altLang="en-US">
               <a:latin typeface="+mj-ea"/>
               <a:ea typeface="+mj-ea"/>
             </a:endParaRPr>
@@ -1242,7 +1429,7 @@
             <a:spLocks noGrp="1"/>
           </p:cNvSpPr>
           <p:nvPr>
-            <p:ph type="sldNum" sz="quarter" idx="10"/>
+            <p:ph type="sldNum" sz="quarter" idx="5"/>
           </p:nvPr>
         </p:nvSpPr>
         <p:spPr/>
@@ -1250,15 +1437,20 @@
           <a:bodyPr/>
           <a:lstStyle/>
           <a:p>
-            <a:pPr rtl="0"/>
+            <a:pPr lvl="0" rtl="0">
+              <a:defRPr/>
+            </a:pPr>
             <a:fld id="{D40C6A29-4676-420C-BBE3-ACC2B80F64D4}" type="slidenum">
-              <a:rPr lang="en-US" altLang="ko-KR" smtClean="0">
+              <a:rPr lang="en-US" altLang="ko-KR">
                 <a:latin typeface="+mj-ea"/>
                 <a:ea typeface="+mj-ea"/>
               </a:rPr>
+              <a:pPr lvl="0" rtl="0">
+                <a:defRPr/>
+              </a:pPr>
               <a:t>14</a:t>
             </a:fld>
-            <a:endParaRPr lang="ko-KR" altLang="en-US" dirty="0">
+            <a:endParaRPr lang="en-US" altLang="ko-KR">
               <a:latin typeface="+mj-ea"/>
               <a:ea typeface="+mj-ea"/>
             </a:endParaRPr>
@@ -1266,11 +1458,6 @@
         </p:txBody>
       </p:sp>
     </p:spTree>
-    <p:extLst>
-      <p:ext uri="{BB962C8B-B14F-4D97-AF65-F5344CB8AC3E}">
-        <p14:creationId xmlns:p14="http://schemas.microsoft.com/office/powerpoint/2010/main" val="66102197"/>
-      </p:ext>
-    </p:extLst>
   </p:cSld>
   <p:clrMapOvr>
     <a:masterClrMapping/>
@@ -1299,7 +1486,7 @@
         <p:nvSpPr>
           <p:cNvPr id="2" name="슬라이드 이미지 개체 틀 1"/>
           <p:cNvSpPr>
-            <a:spLocks noGrp="1" noRot="1" noChangeAspect="1"/>
+            <a:spLocks noGrp="1" noRot="1" noChangeAspect="1" noTextEdit="1"/>
           </p:cNvSpPr>
           <p:nvPr>
             <p:ph type="sldImg"/>
@@ -1322,7 +1509,10 @@
           <a:bodyPr/>
           <a:lstStyle/>
           <a:p>
-            <a:endParaRPr lang="ko-KR" altLang="en-US" dirty="0">
+            <a:pPr lvl="0">
+              <a:defRPr/>
+            </a:pPr>
+            <a:endParaRPr lang="ko-KR" altLang="en-US">
               <a:latin typeface="+mj-ea"/>
               <a:ea typeface="+mj-ea"/>
             </a:endParaRPr>
@@ -1344,15 +1534,20 @@
           <a:bodyPr/>
           <a:lstStyle/>
           <a:p>
-            <a:pPr rtl="0"/>
+            <a:pPr lvl="0" rtl="0">
+              <a:defRPr/>
+            </a:pPr>
             <a:fld id="{D40C6A29-4676-420C-BBE3-ACC2B80F64D4}" type="slidenum">
-              <a:rPr lang="en-US" altLang="ko-KR" smtClean="0">
+              <a:rPr lang="en-US" altLang="ko-KR">
                 <a:latin typeface="+mj-ea"/>
                 <a:ea typeface="+mj-ea"/>
               </a:rPr>
+              <a:pPr lvl="0" rtl="0">
+                <a:defRPr/>
+              </a:pPr>
               <a:t>15</a:t>
             </a:fld>
-            <a:endParaRPr lang="ko-KR" altLang="en-US" dirty="0">
+            <a:endParaRPr lang="en-US" altLang="ko-KR">
               <a:latin typeface="+mj-ea"/>
               <a:ea typeface="+mj-ea"/>
             </a:endParaRPr>
@@ -1360,11 +1555,6 @@
         </p:txBody>
       </p:sp>
     </p:spTree>
-    <p:extLst>
-      <p:ext uri="{BB962C8B-B14F-4D97-AF65-F5344CB8AC3E}">
-        <p14:creationId xmlns:p14="http://schemas.microsoft.com/office/powerpoint/2010/main" val="3585431666"/>
-      </p:ext>
-    </p:extLst>
   </p:cSld>
   <p:clrMapOvr>
     <a:masterClrMapping/>
@@ -1393,7 +1583,7 @@
         <p:nvSpPr>
           <p:cNvPr id="2" name="슬라이드 이미지 개체 틀 1"/>
           <p:cNvSpPr>
-            <a:spLocks noGrp="1" noRot="1" noChangeAspect="1"/>
+            <a:spLocks noGrp="1" noRot="1" noChangeAspect="1" noTextEdit="1"/>
           </p:cNvSpPr>
           <p:nvPr>
             <p:ph type="sldImg"/>
@@ -1413,11 +1603,110 @@
         </p:nvSpPr>
         <p:spPr/>
         <p:txBody>
-          <a:bodyPr rtlCol="0"/>
+          <a:bodyPr/>
           <a:lstStyle/>
           <a:p>
-            <a:pPr rtl="0"/>
-            <a:endParaRPr lang="ko-KR" altLang="en-US" dirty="0">
+            <a:pPr lvl="0">
+              <a:defRPr/>
+            </a:pPr>
+            <a:endParaRPr lang="ko-KR" altLang="en-US">
+              <a:latin typeface="+mj-ea"/>
+              <a:ea typeface="+mj-ea"/>
+            </a:endParaRPr>
+          </a:p>
+        </p:txBody>
+      </p:sp>
+      <p:sp>
+        <p:nvSpPr>
+          <p:cNvPr id="4" name="슬라이드 번호 개체 틀 3"/>
+          <p:cNvSpPr>
+            <a:spLocks noGrp="1"/>
+          </p:cNvSpPr>
+          <p:nvPr>
+            <p:ph type="sldNum" sz="quarter" idx="10"/>
+          </p:nvPr>
+        </p:nvSpPr>
+        <p:spPr/>
+        <p:txBody>
+          <a:bodyPr/>
+          <a:lstStyle/>
+          <a:p>
+            <a:pPr lvl="0" rtl="0">
+              <a:defRPr/>
+            </a:pPr>
+            <a:fld id="{D40C6A29-4676-420C-BBE3-ACC2B80F64D4}" type="slidenum">
+              <a:rPr lang="en-US" altLang="ko-KR">
+                <a:latin typeface="+mj-ea"/>
+                <a:ea typeface="+mj-ea"/>
+              </a:rPr>
+              <a:pPr lvl="0" rtl="0">
+                <a:defRPr/>
+              </a:pPr>
+              <a:t>16</a:t>
+            </a:fld>
+            <a:endParaRPr lang="en-US" altLang="ko-KR">
+              <a:latin typeface="+mj-ea"/>
+              <a:ea typeface="+mj-ea"/>
+            </a:endParaRPr>
+          </a:p>
+        </p:txBody>
+      </p:sp>
+    </p:spTree>
+  </p:cSld>
+  <p:clrMapOvr>
+    <a:masterClrMapping/>
+  </p:clrMapOvr>
+</p:notes>
+</file>
+
+<file path=ppt/notesSlides/notesSlide17.xml><?xml version="1.0" encoding="utf-8"?>
+<p:notes xmlns:a="http://schemas.openxmlformats.org/drawingml/2006/main" xmlns:r="http://schemas.openxmlformats.org/officeDocument/2006/relationships" xmlns:p="http://schemas.openxmlformats.org/presentationml/2006/main">
+  <p:cSld>
+    <p:spTree>
+      <p:nvGrpSpPr>
+        <p:cNvPr id="1" name=""/>
+        <p:cNvGrpSpPr/>
+        <p:nvPr/>
+      </p:nvGrpSpPr>
+      <p:grpSpPr>
+        <a:xfrm>
+          <a:off x="0" y="0"/>
+          <a:ext cx="0" cy="0"/>
+          <a:chOff x="0" y="0"/>
+          <a:chExt cx="0" cy="0"/>
+        </a:xfrm>
+      </p:grpSpPr>
+      <p:sp>
+        <p:nvSpPr>
+          <p:cNvPr id="2" name="슬라이드 이미지 개체 틀 1"/>
+          <p:cNvSpPr>
+            <a:spLocks noGrp="1" noRot="1" noChangeAspect="1" noTextEdit="1"/>
+          </p:cNvSpPr>
+          <p:nvPr>
+            <p:ph type="sldImg"/>
+          </p:nvPr>
+        </p:nvSpPr>
+        <p:spPr/>
+      </p:sp>
+      <p:sp>
+        <p:nvSpPr>
+          <p:cNvPr id="3" name="슬라이드 노트 개체 틀 2"/>
+          <p:cNvSpPr>
+            <a:spLocks noGrp="1"/>
+          </p:cNvSpPr>
+          <p:nvPr>
+            <p:ph type="body" idx="1"/>
+          </p:nvPr>
+        </p:nvSpPr>
+        <p:spPr/>
+        <p:txBody>
+          <a:bodyPr/>
+          <a:lstStyle/>
+          <a:p>
+            <a:pPr lvl="0" rtl="0">
+              <a:defRPr/>
+            </a:pPr>
+            <a:endParaRPr lang="ko-KR" altLang="en-US">
               <a:latin typeface="+mj-ea"/>
               <a:ea typeface="+mj-ea"/>
             </a:endParaRPr>
@@ -1436,18 +1725,23 @@
         </p:nvSpPr>
         <p:spPr/>
         <p:txBody>
-          <a:bodyPr rtlCol="0"/>
+          <a:bodyPr/>
           <a:lstStyle/>
           <a:p>
-            <a:pPr rtl="0"/>
+            <a:pPr lvl="0" rtl="0">
+              <a:defRPr/>
+            </a:pPr>
             <a:fld id="{D40C6A29-4676-420C-BBE3-ACC2B80F64D4}" type="slidenum">
-              <a:rPr lang="en-US" altLang="ko-KR" smtClean="0">
+              <a:rPr lang="en-US" altLang="ko-KR">
                 <a:latin typeface="+mj-ea"/>
                 <a:ea typeface="+mj-ea"/>
               </a:rPr>
-              <a:t>16</a:t>
+              <a:pPr lvl="0" rtl="0">
+                <a:defRPr/>
+              </a:pPr>
+              <a:t>17</a:t>
             </a:fld>
-            <a:endParaRPr lang="ko-KR" altLang="en-US" dirty="0">
+            <a:endParaRPr lang="en-US" altLang="ko-KR">
               <a:latin typeface="+mj-ea"/>
               <a:ea typeface="+mj-ea"/>
             </a:endParaRPr>
@@ -1455,11 +1749,6 @@
         </p:txBody>
       </p:sp>
     </p:spTree>
-    <p:extLst>
-      <p:ext uri="{BB962C8B-B14F-4D97-AF65-F5344CB8AC3E}">
-        <p14:creationId xmlns:p14="http://schemas.microsoft.com/office/powerpoint/2010/main" val="1670162108"/>
-      </p:ext>
-    </p:extLst>
   </p:cSld>
   <p:clrMapOvr>
     <a:masterClrMapping/>
@@ -1488,7 +1777,7 @@
         <p:nvSpPr>
           <p:cNvPr id="2" name="슬라이드 이미지 개체 틀 1"/>
           <p:cNvSpPr>
-            <a:spLocks noGrp="1" noRot="1" noChangeAspect="1"/>
+            <a:spLocks noGrp="1" noRot="1" noChangeAspect="1" noTextEdit="1"/>
           </p:cNvSpPr>
           <p:nvPr>
             <p:ph type="sldImg"/>
@@ -1511,7 +1800,10 @@
           <a:bodyPr/>
           <a:lstStyle/>
           <a:p>
-            <a:endParaRPr lang="ko-KR" altLang="en-US" dirty="0">
+            <a:pPr lvl="0">
+              <a:defRPr/>
+            </a:pPr>
+            <a:endParaRPr lang="ko-KR" altLang="en-US">
               <a:latin typeface="+mj-ea"/>
               <a:ea typeface="+mj-ea"/>
             </a:endParaRPr>
@@ -1533,15 +1825,20 @@
           <a:bodyPr/>
           <a:lstStyle/>
           <a:p>
-            <a:pPr rtl="0"/>
+            <a:pPr lvl="0" rtl="0">
+              <a:defRPr/>
+            </a:pPr>
             <a:fld id="{D40C6A29-4676-420C-BBE3-ACC2B80F64D4}" type="slidenum">
-              <a:rPr lang="en-US" altLang="ko-KR" smtClean="0">
+              <a:rPr lang="en-US" altLang="ko-KR">
                 <a:latin typeface="+mj-ea"/>
                 <a:ea typeface="+mj-ea"/>
               </a:rPr>
+              <a:pPr lvl="0" rtl="0">
+                <a:defRPr/>
+              </a:pPr>
               <a:t>2</a:t>
             </a:fld>
-            <a:endParaRPr lang="ko-KR" altLang="en-US" dirty="0">
+            <a:endParaRPr lang="ko-KR" altLang="en-US">
               <a:latin typeface="+mj-ea"/>
               <a:ea typeface="+mj-ea"/>
             </a:endParaRPr>
@@ -1549,11 +1846,6 @@
         </p:txBody>
       </p:sp>
     </p:spTree>
-    <p:extLst>
-      <p:ext uri="{BB962C8B-B14F-4D97-AF65-F5344CB8AC3E}">
-        <p14:creationId xmlns:p14="http://schemas.microsoft.com/office/powerpoint/2010/main" val="1014264856"/>
-      </p:ext>
-    </p:extLst>
   </p:cSld>
   <p:clrMapOvr>
     <a:masterClrMapping/>
@@ -1582,7 +1874,7 @@
         <p:nvSpPr>
           <p:cNvPr id="2" name="슬라이드 이미지 개체 틀 1"/>
           <p:cNvSpPr>
-            <a:spLocks noGrp="1" noRot="1" noChangeAspect="1"/>
+            <a:spLocks noGrp="1" noRot="1" noChangeAspect="1" noTextEdit="1"/>
           </p:cNvSpPr>
           <p:nvPr>
             <p:ph type="sldImg"/>
@@ -1605,7 +1897,10 @@
           <a:bodyPr/>
           <a:lstStyle/>
           <a:p>
-            <a:endParaRPr lang="ko-KR" altLang="en-US" dirty="0">
+            <a:pPr lvl="0">
+              <a:defRPr/>
+            </a:pPr>
+            <a:endParaRPr lang="ko-KR" altLang="en-US">
               <a:latin typeface="+mj-ea"/>
               <a:ea typeface="+mj-ea"/>
             </a:endParaRPr>
@@ -1627,15 +1922,20 @@
           <a:bodyPr/>
           <a:lstStyle/>
           <a:p>
-            <a:pPr rtl="0"/>
+            <a:pPr lvl="0" rtl="0">
+              <a:defRPr/>
+            </a:pPr>
             <a:fld id="{D40C6A29-4676-420C-BBE3-ACC2B80F64D4}" type="slidenum">
-              <a:rPr lang="en-US" altLang="ko-KR" smtClean="0">
+              <a:rPr lang="en-US" altLang="ko-KR">
                 <a:latin typeface="+mj-ea"/>
                 <a:ea typeface="+mj-ea"/>
               </a:rPr>
+              <a:pPr lvl="0" rtl="0">
+                <a:defRPr/>
+              </a:pPr>
               <a:t>3</a:t>
             </a:fld>
-            <a:endParaRPr lang="ko-KR" altLang="en-US" dirty="0">
+            <a:endParaRPr lang="ko-KR" altLang="en-US">
               <a:latin typeface="+mj-ea"/>
               <a:ea typeface="+mj-ea"/>
             </a:endParaRPr>
@@ -1643,11 +1943,6 @@
         </p:txBody>
       </p:sp>
     </p:spTree>
-    <p:extLst>
-      <p:ext uri="{BB962C8B-B14F-4D97-AF65-F5344CB8AC3E}">
-        <p14:creationId xmlns:p14="http://schemas.microsoft.com/office/powerpoint/2010/main" val="1267918774"/>
-      </p:ext>
-    </p:extLst>
   </p:cSld>
   <p:clrMapOvr>
     <a:masterClrMapping/>
@@ -1676,7 +1971,7 @@
         <p:nvSpPr>
           <p:cNvPr id="2" name="슬라이드 이미지 개체 틀 1"/>
           <p:cNvSpPr>
-            <a:spLocks noGrp="1" noRot="1" noChangeAspect="1"/>
+            <a:spLocks noGrp="1" noRot="1" noChangeAspect="1" noTextEdit="1"/>
           </p:cNvSpPr>
           <p:nvPr>
             <p:ph type="sldImg"/>
@@ -1699,7 +1994,10 @@
           <a:bodyPr/>
           <a:lstStyle/>
           <a:p>
-            <a:endParaRPr lang="ko-KR" altLang="en-US" dirty="0">
+            <a:pPr lvl="0">
+              <a:defRPr/>
+            </a:pPr>
+            <a:endParaRPr lang="ko-KR" altLang="en-US">
               <a:latin typeface="+mj-ea"/>
               <a:ea typeface="+mj-ea"/>
             </a:endParaRPr>
@@ -1721,15 +2019,20 @@
           <a:bodyPr/>
           <a:lstStyle/>
           <a:p>
-            <a:pPr rtl="0"/>
+            <a:pPr lvl="0" rtl="0">
+              <a:defRPr/>
+            </a:pPr>
             <a:fld id="{D40C6A29-4676-420C-BBE3-ACC2B80F64D4}" type="slidenum">
-              <a:rPr lang="en-US" altLang="ko-KR" smtClean="0">
+              <a:rPr lang="en-US" altLang="ko-KR">
                 <a:latin typeface="+mj-ea"/>
                 <a:ea typeface="+mj-ea"/>
               </a:rPr>
+              <a:pPr lvl="0" rtl="0">
+                <a:defRPr/>
+              </a:pPr>
               <a:t>4</a:t>
             </a:fld>
-            <a:endParaRPr lang="ko-KR" altLang="en-US" dirty="0">
+            <a:endParaRPr lang="ko-KR" altLang="en-US">
               <a:latin typeface="+mj-ea"/>
               <a:ea typeface="+mj-ea"/>
             </a:endParaRPr>
@@ -1737,11 +2040,6 @@
         </p:txBody>
       </p:sp>
     </p:spTree>
-    <p:extLst>
-      <p:ext uri="{BB962C8B-B14F-4D97-AF65-F5344CB8AC3E}">
-        <p14:creationId xmlns:p14="http://schemas.microsoft.com/office/powerpoint/2010/main" val="3873213844"/>
-      </p:ext>
-    </p:extLst>
   </p:cSld>
   <p:clrMapOvr>
     <a:masterClrMapping/>
@@ -1770,7 +2068,7 @@
         <p:nvSpPr>
           <p:cNvPr id="2" name="슬라이드 이미지 개체 틀 1"/>
           <p:cNvSpPr>
-            <a:spLocks noGrp="1" noRot="1" noChangeAspect="1"/>
+            <a:spLocks noGrp="1" noRot="1" noChangeAspect="1" noTextEdit="1"/>
           </p:cNvSpPr>
           <p:nvPr>
             <p:ph type="sldImg"/>
@@ -1793,7 +2091,10 @@
           <a:bodyPr/>
           <a:lstStyle/>
           <a:p>
-            <a:endParaRPr lang="ko-KR" altLang="en-US" dirty="0">
+            <a:pPr lvl="0">
+              <a:defRPr/>
+            </a:pPr>
+            <a:endParaRPr lang="ko-KR" altLang="en-US">
               <a:latin typeface="+mj-ea"/>
               <a:ea typeface="+mj-ea"/>
             </a:endParaRPr>
@@ -1815,15 +2116,20 @@
           <a:bodyPr/>
           <a:lstStyle/>
           <a:p>
-            <a:pPr rtl="0"/>
+            <a:pPr lvl="0" rtl="0">
+              <a:defRPr/>
+            </a:pPr>
             <a:fld id="{D40C6A29-4676-420C-BBE3-ACC2B80F64D4}" type="slidenum">
-              <a:rPr lang="en-US" altLang="ko-KR" smtClean="0">
+              <a:rPr lang="en-US" altLang="ko-KR">
                 <a:latin typeface="+mj-ea"/>
                 <a:ea typeface="+mj-ea"/>
               </a:rPr>
+              <a:pPr lvl="0" rtl="0">
+                <a:defRPr/>
+              </a:pPr>
               <a:t>5</a:t>
             </a:fld>
-            <a:endParaRPr lang="ko-KR" altLang="en-US" dirty="0">
+            <a:endParaRPr lang="ko-KR" altLang="en-US">
               <a:latin typeface="+mj-ea"/>
               <a:ea typeface="+mj-ea"/>
             </a:endParaRPr>
@@ -1831,11 +2137,6 @@
         </p:txBody>
       </p:sp>
     </p:spTree>
-    <p:extLst>
-      <p:ext uri="{BB962C8B-B14F-4D97-AF65-F5344CB8AC3E}">
-        <p14:creationId xmlns:p14="http://schemas.microsoft.com/office/powerpoint/2010/main" val="2487071732"/>
-      </p:ext>
-    </p:extLst>
   </p:cSld>
   <p:clrMapOvr>
     <a:masterClrMapping/>
@@ -1864,7 +2165,7 @@
         <p:nvSpPr>
           <p:cNvPr id="2" name="슬라이드 이미지 개체 틀 1"/>
           <p:cNvSpPr>
-            <a:spLocks noGrp="1" noRot="1" noChangeAspect="1"/>
+            <a:spLocks noGrp="1" noRot="1" noChangeAspect="1" noTextEdit="1"/>
           </p:cNvSpPr>
           <p:nvPr>
             <p:ph type="sldImg"/>
@@ -1884,14 +2185,68 @@
         </p:nvSpPr>
         <p:spPr/>
         <p:txBody>
-          <a:bodyPr rtlCol="0"/>
+          <a:bodyPr/>
           <a:lstStyle/>
           <a:p>
-            <a:pPr rtl="0"/>
-            <a:endParaRPr lang="ko-KR" altLang="en-US" dirty="0">
+            <a:pPr marL="228600" lvl="0" indent="-228600" rtl="0">
+              <a:buAutoNum type="arabicPeriod"/>
+              <a:defRPr/>
+            </a:pPr>
+            <a:r>
+              <a:rPr lang="ko-KR" altLang="en-US" dirty="0">
+                <a:latin typeface="+mj-ea"/>
+                <a:ea typeface="+mj-ea"/>
+              </a:rPr>
+              <a:t>아이디</a:t>
+            </a:r>
+            <a:r>
+              <a:rPr lang="en-US" altLang="ko-KR" dirty="0">
+                <a:latin typeface="+mj-ea"/>
+                <a:ea typeface="+mj-ea"/>
+              </a:rPr>
+              <a:t>, </a:t>
+            </a:r>
+            <a:r>
+              <a:rPr lang="ko-KR" altLang="en-US" dirty="0">
+                <a:latin typeface="+mj-ea"/>
+                <a:ea typeface="+mj-ea"/>
+              </a:rPr>
+              <a:t>비밀번호 입력</a:t>
+            </a:r>
+            <a:endParaRPr lang="en-US" altLang="ko-KR" dirty="0">
               <a:latin typeface="+mj-ea"/>
               <a:ea typeface="+mj-ea"/>
             </a:endParaRPr>
+          </a:p>
+          <a:p>
+            <a:pPr marL="228600" lvl="0" indent="-228600" rtl="0">
+              <a:buAutoNum type="arabicPeriod"/>
+              <a:defRPr/>
+            </a:pPr>
+            <a:r>
+              <a:rPr lang="ko-KR" altLang="en-US" dirty="0">
+                <a:latin typeface="+mj-ea"/>
+                <a:ea typeface="+mj-ea"/>
+              </a:rPr>
+              <a:t>로그인 버튼</a:t>
+            </a:r>
+            <a:endParaRPr lang="en-US" altLang="ko-KR" dirty="0">
+              <a:latin typeface="+mj-ea"/>
+              <a:ea typeface="+mj-ea"/>
+            </a:endParaRPr>
+          </a:p>
+          <a:p>
+            <a:pPr marL="228600" lvl="0" indent="-228600" rtl="0">
+              <a:buAutoNum type="arabicPeriod"/>
+              <a:defRPr/>
+            </a:pPr>
+            <a:r>
+              <a:rPr lang="ko-KR" altLang="en-US" dirty="0">
+                <a:latin typeface="+mj-ea"/>
+                <a:ea typeface="+mj-ea"/>
+              </a:rPr>
+              <a:t>회원가입 버튼</a:t>
+            </a:r>
           </a:p>
         </p:txBody>
       </p:sp>
@@ -1907,18 +2262,23 @@
         </p:nvSpPr>
         <p:spPr/>
         <p:txBody>
-          <a:bodyPr rtlCol="0"/>
+          <a:bodyPr/>
           <a:lstStyle/>
           <a:p>
-            <a:pPr rtl="0"/>
+            <a:pPr lvl="0" rtl="0">
+              <a:defRPr/>
+            </a:pPr>
             <a:fld id="{D40C6A29-4676-420C-BBE3-ACC2B80F64D4}" type="slidenum">
-              <a:rPr lang="en-US" altLang="ko-KR" smtClean="0">
+              <a:rPr lang="en-US" altLang="ko-KR">
                 <a:latin typeface="+mj-ea"/>
                 <a:ea typeface="+mj-ea"/>
               </a:rPr>
+              <a:pPr lvl="0" rtl="0">
+                <a:defRPr/>
+              </a:pPr>
               <a:t>6</a:t>
             </a:fld>
-            <a:endParaRPr lang="ko-KR" altLang="en-US" dirty="0">
+            <a:endParaRPr lang="ko-KR" altLang="en-US">
               <a:latin typeface="+mj-ea"/>
               <a:ea typeface="+mj-ea"/>
             </a:endParaRPr>
@@ -1926,11 +2286,6 @@
         </p:txBody>
       </p:sp>
     </p:spTree>
-    <p:extLst>
-      <p:ext uri="{BB962C8B-B14F-4D97-AF65-F5344CB8AC3E}">
-        <p14:creationId xmlns:p14="http://schemas.microsoft.com/office/powerpoint/2010/main" val="4209822250"/>
-      </p:ext>
-    </p:extLst>
   </p:cSld>
   <p:clrMapOvr>
     <a:masterClrMapping/>
@@ -1959,7 +2314,7 @@
         <p:nvSpPr>
           <p:cNvPr id="2" name="슬라이드 이미지 개체 틀 1"/>
           <p:cNvSpPr>
-            <a:spLocks noGrp="1" noRot="1" noChangeAspect="1"/>
+            <a:spLocks noGrp="1" noRot="1" noChangeAspect="1" noTextEdit="1"/>
           </p:cNvSpPr>
           <p:nvPr>
             <p:ph type="sldImg"/>
@@ -1979,14 +2334,61 @@
         </p:nvSpPr>
         <p:spPr/>
         <p:txBody>
-          <a:bodyPr rtlCol="0"/>
+          <a:bodyPr/>
           <a:lstStyle/>
           <a:p>
-            <a:pPr rtl="0"/>
-            <a:endParaRPr lang="ko-KR" altLang="en-US" dirty="0">
+            <a:pPr marL="228600" lvl="0" indent="-228600" rtl="0">
+              <a:buAutoNum type="arabicPeriod"/>
+              <a:defRPr/>
+            </a:pPr>
+            <a:r>
+              <a:rPr lang="en-US" altLang="ko-KR" dirty="0">
+                <a:latin typeface="+mj-ea"/>
+                <a:ea typeface="+mj-ea"/>
+              </a:rPr>
+              <a:t>4</a:t>
+            </a:r>
+            <a:r>
+              <a:rPr lang="ko-KR" altLang="en-US" dirty="0">
+                <a:latin typeface="+mj-ea"/>
+                <a:ea typeface="+mj-ea"/>
+              </a:rPr>
+              <a:t>가지 필수 입력 사항</a:t>
+            </a:r>
+            <a:endParaRPr lang="en-US" altLang="ko-KR" dirty="0">
               <a:latin typeface="+mj-ea"/>
               <a:ea typeface="+mj-ea"/>
             </a:endParaRPr>
+          </a:p>
+          <a:p>
+            <a:pPr marL="228600" lvl="0" indent="-228600" rtl="0">
+              <a:buAutoNum type="arabicPeriod"/>
+              <a:defRPr/>
+            </a:pPr>
+            <a:r>
+              <a:rPr lang="ko-KR" altLang="en-US" dirty="0">
+                <a:latin typeface="+mj-ea"/>
+                <a:ea typeface="+mj-ea"/>
+              </a:rPr>
+              <a:t>가입 버튼</a:t>
+            </a:r>
+            <a:endParaRPr lang="en-US" altLang="ko-KR" dirty="0">
+              <a:latin typeface="+mj-ea"/>
+              <a:ea typeface="+mj-ea"/>
+            </a:endParaRPr>
+          </a:p>
+          <a:p>
+            <a:pPr marL="228600" lvl="0" indent="-228600" rtl="0">
+              <a:buAutoNum type="arabicPeriod"/>
+              <a:defRPr/>
+            </a:pPr>
+            <a:r>
+              <a:rPr lang="ko-KR" altLang="en-US" dirty="0">
+                <a:latin typeface="+mj-ea"/>
+                <a:ea typeface="+mj-ea"/>
+              </a:rPr>
+              <a:t>취소 버튼</a:t>
+            </a:r>
           </a:p>
         </p:txBody>
       </p:sp>
@@ -2002,18 +2404,23 @@
         </p:nvSpPr>
         <p:spPr/>
         <p:txBody>
-          <a:bodyPr rtlCol="0"/>
+          <a:bodyPr/>
           <a:lstStyle/>
           <a:p>
-            <a:pPr rtl="0"/>
+            <a:pPr lvl="0" rtl="0">
+              <a:defRPr/>
+            </a:pPr>
             <a:fld id="{D40C6A29-4676-420C-BBE3-ACC2B80F64D4}" type="slidenum">
-              <a:rPr lang="en-US" altLang="ko-KR" smtClean="0">
+              <a:rPr lang="en-US" altLang="ko-KR">
                 <a:latin typeface="+mj-ea"/>
                 <a:ea typeface="+mj-ea"/>
               </a:rPr>
+              <a:pPr lvl="0" rtl="0">
+                <a:defRPr/>
+              </a:pPr>
               <a:t>7</a:t>
             </a:fld>
-            <a:endParaRPr lang="ko-KR" altLang="en-US" dirty="0">
+            <a:endParaRPr lang="ko-KR" altLang="en-US">
               <a:latin typeface="+mj-ea"/>
               <a:ea typeface="+mj-ea"/>
             </a:endParaRPr>
@@ -2021,11 +2428,6 @@
         </p:txBody>
       </p:sp>
     </p:spTree>
-    <p:extLst>
-      <p:ext uri="{BB962C8B-B14F-4D97-AF65-F5344CB8AC3E}">
-        <p14:creationId xmlns:p14="http://schemas.microsoft.com/office/powerpoint/2010/main" val="4209379786"/>
-      </p:ext>
-    </p:extLst>
   </p:cSld>
   <p:clrMapOvr>
     <a:masterClrMapping/>
@@ -2054,7 +2456,7 @@
         <p:nvSpPr>
           <p:cNvPr id="2" name="슬라이드 이미지 개체 틀 1"/>
           <p:cNvSpPr>
-            <a:spLocks noGrp="1" noRot="1" noChangeAspect="1"/>
+            <a:spLocks noGrp="1" noRot="1" noChangeAspect="1" noTextEdit="1"/>
           </p:cNvSpPr>
           <p:nvPr>
             <p:ph type="sldImg"/>
@@ -2074,10 +2476,147 @@
         </p:nvSpPr>
         <p:spPr/>
         <p:txBody>
-          <a:bodyPr rtlCol="0"/>
+          <a:bodyPr/>
           <a:lstStyle/>
           <a:p>
-            <a:pPr rtl="0"/>
+            <a:pPr marL="228600" lvl="0" indent="-228600" rtl="0">
+              <a:buAutoNum type="arabicPeriod"/>
+              <a:defRPr/>
+            </a:pPr>
+            <a:r>
+              <a:rPr lang="ko-KR" altLang="en-US" dirty="0">
+                <a:latin typeface="+mj-ea"/>
+                <a:ea typeface="+mj-ea"/>
+              </a:rPr>
+              <a:t>세션 확인</a:t>
+            </a:r>
+            <a:r>
+              <a:rPr lang="en-US" altLang="ko-KR" dirty="0">
+                <a:latin typeface="+mj-ea"/>
+                <a:ea typeface="+mj-ea"/>
+              </a:rPr>
+              <a:t> -&gt; </a:t>
+            </a:r>
+            <a:r>
+              <a:rPr lang="ko-KR" altLang="en-US" dirty="0">
+                <a:latin typeface="+mj-ea"/>
+                <a:ea typeface="+mj-ea"/>
+              </a:rPr>
+              <a:t>로그인 유지</a:t>
+            </a:r>
+            <a:endParaRPr lang="en-US" altLang="ko-KR" dirty="0">
+              <a:latin typeface="+mj-ea"/>
+              <a:ea typeface="+mj-ea"/>
+            </a:endParaRPr>
+          </a:p>
+          <a:p>
+            <a:pPr marL="228600" lvl="0" indent="-228600" rtl="0">
+              <a:buAutoNum type="arabicPeriod"/>
+              <a:defRPr/>
+            </a:pPr>
+            <a:r>
+              <a:rPr lang="ko-KR" altLang="en-US" dirty="0">
+                <a:latin typeface="+mj-ea"/>
+                <a:ea typeface="+mj-ea"/>
+              </a:rPr>
+              <a:t>리스트 출력</a:t>
+            </a:r>
+            <a:endParaRPr lang="en-US" altLang="ko-KR" dirty="0">
+              <a:latin typeface="+mj-ea"/>
+              <a:ea typeface="+mj-ea"/>
+            </a:endParaRPr>
+          </a:p>
+          <a:p>
+            <a:pPr marL="228600" lvl="0" indent="-228600" rtl="0">
+              <a:buAutoNum type="arabicPeriod"/>
+              <a:defRPr/>
+            </a:pPr>
+            <a:r>
+              <a:rPr lang="ko-KR" altLang="en-US" dirty="0">
+                <a:latin typeface="+mj-ea"/>
+                <a:ea typeface="+mj-ea"/>
+              </a:rPr>
+              <a:t>정렬 기능</a:t>
+            </a:r>
+            <a:endParaRPr lang="en-US" altLang="ko-KR" dirty="0">
+              <a:latin typeface="+mj-ea"/>
+              <a:ea typeface="+mj-ea"/>
+            </a:endParaRPr>
+          </a:p>
+          <a:p>
+            <a:pPr marL="228600" lvl="0" indent="-228600" rtl="0">
+              <a:buAutoNum type="arabicPeriod"/>
+              <a:defRPr/>
+            </a:pPr>
+            <a:r>
+              <a:rPr lang="ko-KR" altLang="en-US" dirty="0">
+                <a:latin typeface="+mj-ea"/>
+                <a:ea typeface="+mj-ea"/>
+              </a:rPr>
+              <a:t>게시글 작성</a:t>
+            </a:r>
+            <a:r>
+              <a:rPr lang="en-US" altLang="ko-KR" dirty="0">
+                <a:latin typeface="+mj-ea"/>
+                <a:ea typeface="+mj-ea"/>
+              </a:rPr>
+              <a:t>,</a:t>
+            </a:r>
+            <a:r>
+              <a:rPr lang="ko-KR" altLang="en-US" dirty="0">
+                <a:latin typeface="+mj-ea"/>
+                <a:ea typeface="+mj-ea"/>
+              </a:rPr>
+              <a:t> 조회</a:t>
+            </a:r>
+            <a:r>
+              <a:rPr lang="en-US" altLang="ko-KR" dirty="0">
+                <a:latin typeface="+mj-ea"/>
+                <a:ea typeface="+mj-ea"/>
+              </a:rPr>
+              <a:t>, </a:t>
+            </a:r>
+            <a:r>
+              <a:rPr lang="ko-KR" altLang="en-US" dirty="0">
+                <a:latin typeface="+mj-ea"/>
+                <a:ea typeface="+mj-ea"/>
+              </a:rPr>
+              <a:t>삭제</a:t>
+            </a:r>
+            <a:endParaRPr lang="en-US" altLang="ko-KR" dirty="0">
+              <a:latin typeface="+mj-ea"/>
+              <a:ea typeface="+mj-ea"/>
+            </a:endParaRPr>
+          </a:p>
+          <a:p>
+            <a:pPr marL="228600" lvl="0" indent="-228600" rtl="0">
+              <a:buAutoNum type="arabicPeriod"/>
+              <a:defRPr/>
+            </a:pPr>
+            <a:r>
+              <a:rPr lang="ko-KR" altLang="en-US" dirty="0">
+                <a:latin typeface="+mj-ea"/>
+                <a:ea typeface="+mj-ea"/>
+              </a:rPr>
+              <a:t>검색</a:t>
+            </a:r>
+            <a:endParaRPr lang="en-US" altLang="ko-KR" dirty="0">
+              <a:latin typeface="+mj-ea"/>
+              <a:ea typeface="+mj-ea"/>
+            </a:endParaRPr>
+          </a:p>
+          <a:p>
+            <a:pPr marL="228600" lvl="0" indent="-228600" rtl="0">
+              <a:buAutoNum type="arabicPeriod"/>
+              <a:defRPr/>
+            </a:pPr>
+            <a:r>
+              <a:rPr lang="ko-KR" altLang="en-US" dirty="0" err="1">
+                <a:latin typeface="+mj-ea"/>
+                <a:ea typeface="+mj-ea"/>
+              </a:rPr>
+              <a:t>페이징</a:t>
+            </a:r>
             <a:endParaRPr lang="ko-KR" altLang="en-US" dirty="0">
               <a:latin typeface="+mj-ea"/>
               <a:ea typeface="+mj-ea"/>
@@ -2097,18 +2636,23 @@
         </p:nvSpPr>
         <p:spPr/>
         <p:txBody>
-          <a:bodyPr rtlCol="0"/>
+          <a:bodyPr/>
           <a:lstStyle/>
           <a:p>
-            <a:pPr rtl="0"/>
+            <a:pPr lvl="0" rtl="0">
+              <a:defRPr/>
+            </a:pPr>
             <a:fld id="{D40C6A29-4676-420C-BBE3-ACC2B80F64D4}" type="slidenum">
-              <a:rPr lang="en-US" altLang="ko-KR" smtClean="0">
+              <a:rPr lang="en-US" altLang="ko-KR">
                 <a:latin typeface="+mj-ea"/>
                 <a:ea typeface="+mj-ea"/>
               </a:rPr>
+              <a:pPr lvl="0" rtl="0">
+                <a:defRPr/>
+              </a:pPr>
               <a:t>8</a:t>
             </a:fld>
-            <a:endParaRPr lang="ko-KR" altLang="en-US" dirty="0">
+            <a:endParaRPr lang="ko-KR" altLang="en-US">
               <a:latin typeface="+mj-ea"/>
               <a:ea typeface="+mj-ea"/>
             </a:endParaRPr>
@@ -2116,11 +2660,6 @@
         </p:txBody>
       </p:sp>
     </p:spTree>
-    <p:extLst>
-      <p:ext uri="{BB962C8B-B14F-4D97-AF65-F5344CB8AC3E}">
-        <p14:creationId xmlns:p14="http://schemas.microsoft.com/office/powerpoint/2010/main" val="2742224265"/>
-      </p:ext>
-    </p:extLst>
   </p:cSld>
   <p:clrMapOvr>
     <a:masterClrMapping/>
@@ -2149,7 +2688,7 @@
         <p:nvSpPr>
           <p:cNvPr id="2" name="슬라이드 이미지 개체 틀 1"/>
           <p:cNvSpPr>
-            <a:spLocks noGrp="1" noRot="1" noChangeAspect="1"/>
+            <a:spLocks noGrp="1" noRot="1" noChangeAspect="1" noTextEdit="1"/>
           </p:cNvSpPr>
           <p:nvPr>
             <p:ph type="sldImg"/>
@@ -2169,14 +2708,61 @@
         </p:nvSpPr>
         <p:spPr/>
         <p:txBody>
-          <a:bodyPr rtlCol="0"/>
+          <a:bodyPr/>
           <a:lstStyle/>
           <a:p>
-            <a:pPr rtl="0"/>
-            <a:endParaRPr lang="ko-KR" altLang="en-US" dirty="0">
+            <a:pPr marL="228600" lvl="0" indent="-228600" rtl="0">
+              <a:buAutoNum type="arabicPeriod"/>
+              <a:defRPr/>
+            </a:pPr>
+            <a:r>
+              <a:rPr lang="en-US" altLang="ko-KR" dirty="0">
+                <a:latin typeface="+mj-ea"/>
+                <a:ea typeface="+mj-ea"/>
+              </a:rPr>
+              <a:t>3</a:t>
+            </a:r>
+            <a:r>
+              <a:rPr lang="ko-KR" altLang="en-US" dirty="0">
+                <a:latin typeface="+mj-ea"/>
+                <a:ea typeface="+mj-ea"/>
+              </a:rPr>
+              <a:t>가지 필수 입력</a:t>
+            </a:r>
+            <a:endParaRPr lang="en-US" altLang="ko-KR" dirty="0">
               <a:latin typeface="+mj-ea"/>
               <a:ea typeface="+mj-ea"/>
             </a:endParaRPr>
+          </a:p>
+          <a:p>
+            <a:pPr marL="228600" lvl="0" indent="-228600" rtl="0">
+              <a:buAutoNum type="arabicPeriod"/>
+              <a:defRPr/>
+            </a:pPr>
+            <a:r>
+              <a:rPr lang="ko-KR" altLang="en-US" dirty="0">
+                <a:latin typeface="+mj-ea"/>
+                <a:ea typeface="+mj-ea"/>
+              </a:rPr>
+              <a:t>등록 버튼</a:t>
+            </a:r>
+            <a:endParaRPr lang="en-US" altLang="ko-KR" dirty="0">
+              <a:latin typeface="+mj-ea"/>
+              <a:ea typeface="+mj-ea"/>
+            </a:endParaRPr>
+          </a:p>
+          <a:p>
+            <a:pPr marL="228600" lvl="0" indent="-228600" rtl="0">
+              <a:buAutoNum type="arabicPeriod"/>
+              <a:defRPr/>
+            </a:pPr>
+            <a:r>
+              <a:rPr lang="ko-KR" altLang="en-US" dirty="0">
+                <a:latin typeface="+mj-ea"/>
+                <a:ea typeface="+mj-ea"/>
+              </a:rPr>
+              <a:t>취소</a:t>
+            </a:r>
           </a:p>
         </p:txBody>
       </p:sp>
@@ -2192,18 +2778,23 @@
         </p:nvSpPr>
         <p:spPr/>
         <p:txBody>
-          <a:bodyPr rtlCol="0"/>
+          <a:bodyPr/>
           <a:lstStyle/>
           <a:p>
-            <a:pPr rtl="0"/>
+            <a:pPr lvl="0" rtl="0">
+              <a:defRPr/>
+            </a:pPr>
             <a:fld id="{D40C6A29-4676-420C-BBE3-ACC2B80F64D4}" type="slidenum">
-              <a:rPr lang="en-US" altLang="ko-KR" smtClean="0">
+              <a:rPr lang="en-US" altLang="ko-KR">
                 <a:latin typeface="+mj-ea"/>
                 <a:ea typeface="+mj-ea"/>
               </a:rPr>
+              <a:pPr lvl="0" rtl="0">
+                <a:defRPr/>
+              </a:pPr>
               <a:t>9</a:t>
             </a:fld>
-            <a:endParaRPr lang="ko-KR" altLang="en-US" dirty="0">
+            <a:endParaRPr lang="ko-KR" altLang="en-US">
               <a:latin typeface="+mj-ea"/>
               <a:ea typeface="+mj-ea"/>
             </a:endParaRPr>
@@ -2211,11 +2802,6 @@
         </p:txBody>
       </p:sp>
     </p:spTree>
-    <p:extLst>
-      <p:ext uri="{BB962C8B-B14F-4D97-AF65-F5344CB8AC3E}">
-        <p14:creationId xmlns:p14="http://schemas.microsoft.com/office/powerpoint/2010/main" val="2812632086"/>
-      </p:ext>
-    </p:extLst>
   </p:cSld>
   <p:clrMapOvr>
     <a:masterClrMapping/>
@@ -14506,13 +15092,7 @@
       </p:grpSpPr>
       <p:sp>
         <p:nvSpPr>
-          <p:cNvPr id="2" name="제목 1">
-            <a:extLst>
-              <a:ext uri="{FF2B5EF4-FFF2-40B4-BE49-F238E27FC236}">
-                <a16:creationId xmlns:a16="http://schemas.microsoft.com/office/drawing/2014/main" id="{28B08836-40C5-46C2-81BA-21AA27176925}"/>
-              </a:ext>
-            </a:extLst>
-          </p:cNvPr>
+          <p:cNvPr id="2" name="제목 1"/>
           <p:cNvSpPr>
             <a:spLocks noGrp="1"/>
           </p:cNvSpPr>
@@ -14522,30 +15102,27 @@
         </p:nvSpPr>
         <p:spPr/>
         <p:txBody>
-          <a:bodyPr rtlCol="0"/>
+          <a:bodyPr/>
           <a:lstStyle/>
           <a:p>
-            <a:pPr rtl="0"/>
-            <a:r>
-              <a:rPr lang="en-US" altLang="ko-KR" dirty="0"/>
+            <a:pPr lvl="0" rtl="0">
+              <a:defRPr/>
+            </a:pPr>
+            <a:r>
+              <a:rPr lang="en-US" altLang="ko-KR"/>
               <a:t>CMS BOARD PROJECT</a:t>
             </a:r>
-            <a:endParaRPr lang="ko-KR" altLang="en-US" dirty="0">
-              <a:latin typeface="맑은 고딕" panose="020B0503020000020004" pitchFamily="50" charset="-127"/>
-              <a:ea typeface="맑은 고딕" panose="020B0503020000020004" pitchFamily="50" charset="-127"/>
+            <a:endParaRPr lang="ko-KR" altLang="en-US">
+              <a:latin typeface="맑은 고딕"/>
+              <a:ea typeface="맑은 고딕"/>
+              <a:cs typeface="+mj-cs"/>
             </a:endParaRPr>
           </a:p>
         </p:txBody>
       </p:sp>
       <p:sp>
         <p:nvSpPr>
-          <p:cNvPr id="3" name="부제목 2">
-            <a:extLst>
-              <a:ext uri="{FF2B5EF4-FFF2-40B4-BE49-F238E27FC236}">
-                <a16:creationId xmlns:a16="http://schemas.microsoft.com/office/drawing/2014/main" id="{72CC4EC4-809C-4FD2-AA20-009F08590DA6}"/>
-              </a:ext>
-            </a:extLst>
-          </p:cNvPr>
+          <p:cNvPr id="3" name="부제목 2"/>
           <p:cNvSpPr>
             <a:spLocks noGrp="1"/>
           </p:cNvSpPr>
@@ -14555,10 +15132,12 @@
         </p:nvSpPr>
         <p:spPr/>
         <p:txBody>
-          <a:bodyPr rtlCol="0"/>
+          <a:bodyPr/>
           <a:lstStyle/>
           <a:p>
-            <a:pPr rtl="0"/>
+            <a:pPr lvl="0" rtl="0">
+              <a:defRPr/>
+            </a:pPr>
             <a:r>
               <a:rPr lang="ko-KR" altLang="en-US" dirty="0">
                 <a:solidFill>
@@ -14567,33 +15146,35 @@
               </a:rPr>
               <a:t>나상구 사원</a:t>
             </a:r>
-            <a:endParaRPr lang="ko-KR" altLang="en-US" dirty="0">
-              <a:solidFill>
-                <a:srgbClr val="FFFFFF"/>
-              </a:solidFill>
-              <a:latin typeface="맑은 고딕" panose="020B0503020000020004" pitchFamily="50" charset="-127"/>
-              <a:ea typeface="맑은 고딕" panose="020B0503020000020004" pitchFamily="50" charset="-127"/>
-            </a:endParaRPr>
-          </a:p>
-          <a:p>
-            <a:pPr rtl="0"/>
-            <a:endParaRPr lang="ko-KR" altLang="en-US" dirty="0">
-              <a:latin typeface="맑은 고딕" panose="020B0503020000020004" pitchFamily="50" charset="-127"/>
-              <a:ea typeface="맑은 고딕" panose="020B0503020000020004" pitchFamily="50" charset="-127"/>
-            </a:endParaRPr>
+          </a:p>
+          <a:p>
+            <a:pPr lvl="0" rtl="0">
+              <a:defRPr/>
+            </a:pPr>
+            <a:r>
+              <a:rPr lang="en-US" altLang="ko-KR" dirty="0">
+                <a:latin typeface="맑은 고딕"/>
+                <a:ea typeface="맑은 고딕"/>
+                <a:cs typeface="+mj-cs"/>
+              </a:rPr>
+              <a:t>2022.12.29</a:t>
+            </a:r>
           </a:p>
         </p:txBody>
       </p:sp>
     </p:spTree>
-    <p:extLst>
-      <p:ext uri="{BB962C8B-B14F-4D97-AF65-F5344CB8AC3E}">
-        <p14:creationId xmlns:p14="http://schemas.microsoft.com/office/powerpoint/2010/main" val="800962904"/>
-      </p:ext>
-    </p:extLst>
   </p:cSld>
   <p:clrMapOvr>
     <a:masterClrMapping/>
   </p:clrMapOvr>
+  <mc:AlternateContent xmlns:mc="http://schemas.openxmlformats.org/markup-compatibility/2006" xmlns:p14="http://schemas.microsoft.com/office/powerpoint/2010/main">
+    <mc:Choice Requires="p14">
+      <p:transition/>
+    </mc:Choice>
+    <mc:Fallback xmlns:dsp="http://schemas.microsoft.com/office/drawing/2008/diagram" xmlns:dgm="http://schemas.openxmlformats.org/drawingml/2006/diagram" xmlns:c="http://schemas.openxmlformats.org/drawingml/2006/chart" xmlns="">
+      <p:transition/>
+    </mc:Fallback>
+  </mc:AlternateContent>
 </p:sld>
 </file>
 
@@ -16836,13 +17417,7 @@
       </p:grpSpPr>
       <p:sp>
         <p:nvSpPr>
-          <p:cNvPr id="2" name="제목 1">
-            <a:extLst>
-              <a:ext uri="{FF2B5EF4-FFF2-40B4-BE49-F238E27FC236}">
-                <a16:creationId xmlns:a16="http://schemas.microsoft.com/office/drawing/2014/main" id="{1EFC037F-9B04-45A9-8AE6-A8517884947F}"/>
-              </a:ext>
-            </a:extLst>
-          </p:cNvPr>
+          <p:cNvPr id="2" name="제목 1"/>
           <p:cNvSpPr>
             <a:spLocks noGrp="1"/>
           </p:cNvSpPr>
@@ -16852,55 +17427,538 @@
         </p:nvSpPr>
         <p:spPr/>
         <p:txBody>
-          <a:bodyPr rtlCol="0"/>
+          <a:bodyPr/>
           <a:lstStyle/>
           <a:p>
-            <a:pPr rtl="0"/>
-            <a:r>
-              <a:rPr lang="en-US" altLang="ko-KR" dirty="0">
-                <a:solidFill>
-                  <a:srgbClr val="FFFFFF"/>
-                </a:solidFill>
+            <a:pPr lvl="0" rtl="0">
+              <a:defRPr/>
+            </a:pPr>
+            <a:r>
+              <a:rPr lang="en-US" altLang="ko-KR">
+                <a:latin typeface="맑은 고딕"/>
+                <a:ea typeface="맑은 고딕"/>
+                <a:cs typeface="+mj-cs"/>
               </a:rPr>
-              <a:t>3</a:t>
-            </a:r>
-            <a:r>
-              <a:rPr lang="en-US" altLang="ko-KR" dirty="0">
-                <a:solidFill>
-                  <a:srgbClr val="FFFFFF"/>
-                </a:solidFill>
-                <a:latin typeface="맑은 고딕" panose="020B0503020000020004" pitchFamily="50" charset="-127"/>
-                <a:ea typeface="맑은 고딕" panose="020B0503020000020004" pitchFamily="50" charset="-127"/>
+              <a:t>2. </a:t>
+            </a:r>
+            <a:r>
+              <a:rPr lang="ko-KR" altLang="en-US">
+                <a:latin typeface="맑은 고딕"/>
+                <a:ea typeface="맑은 고딕"/>
+                <a:cs typeface="+mj-cs"/>
               </a:rPr>
-              <a:t>. </a:t>
-            </a:r>
-            <a:r>
-              <a:rPr lang="ko-KR" altLang="en-US" dirty="0">
-                <a:solidFill>
-                  <a:srgbClr val="FFFFFF"/>
-                </a:solidFill>
-                <a:latin typeface="맑은 고딕" panose="020B0503020000020004" pitchFamily="50" charset="-127"/>
-                <a:ea typeface="맑은 고딕" panose="020B0503020000020004" pitchFamily="50" charset="-127"/>
+              <a:t>구현 화면 </a:t>
+            </a:r>
+            <a:r>
+              <a:rPr lang="en-US" altLang="ko-KR">
+                <a:latin typeface="맑은 고딕"/>
+                <a:ea typeface="맑은 고딕"/>
+                <a:cs typeface="+mj-cs"/>
               </a:rPr>
-              <a:t>시연</a:t>
-            </a:r>
-            <a:endParaRPr lang="ko-KR" altLang="en-US" dirty="0">
-              <a:latin typeface="맑은 고딕" panose="020B0503020000020004" pitchFamily="50" charset="-127"/>
-              <a:ea typeface="맑은 고딕" panose="020B0503020000020004" pitchFamily="50" charset="-127"/>
+              <a:t>- </a:t>
+            </a:r>
+            <a:r>
+              <a:rPr lang="ko-KR" altLang="en-US"/>
+              <a:t>체크리스트</a:t>
+            </a:r>
+          </a:p>
+        </p:txBody>
+      </p:sp>
+      <p:sp>
+        <p:nvSpPr>
+          <p:cNvPr id="6" name="날짜 개체 틀 3"/>
+          <p:cNvSpPr txBox="1"/>
+          <p:nvPr/>
+        </p:nvSpPr>
+        <p:spPr>
+          <a:xfrm>
+            <a:off x="990600" y="6508750"/>
+            <a:ext cx="2743200" cy="365125"/>
+          </a:xfrm>
+          <a:prstGeom prst="rect">
+            <a:avLst/>
+          </a:prstGeom>
+        </p:spPr>
+        <p:txBody>
+          <a:bodyPr vert="horz" lIns="91440" tIns="45720" rIns="91440" bIns="45720" anchor="ctr"/>
+          <a:lstStyle>
+            <a:defPPr rtl="0">
+              <a:defRPr lang="ko-kr"/>
+            </a:defPPr>
+            <a:lvl1pPr marL="0" algn="l" defTabSz="914400" rtl="0" eaLnBrk="1" latinLnBrk="0" hangingPunct="1">
+              <a:defRPr sz="1200" kern="1200" cap="none" spc="0" baseline="0">
+                <a:solidFill>
+                  <a:schemeClr val="tx1">
+                    <a:tint val="75000"/>
+                  </a:schemeClr>
+                </a:solidFill>
+                <a:latin typeface="맑은 고딕"/>
+                <a:ea typeface="맑은 고딕"/>
+                <a:cs typeface="+mn-cs"/>
+              </a:defRPr>
+            </a:lvl1pPr>
+            <a:lvl2pPr marL="457200" algn="l" defTabSz="914400" rtl="0" eaLnBrk="1" latinLnBrk="0" hangingPunct="1">
+              <a:defRPr sz="1800" kern="1200">
+                <a:solidFill>
+                  <a:schemeClr val="tx1"/>
+                </a:solidFill>
+                <a:latin typeface="+mn-lt"/>
+                <a:ea typeface="+mn-ea"/>
+                <a:cs typeface="+mn-cs"/>
+              </a:defRPr>
+            </a:lvl2pPr>
+            <a:lvl3pPr marL="914400" algn="l" defTabSz="914400" rtl="0" eaLnBrk="1" latinLnBrk="0" hangingPunct="1">
+              <a:defRPr sz="1800" kern="1200">
+                <a:solidFill>
+                  <a:schemeClr val="tx1"/>
+                </a:solidFill>
+                <a:latin typeface="+mn-lt"/>
+                <a:ea typeface="+mn-ea"/>
+                <a:cs typeface="+mn-cs"/>
+              </a:defRPr>
+            </a:lvl3pPr>
+            <a:lvl4pPr marL="1371600" algn="l" defTabSz="914400" rtl="0" eaLnBrk="1" latinLnBrk="0" hangingPunct="1">
+              <a:defRPr sz="1800" kern="1200">
+                <a:solidFill>
+                  <a:schemeClr val="tx1"/>
+                </a:solidFill>
+                <a:latin typeface="+mn-lt"/>
+                <a:ea typeface="+mn-ea"/>
+                <a:cs typeface="+mn-cs"/>
+              </a:defRPr>
+            </a:lvl4pPr>
+            <a:lvl5pPr marL="1828800" algn="l" defTabSz="914400" rtl="0" eaLnBrk="1" latinLnBrk="0" hangingPunct="1">
+              <a:defRPr sz="1800" kern="1200">
+                <a:solidFill>
+                  <a:schemeClr val="tx1"/>
+                </a:solidFill>
+                <a:latin typeface="+mn-lt"/>
+                <a:ea typeface="+mn-ea"/>
+                <a:cs typeface="+mn-cs"/>
+              </a:defRPr>
+            </a:lvl5pPr>
+            <a:lvl6pPr marL="2286000" algn="l" defTabSz="914400" rtl="0" eaLnBrk="1" latinLnBrk="0" hangingPunct="1">
+              <a:defRPr sz="1800" kern="1200">
+                <a:solidFill>
+                  <a:schemeClr val="tx1"/>
+                </a:solidFill>
+                <a:latin typeface="+mn-lt"/>
+                <a:ea typeface="+mn-ea"/>
+                <a:cs typeface="+mn-cs"/>
+              </a:defRPr>
+            </a:lvl6pPr>
+            <a:lvl7pPr marL="2743200" algn="l" defTabSz="914400" rtl="0" eaLnBrk="1" latinLnBrk="0" hangingPunct="1">
+              <a:defRPr sz="1800" kern="1200">
+                <a:solidFill>
+                  <a:schemeClr val="tx1"/>
+                </a:solidFill>
+                <a:latin typeface="+mn-lt"/>
+                <a:ea typeface="+mn-ea"/>
+                <a:cs typeface="+mn-cs"/>
+              </a:defRPr>
+            </a:lvl7pPr>
+            <a:lvl8pPr marL="3200400" algn="l" defTabSz="914400" rtl="0" eaLnBrk="1" latinLnBrk="0" hangingPunct="1">
+              <a:defRPr sz="1800" kern="1200">
+                <a:solidFill>
+                  <a:schemeClr val="tx1"/>
+                </a:solidFill>
+                <a:latin typeface="+mn-lt"/>
+                <a:ea typeface="+mn-ea"/>
+                <a:cs typeface="+mn-cs"/>
+              </a:defRPr>
+            </a:lvl8pPr>
+            <a:lvl9pPr marL="3657600" algn="l" defTabSz="914400" rtl="0" eaLnBrk="1" latinLnBrk="0" hangingPunct="1">
+              <a:defRPr sz="1800" kern="1200">
+                <a:solidFill>
+                  <a:schemeClr val="tx1"/>
+                </a:solidFill>
+                <a:latin typeface="+mn-lt"/>
+                <a:ea typeface="+mn-ea"/>
+                <a:cs typeface="+mn-cs"/>
+              </a:defRPr>
+            </a:lvl9pPr>
+          </a:lstStyle>
+          <a:p>
+            <a:pPr lvl="0">
+              <a:defRPr/>
+            </a:pPr>
+            <a:r>
+              <a:rPr lang="en-US" altLang="ko-KR">
+                <a:solidFill>
+                  <a:prstClr val="black">
+                    <a:tint val="75000"/>
+                  </a:prstClr>
+                </a:solidFill>
+              </a:rPr>
+              <a:t>12/29/2022</a:t>
+            </a:r>
+          </a:p>
+        </p:txBody>
+      </p:sp>
+      <p:sp>
+        <p:nvSpPr>
+          <p:cNvPr id="7" name="바닥글 개체 틀 4"/>
+          <p:cNvSpPr txBox="1"/>
+          <p:nvPr/>
+        </p:nvSpPr>
+        <p:spPr>
+          <a:xfrm>
+            <a:off x="4191000" y="6508750"/>
+            <a:ext cx="4114800" cy="365125"/>
+          </a:xfrm>
+          <a:prstGeom prst="rect">
+            <a:avLst/>
+          </a:prstGeom>
+        </p:spPr>
+        <p:txBody>
+          <a:bodyPr vert="horz" lIns="91440" tIns="45720" rIns="91440" bIns="45720" anchor="ctr"/>
+          <a:lstStyle>
+            <a:defPPr rtl="0">
+              <a:defRPr lang="ko-kr"/>
+            </a:defPPr>
+            <a:lvl1pPr marL="0" algn="ctr" defTabSz="914400" rtl="0" eaLnBrk="1" latinLnBrk="0" hangingPunct="1">
+              <a:defRPr sz="1200" kern="1200" cap="none" spc="0" baseline="0">
+                <a:solidFill>
+                  <a:schemeClr val="tx1">
+                    <a:tint val="75000"/>
+                  </a:schemeClr>
+                </a:solidFill>
+                <a:latin typeface="맑은 고딕"/>
+                <a:ea typeface="맑은 고딕"/>
+                <a:cs typeface="+mn-cs"/>
+              </a:defRPr>
+            </a:lvl1pPr>
+            <a:lvl2pPr marL="457200" algn="l" defTabSz="914400" rtl="0" eaLnBrk="1" latinLnBrk="0" hangingPunct="1">
+              <a:defRPr sz="1800" kern="1200">
+                <a:solidFill>
+                  <a:schemeClr val="tx1"/>
+                </a:solidFill>
+                <a:latin typeface="+mn-lt"/>
+                <a:ea typeface="+mn-ea"/>
+                <a:cs typeface="+mn-cs"/>
+              </a:defRPr>
+            </a:lvl2pPr>
+            <a:lvl3pPr marL="914400" algn="l" defTabSz="914400" rtl="0" eaLnBrk="1" latinLnBrk="0" hangingPunct="1">
+              <a:defRPr sz="1800" kern="1200">
+                <a:solidFill>
+                  <a:schemeClr val="tx1"/>
+                </a:solidFill>
+                <a:latin typeface="+mn-lt"/>
+                <a:ea typeface="+mn-ea"/>
+                <a:cs typeface="+mn-cs"/>
+              </a:defRPr>
+            </a:lvl3pPr>
+            <a:lvl4pPr marL="1371600" algn="l" defTabSz="914400" rtl="0" eaLnBrk="1" latinLnBrk="0" hangingPunct="1">
+              <a:defRPr sz="1800" kern="1200">
+                <a:solidFill>
+                  <a:schemeClr val="tx1"/>
+                </a:solidFill>
+                <a:latin typeface="+mn-lt"/>
+                <a:ea typeface="+mn-ea"/>
+                <a:cs typeface="+mn-cs"/>
+              </a:defRPr>
+            </a:lvl4pPr>
+            <a:lvl5pPr marL="1828800" algn="l" defTabSz="914400" rtl="0" eaLnBrk="1" latinLnBrk="0" hangingPunct="1">
+              <a:defRPr sz="1800" kern="1200">
+                <a:solidFill>
+                  <a:schemeClr val="tx1"/>
+                </a:solidFill>
+                <a:latin typeface="+mn-lt"/>
+                <a:ea typeface="+mn-ea"/>
+                <a:cs typeface="+mn-cs"/>
+              </a:defRPr>
+            </a:lvl5pPr>
+            <a:lvl6pPr marL="2286000" algn="l" defTabSz="914400" rtl="0" eaLnBrk="1" latinLnBrk="0" hangingPunct="1">
+              <a:defRPr sz="1800" kern="1200">
+                <a:solidFill>
+                  <a:schemeClr val="tx1"/>
+                </a:solidFill>
+                <a:latin typeface="+mn-lt"/>
+                <a:ea typeface="+mn-ea"/>
+                <a:cs typeface="+mn-cs"/>
+              </a:defRPr>
+            </a:lvl6pPr>
+            <a:lvl7pPr marL="2743200" algn="l" defTabSz="914400" rtl="0" eaLnBrk="1" latinLnBrk="0" hangingPunct="1">
+              <a:defRPr sz="1800" kern="1200">
+                <a:solidFill>
+                  <a:schemeClr val="tx1"/>
+                </a:solidFill>
+                <a:latin typeface="+mn-lt"/>
+                <a:ea typeface="+mn-ea"/>
+                <a:cs typeface="+mn-cs"/>
+              </a:defRPr>
+            </a:lvl7pPr>
+            <a:lvl8pPr marL="3200400" algn="l" defTabSz="914400" rtl="0" eaLnBrk="1" latinLnBrk="0" hangingPunct="1">
+              <a:defRPr sz="1800" kern="1200">
+                <a:solidFill>
+                  <a:schemeClr val="tx1"/>
+                </a:solidFill>
+                <a:latin typeface="+mn-lt"/>
+                <a:ea typeface="+mn-ea"/>
+                <a:cs typeface="+mn-cs"/>
+              </a:defRPr>
+            </a:lvl8pPr>
+            <a:lvl9pPr marL="3657600" algn="l" defTabSz="914400" rtl="0" eaLnBrk="1" latinLnBrk="0" hangingPunct="1">
+              <a:defRPr sz="1800" kern="1200">
+                <a:solidFill>
+                  <a:schemeClr val="tx1"/>
+                </a:solidFill>
+                <a:latin typeface="+mn-lt"/>
+                <a:ea typeface="+mn-ea"/>
+                <a:cs typeface="+mn-cs"/>
+              </a:defRPr>
+            </a:lvl9pPr>
+          </a:lstStyle>
+          <a:p>
+            <a:pPr lvl="0">
+              <a:defRPr/>
+            </a:pPr>
+            <a:r>
+              <a:rPr lang="en-US" altLang="ko-KR">
+                <a:solidFill>
+                  <a:prstClr val="black">
+                    <a:tint val="75000"/>
+                  </a:prstClr>
+                </a:solidFill>
+              </a:rPr>
+              <a:t>CMS BOARD PROJECT</a:t>
+            </a:r>
+            <a:endParaRPr lang="ko-KR" altLang="en-US">
+              <a:solidFill>
+                <a:prstClr val="black">
+                  <a:tint val="75000"/>
+                </a:prstClr>
+              </a:solidFill>
             </a:endParaRPr>
           </a:p>
         </p:txBody>
       </p:sp>
+      <p:sp>
+        <p:nvSpPr>
+          <p:cNvPr id="8" name="슬라이드 번호 개체 틀 5"/>
+          <p:cNvSpPr txBox="1"/>
+          <p:nvPr/>
+        </p:nvSpPr>
+        <p:spPr>
+          <a:xfrm>
+            <a:off x="8763000" y="6508750"/>
+            <a:ext cx="2743200" cy="365125"/>
+          </a:xfrm>
+          <a:prstGeom prst="rect">
+            <a:avLst/>
+          </a:prstGeom>
+        </p:spPr>
+        <p:txBody>
+          <a:bodyPr vert="horz" lIns="91440" tIns="45720" rIns="91440" bIns="45720" anchor="ctr"/>
+          <a:lstStyle>
+            <a:defPPr rtl="0">
+              <a:defRPr lang="ko-kr"/>
+            </a:defPPr>
+            <a:lvl1pPr marL="0" algn="r" defTabSz="914400" rtl="0" eaLnBrk="1" latinLnBrk="0" hangingPunct="1">
+              <a:defRPr sz="1200" kern="1200" cap="none" spc="0" baseline="0">
+                <a:solidFill>
+                  <a:schemeClr val="tx1">
+                    <a:tint val="75000"/>
+                  </a:schemeClr>
+                </a:solidFill>
+                <a:latin typeface="맑은 고딕"/>
+                <a:ea typeface="맑은 고딕"/>
+                <a:cs typeface="+mn-cs"/>
+              </a:defRPr>
+            </a:lvl1pPr>
+            <a:lvl2pPr marL="457200" algn="l" defTabSz="914400" rtl="0" eaLnBrk="1" latinLnBrk="0" hangingPunct="1">
+              <a:defRPr sz="1800" kern="1200">
+                <a:solidFill>
+                  <a:schemeClr val="tx1"/>
+                </a:solidFill>
+                <a:latin typeface="+mn-lt"/>
+                <a:ea typeface="+mn-ea"/>
+                <a:cs typeface="+mn-cs"/>
+              </a:defRPr>
+            </a:lvl2pPr>
+            <a:lvl3pPr marL="914400" algn="l" defTabSz="914400" rtl="0" eaLnBrk="1" latinLnBrk="0" hangingPunct="1">
+              <a:defRPr sz="1800" kern="1200">
+                <a:solidFill>
+                  <a:schemeClr val="tx1"/>
+                </a:solidFill>
+                <a:latin typeface="+mn-lt"/>
+                <a:ea typeface="+mn-ea"/>
+                <a:cs typeface="+mn-cs"/>
+              </a:defRPr>
+            </a:lvl3pPr>
+            <a:lvl4pPr marL="1371600" algn="l" defTabSz="914400" rtl="0" eaLnBrk="1" latinLnBrk="0" hangingPunct="1">
+              <a:defRPr sz="1800" kern="1200">
+                <a:solidFill>
+                  <a:schemeClr val="tx1"/>
+                </a:solidFill>
+                <a:latin typeface="+mn-lt"/>
+                <a:ea typeface="+mn-ea"/>
+                <a:cs typeface="+mn-cs"/>
+              </a:defRPr>
+            </a:lvl4pPr>
+            <a:lvl5pPr marL="1828800" algn="l" defTabSz="914400" rtl="0" eaLnBrk="1" latinLnBrk="0" hangingPunct="1">
+              <a:defRPr sz="1800" kern="1200">
+                <a:solidFill>
+                  <a:schemeClr val="tx1"/>
+                </a:solidFill>
+                <a:latin typeface="+mn-lt"/>
+                <a:ea typeface="+mn-ea"/>
+                <a:cs typeface="+mn-cs"/>
+              </a:defRPr>
+            </a:lvl5pPr>
+            <a:lvl6pPr marL="2286000" algn="l" defTabSz="914400" rtl="0" eaLnBrk="1" latinLnBrk="0" hangingPunct="1">
+              <a:defRPr sz="1800" kern="1200">
+                <a:solidFill>
+                  <a:schemeClr val="tx1"/>
+                </a:solidFill>
+                <a:latin typeface="+mn-lt"/>
+                <a:ea typeface="+mn-ea"/>
+                <a:cs typeface="+mn-cs"/>
+              </a:defRPr>
+            </a:lvl6pPr>
+            <a:lvl7pPr marL="2743200" algn="l" defTabSz="914400" rtl="0" eaLnBrk="1" latinLnBrk="0" hangingPunct="1">
+              <a:defRPr sz="1800" kern="1200">
+                <a:solidFill>
+                  <a:schemeClr val="tx1"/>
+                </a:solidFill>
+                <a:latin typeface="+mn-lt"/>
+                <a:ea typeface="+mn-ea"/>
+                <a:cs typeface="+mn-cs"/>
+              </a:defRPr>
+            </a:lvl7pPr>
+            <a:lvl8pPr marL="3200400" algn="l" defTabSz="914400" rtl="0" eaLnBrk="1" latinLnBrk="0" hangingPunct="1">
+              <a:defRPr sz="1800" kern="1200">
+                <a:solidFill>
+                  <a:schemeClr val="tx1"/>
+                </a:solidFill>
+                <a:latin typeface="+mn-lt"/>
+                <a:ea typeface="+mn-ea"/>
+                <a:cs typeface="+mn-cs"/>
+              </a:defRPr>
+            </a:lvl8pPr>
+            <a:lvl9pPr marL="3657600" algn="l" defTabSz="914400" rtl="0" eaLnBrk="1" latinLnBrk="0" hangingPunct="1">
+              <a:defRPr sz="1800" kern="1200">
+                <a:solidFill>
+                  <a:schemeClr val="tx1"/>
+                </a:solidFill>
+                <a:latin typeface="+mn-lt"/>
+                <a:ea typeface="+mn-ea"/>
+                <a:cs typeface="+mn-cs"/>
+              </a:defRPr>
+            </a:lvl9pPr>
+          </a:lstStyle>
+          <a:p>
+            <a:pPr lvl="0">
+              <a:defRPr/>
+            </a:pPr>
+            <a:fld id="{D76B855D-E9CC-4FF8-AD85-6CDC7B89A0DE}" type="slidenum">
+              <a:rPr lang="en-US" altLang="ko-KR">
+                <a:solidFill>
+                  <a:prstClr val="black">
+                    <a:tint val="75000"/>
+                  </a:prstClr>
+                </a:solidFill>
+              </a:rPr>
+              <a:pPr lvl="0">
+                <a:defRPr/>
+              </a:pPr>
+              <a:t>14</a:t>
+            </a:fld>
+            <a:endParaRPr lang="en-US" altLang="ko-KR">
+              <a:solidFill>
+                <a:prstClr val="black">
+                  <a:tint val="75000"/>
+                </a:prstClr>
+              </a:solidFill>
+            </a:endParaRPr>
+          </a:p>
+        </p:txBody>
+      </p:sp>
+      <p:pic>
+        <p:nvPicPr>
+          <p:cNvPr id="9" name="그림 8"/>
+          <p:cNvPicPr>
+            <a:picLocks noChangeAspect="1"/>
+          </p:cNvPicPr>
+          <p:nvPr/>
+        </p:nvPicPr>
+        <p:blipFill rotWithShape="1">
+          <a:blip r:embed="rId3"/>
+          <a:stretch>
+            <a:fillRect/>
+          </a:stretch>
+        </p:blipFill>
+        <p:spPr>
+          <a:xfrm>
+            <a:off x="332476" y="2050995"/>
+            <a:ext cx="3734840" cy="3314314"/>
+          </a:xfrm>
+          <a:prstGeom prst="rect">
+            <a:avLst/>
+          </a:prstGeom>
+        </p:spPr>
+      </p:pic>
+      <p:pic>
+        <p:nvPicPr>
+          <p:cNvPr id="10" name="그림 9"/>
+          <p:cNvPicPr>
+            <a:picLocks noChangeAspect="1"/>
+          </p:cNvPicPr>
+          <p:nvPr/>
+        </p:nvPicPr>
+        <p:blipFill rotWithShape="1">
+          <a:blip r:embed="rId4"/>
+          <a:stretch>
+            <a:fillRect/>
+          </a:stretch>
+        </p:blipFill>
+        <p:spPr>
+          <a:xfrm>
+            <a:off x="4096423" y="1951005"/>
+            <a:ext cx="3771785" cy="3576018"/>
+          </a:xfrm>
+          <a:prstGeom prst="rect">
+            <a:avLst/>
+          </a:prstGeom>
+        </p:spPr>
+      </p:pic>
+      <p:pic>
+        <p:nvPicPr>
+          <p:cNvPr id="11" name="그림 10"/>
+          <p:cNvPicPr>
+            <a:picLocks noChangeAspect="1"/>
+          </p:cNvPicPr>
+          <p:nvPr/>
+        </p:nvPicPr>
+        <p:blipFill rotWithShape="1">
+          <a:blip r:embed="rId5"/>
+          <a:stretch>
+            <a:fillRect/>
+          </a:stretch>
+        </p:blipFill>
+        <p:spPr>
+          <a:xfrm>
+            <a:off x="7838048" y="2001842"/>
+            <a:ext cx="3949590" cy="3600141"/>
+          </a:xfrm>
+          <a:prstGeom prst="rect">
+            <a:avLst/>
+          </a:prstGeom>
+        </p:spPr>
+      </p:pic>
     </p:spTree>
-    <p:extLst>
-      <p:ext uri="{BB962C8B-B14F-4D97-AF65-F5344CB8AC3E}">
-        <p14:creationId xmlns:p14="http://schemas.microsoft.com/office/powerpoint/2010/main" val="2332084726"/>
-      </p:ext>
-    </p:extLst>
   </p:cSld>
   <p:clrMapOvr>
     <a:masterClrMapping/>
   </p:clrMapOvr>
+  <mc:AlternateContent xmlns:mc="http://schemas.openxmlformats.org/markup-compatibility/2006" xmlns:p14="http://schemas.microsoft.com/office/powerpoint/2010/main">
+    <mc:Choice Requires="p14">
+      <p:transition/>
+    </mc:Choice>
+    <mc:Fallback xmlns:dsp="http://schemas.microsoft.com/office/drawing/2008/diagram" xmlns:dgm="http://schemas.openxmlformats.org/drawingml/2006/diagram" xmlns:c="http://schemas.openxmlformats.org/drawingml/2006/chart" xmlns="">
+      <p:transition/>
+    </mc:Fallback>
+  </mc:AlternateContent>
 </p:sld>
 </file>
 
@@ -16949,7 +18007,7 @@
                   <a:srgbClr val="FFFFFF"/>
                 </a:solidFill>
               </a:rPr>
-              <a:t>4</a:t>
+              <a:t>3</a:t>
             </a:r>
             <a:r>
               <a:rPr lang="en-US" altLang="ko-KR" dirty="0">
@@ -16966,8 +18024,10 @@
                 <a:solidFill>
                   <a:srgbClr val="FFFFFF"/>
                 </a:solidFill>
+                <a:latin typeface="맑은 고딕" panose="020B0503020000020004" pitchFamily="50" charset="-127"/>
+                <a:ea typeface="맑은 고딕" panose="020B0503020000020004" pitchFamily="50" charset="-127"/>
               </a:rPr>
-              <a:t>질의 응답</a:t>
+              <a:t>시연</a:t>
             </a:r>
             <a:endParaRPr lang="ko-KR" altLang="en-US" dirty="0">
               <a:latin typeface="맑은 고딕" panose="020B0503020000020004" pitchFamily="50" charset="-127"/>
@@ -16979,7 +18039,7 @@
     </p:spTree>
     <p:extLst>
       <p:ext uri="{BB962C8B-B14F-4D97-AF65-F5344CB8AC3E}">
-        <p14:creationId xmlns:p14="http://schemas.microsoft.com/office/powerpoint/2010/main" val="95136974"/>
+        <p14:creationId xmlns:p14="http://schemas.microsoft.com/office/powerpoint/2010/main" val="2332084726"/>
       </p:ext>
     </p:extLst>
   </p:cSld>
@@ -17011,6 +18071,91 @@
           <p:cNvPr id="2" name="제목 1">
             <a:extLst>
               <a:ext uri="{FF2B5EF4-FFF2-40B4-BE49-F238E27FC236}">
+                <a16:creationId xmlns:a16="http://schemas.microsoft.com/office/drawing/2014/main" id="{1EFC037F-9B04-45A9-8AE6-A8517884947F}"/>
+              </a:ext>
+            </a:extLst>
+          </p:cNvPr>
+          <p:cNvSpPr>
+            <a:spLocks noGrp="1"/>
+          </p:cNvSpPr>
+          <p:nvPr>
+            <p:ph type="title"/>
+          </p:nvPr>
+        </p:nvSpPr>
+        <p:spPr/>
+        <p:txBody>
+          <a:bodyPr rtlCol="0"/>
+          <a:lstStyle/>
+          <a:p>
+            <a:pPr rtl="0"/>
+            <a:r>
+              <a:rPr lang="en-US" altLang="ko-KR" dirty="0">
+                <a:solidFill>
+                  <a:srgbClr val="FFFFFF"/>
+                </a:solidFill>
+              </a:rPr>
+              <a:t>4</a:t>
+            </a:r>
+            <a:r>
+              <a:rPr lang="en-US" altLang="ko-KR" dirty="0">
+                <a:solidFill>
+                  <a:srgbClr val="FFFFFF"/>
+                </a:solidFill>
+                <a:latin typeface="맑은 고딕" panose="020B0503020000020004" pitchFamily="50" charset="-127"/>
+                <a:ea typeface="맑은 고딕" panose="020B0503020000020004" pitchFamily="50" charset="-127"/>
+              </a:rPr>
+              <a:t>. </a:t>
+            </a:r>
+            <a:r>
+              <a:rPr lang="ko-KR" altLang="en-US" dirty="0">
+                <a:solidFill>
+                  <a:srgbClr val="FFFFFF"/>
+                </a:solidFill>
+              </a:rPr>
+              <a:t>질의 응답</a:t>
+            </a:r>
+            <a:endParaRPr lang="ko-KR" altLang="en-US" dirty="0">
+              <a:latin typeface="맑은 고딕" panose="020B0503020000020004" pitchFamily="50" charset="-127"/>
+              <a:ea typeface="맑은 고딕" panose="020B0503020000020004" pitchFamily="50" charset="-127"/>
+            </a:endParaRPr>
+          </a:p>
+        </p:txBody>
+      </p:sp>
+    </p:spTree>
+    <p:extLst>
+      <p:ext uri="{BB962C8B-B14F-4D97-AF65-F5344CB8AC3E}">
+        <p14:creationId xmlns:p14="http://schemas.microsoft.com/office/powerpoint/2010/main" val="95136974"/>
+      </p:ext>
+    </p:extLst>
+  </p:cSld>
+  <p:clrMapOvr>
+    <a:masterClrMapping/>
+  </p:clrMapOvr>
+</p:sld>
+</file>
+
+<file path=ppt/slides/slide17.xml><?xml version="1.0" encoding="utf-8"?>
+<p:sld xmlns:a="http://schemas.openxmlformats.org/drawingml/2006/main" xmlns:r="http://schemas.openxmlformats.org/officeDocument/2006/relationships" xmlns:p="http://schemas.openxmlformats.org/presentationml/2006/main">
+  <p:cSld>
+    <p:spTree>
+      <p:nvGrpSpPr>
+        <p:cNvPr id="1" name=""/>
+        <p:cNvGrpSpPr/>
+        <p:nvPr/>
+      </p:nvGrpSpPr>
+      <p:grpSpPr>
+        <a:xfrm>
+          <a:off x="0" y="0"/>
+          <a:ext cx="0" cy="0"/>
+          <a:chOff x="0" y="0"/>
+          <a:chExt cx="0" cy="0"/>
+        </a:xfrm>
+      </p:grpSpPr>
+      <p:sp>
+        <p:nvSpPr>
+          <p:cNvPr id="2" name="제목 1">
+            <a:extLst>
+              <a:ext uri="{FF2B5EF4-FFF2-40B4-BE49-F238E27FC236}">
                 <a16:creationId xmlns:a16="http://schemas.microsoft.com/office/drawing/2014/main" id="{659706C9-F26D-46CA-93BF-8C27012F6B12}"/>
               </a:ext>
             </a:extLst>
@@ -17534,7 +18679,7 @@
               <a:pPr>
                 <a:defRPr/>
               </a:pPr>
-              <a:t>16</a:t>
+              <a:t>17</a:t>
             </a:fld>
             <a:endParaRPr lang="ko-KR" altLang="en-US" dirty="0">
               <a:solidFill>
@@ -21139,21 +22284,21 @@
             <a:schemeClr val="phClr"/>
           </a:solidFill>
           <a:prstDash val="solid"/>
-          <a:miter lim="800000"/>
+          <a:miter/>
         </a:ln>
         <a:ln w="12700" cap="flat" cmpd="sng" algn="ctr">
           <a:solidFill>
             <a:schemeClr val="phClr"/>
           </a:solidFill>
           <a:prstDash val="solid"/>
-          <a:miter lim="800000"/>
+          <a:miter/>
         </a:ln>
         <a:ln w="19050" cap="flat" cmpd="sng" algn="ctr">
           <a:solidFill>
             <a:schemeClr val="phClr"/>
           </a:solidFill>
           <a:prstDash val="solid"/>
-          <a:miter lim="800000"/>
+          <a:miter/>
         </a:ln>
       </a:lnStyleLst>
       <a:effectStyleLst>
@@ -21215,11 +22360,6 @@
   </a:themeElements>
   <a:objectDefaults/>
   <a:extraClrSchemeLst/>
-  <a:extLst>
-    <a:ext uri="{05A4C25C-085E-4340-85A3-A5531E510DB2}">
-      <thm15:themeFamily xmlns:thm15="http://schemas.microsoft.com/office/thememl/2012/main" name="Office_48167071_TF78504181_Win32.potx" id="{53D1D609-C9A9-47F9-8C8C-A5AFCC2E736F}" vid="{17C6E6DF-1035-471A-8170-27FB72BB79A3}"/>
-    </a:ext>
-  </a:extLst>
 </a:theme>
 </file>
 
@@ -21269,7 +22409,7 @@
         <a:latin typeface="Calibri Light" panose="020F0302020204030204"/>
         <a:ea typeface=""/>
         <a:cs typeface=""/>
-        <a:font script="Jpan" typeface="游ゴシック Light"/>
+        <a:font script="Jpan" typeface="Yu Gothic Light"/>
         <a:font script="Hang" typeface="맑은 고딕"/>
         <a:font script="Hans" typeface="等线 Light"/>
         <a:font script="Hant" typeface="新細明體"/>
@@ -21321,7 +22461,7 @@
         <a:latin typeface="Calibri" panose="020F0502020204030204"/>
         <a:ea typeface=""/>
         <a:cs typeface=""/>
-        <a:font script="Jpan" typeface="游ゴシック"/>
+        <a:font script="Jpan" typeface="Yu Gothic"/>
         <a:font script="Hang" typeface="맑은 고딕"/>
         <a:font script="Hans" typeface="等线"/>
         <a:font script="Hant" typeface="新細明體"/>
@@ -21434,21 +22574,21 @@
             <a:schemeClr val="phClr"/>
           </a:solidFill>
           <a:prstDash val="solid"/>
-          <a:miter lim="800000"/>
+          <a:miter/>
         </a:ln>
         <a:ln w="12700" cap="flat" cmpd="sng" algn="ctr">
           <a:solidFill>
             <a:schemeClr val="phClr"/>
           </a:solidFill>
           <a:prstDash val="solid"/>
-          <a:miter lim="800000"/>
+          <a:miter/>
         </a:ln>
         <a:ln w="19050" cap="flat" cmpd="sng" algn="ctr">
           <a:solidFill>
             <a:schemeClr val="phClr"/>
           </a:solidFill>
           <a:prstDash val="solid"/>
-          <a:miter lim="800000"/>
+          <a:miter/>
         </a:ln>
       </a:lnStyleLst>
       <a:effectStyleLst>
@@ -21510,11 +22650,6 @@
   </a:themeElements>
   <a:objectDefaults/>
   <a:extraClrSchemeLst/>
-  <a:extLst>
-    <a:ext uri="{05A4C25C-085E-4340-85A3-A5531E510DB2}">
-      <thm15:themeFamily xmlns:thm15="http://schemas.microsoft.com/office/thememl/2012/main" name="Office Theme" id="{62F939B6-93AF-4DB8-9C6B-D6C7DFDC589F}" vid="{4A3C46E8-61CC-4603-A589-7422A47A8E4A}"/>
-    </a:ext>
-  </a:extLst>
 </a:theme>
 </file>
 
@@ -21564,7 +22699,7 @@
         <a:latin typeface="맑은 고딕" panose="020F0302020204030204"/>
         <a:ea typeface=""/>
         <a:cs typeface=""/>
-        <a:font script="Jpan" typeface="游ゴシック Light"/>
+        <a:font script="Jpan" typeface="Yu Gothic Light"/>
         <a:font script="Hang" typeface="맑은 고딕"/>
         <a:font script="Hans" typeface="等线 Light"/>
         <a:font script="Hant" typeface="新細明體"/>
@@ -21599,7 +22734,7 @@
         <a:latin typeface="맑은 고딕" panose="020F0502020204030204"/>
         <a:ea typeface=""/>
         <a:cs typeface=""/>
-        <a:font script="Jpan" typeface="游ゴシック"/>
+        <a:font script="Jpan" typeface="Yu Gothic"/>
         <a:font script="Hang" typeface="맑은 고딕"/>
         <a:font script="Hans" typeface="等线"/>
         <a:font script="Hant" typeface="新細明體"/>
@@ -21695,21 +22830,21 @@
             <a:schemeClr val="phClr"/>
           </a:solidFill>
           <a:prstDash val="solid"/>
-          <a:miter lim="800000"/>
+          <a:miter/>
         </a:ln>
         <a:ln w="12700" cap="flat" cmpd="sng" algn="ctr">
           <a:solidFill>
             <a:schemeClr val="phClr"/>
           </a:solidFill>
           <a:prstDash val="solid"/>
-          <a:miter lim="800000"/>
+          <a:miter/>
         </a:ln>
         <a:ln w="19050" cap="flat" cmpd="sng" algn="ctr">
           <a:solidFill>
             <a:schemeClr val="phClr"/>
           </a:solidFill>
           <a:prstDash val="solid"/>
-          <a:miter lim="800000"/>
+          <a:miter/>
         </a:ln>
       </a:lnStyleLst>
       <a:effectStyleLst>
@@ -21771,286 +22906,5 @@
   </a:themeElements>
   <a:objectDefaults/>
   <a:extraClrSchemeLst/>
-  <a:extLst>
-    <a:ext uri="{05A4C25C-085E-4340-85A3-A5531E510DB2}">
-      <thm15:themeFamily xmlns:thm15="http://schemas.microsoft.com/office/thememl/2012/main" name="Office Theme" id="{62F939B6-93AF-4DB8-9C6B-D6C7DFDC589F}" vid="{4A3C46E8-61CC-4603-A589-7422A47A8E4A}"/>
-    </a:ext>
-  </a:extLst>
 </a:theme>
-</file>
-
-<file path=customXml/item1.xml><?xml version="1.0" encoding="utf-8"?>
-<?mso-contentType ?>
-<FormTemplates xmlns="http://schemas.microsoft.com/sharepoint/v3/contenttype/forms">
-  <Display>DocumentLibraryForm</Display>
-  <Edit>DocumentLibraryForm</Edit>
-  <New>DocumentLibraryForm</New>
-</FormTemplates>
-</file>
-
-<file path=customXml/item2.xml><?xml version="1.0" encoding="utf-8"?>
-<p:properties xmlns:p="http://schemas.microsoft.com/office/2006/metadata/properties" xmlns:xsi="http://www.w3.org/2001/XMLSchema-instance" xmlns:pc="http://schemas.microsoft.com/office/infopath/2007/PartnerControls">
-  <documentManagement>
-    <Status xmlns="71af3243-3dd4-4a8d-8c0d-dd76da1f02a5">Not started</Status>
-    <MediaServiceKeyPoints xmlns="71af3243-3dd4-4a8d-8c0d-dd76da1f02a5" xsi:nil="true"/>
-  </documentManagement>
-</p:properties>
-</file>
-
-<file path=customXml/item3.xml><?xml version="1.0" encoding="utf-8"?>
-<ct:contentTypeSchema xmlns:ct="http://schemas.microsoft.com/office/2006/metadata/contentType" xmlns:ma="http://schemas.microsoft.com/office/2006/metadata/properties/metaAttributes" ct:_="" ma:_="" ma:contentTypeName="Document" ma:contentTypeID="0x01010079F111ED35F8CC479449609E8A0923A6" ma:contentTypeVersion="12" ma:contentTypeDescription="Create a new document." ma:contentTypeScope="" ma:versionID="426e97fa315356fffbdcd9876fe988c2">
-  <xsd:schema xmlns:xsd="http://www.w3.org/2001/XMLSchema" xmlns:xs="http://www.w3.org/2001/XMLSchema" xmlns:p="http://schemas.microsoft.com/office/2006/metadata/properties" xmlns:ns2="71af3243-3dd4-4a8d-8c0d-dd76da1f02a5" xmlns:ns3="16c05727-aa75-4e4a-9b5f-8a80a1165891" targetNamespace="http://schemas.microsoft.com/office/2006/metadata/properties" ma:root="true" ma:fieldsID="14b8f0def80e6d70ce3def20c90759ae" ns2:_="" ns3:_="">
-    <xsd:import namespace="71af3243-3dd4-4a8d-8c0d-dd76da1f02a5"/>
-    <xsd:import namespace="16c05727-aa75-4e4a-9b5f-8a80a1165891"/>
-    <xsd:element name="properties">
-      <xsd:complexType>
-        <xsd:sequence>
-          <xsd:element name="documentManagement">
-            <xsd:complexType>
-              <xsd:all>
-                <xsd:element ref="ns2:MediaServiceMetadata" minOccurs="0"/>
-                <xsd:element ref="ns2:MediaServiceFastMetadata" minOccurs="0"/>
-                <xsd:element ref="ns2:MediaServiceOCR" minOccurs="0"/>
-                <xsd:element ref="ns2:MediaServiceAutoTags" minOccurs="0"/>
-                <xsd:element ref="ns2:MediaServiceEventHashCode" minOccurs="0"/>
-                <xsd:element ref="ns2:MediaServiceGenerationTime" minOccurs="0"/>
-                <xsd:element ref="ns3:SharedWithUsers" minOccurs="0"/>
-                <xsd:element ref="ns3:SharedWithDetails" minOccurs="0"/>
-                <xsd:element ref="ns2:MediaServiceAutoKeyPoints" minOccurs="0"/>
-                <xsd:element ref="ns2:MediaServiceKeyPoints" minOccurs="0"/>
-                <xsd:element ref="ns2:MediaServiceDateTaken" minOccurs="0"/>
-                <xsd:element ref="ns2:Status" minOccurs="0"/>
-              </xsd:all>
-            </xsd:complexType>
-          </xsd:element>
-        </xsd:sequence>
-      </xsd:complexType>
-    </xsd:element>
-  </xsd:schema>
-  <xsd:schema xmlns:xsd="http://www.w3.org/2001/XMLSchema" xmlns:xs="http://www.w3.org/2001/XMLSchema" xmlns:dms="http://schemas.microsoft.com/office/2006/documentManagement/types" xmlns:pc="http://schemas.microsoft.com/office/infopath/2007/PartnerControls" targetNamespace="71af3243-3dd4-4a8d-8c0d-dd76da1f02a5" elementFormDefault="qualified">
-    <xsd:import namespace="http://schemas.microsoft.com/office/2006/documentManagement/types"/>
-    <xsd:import namespace="http://schemas.microsoft.com/office/infopath/2007/PartnerControls"/>
-    <xsd:element name="MediaServiceMetadata" ma:index="8" nillable="true" ma:displayName="MediaServiceMetadata" ma:hidden="true" ma:internalName="MediaServiceMetadata" ma:readOnly="true">
-      <xsd:simpleType>
-        <xsd:restriction base="dms:Note"/>
-      </xsd:simpleType>
-    </xsd:element>
-    <xsd:element name="MediaServiceFastMetadata" ma:index="9" nillable="true" ma:displayName="MediaServiceFastMetadata" ma:hidden="true" ma:internalName="MediaServiceFastMetadata" ma:readOnly="true">
-      <xsd:simpleType>
-        <xsd:restriction base="dms:Note"/>
-      </xsd:simpleType>
-    </xsd:element>
-    <xsd:element name="MediaServiceOCR" ma:index="10" nillable="true" ma:displayName="MediaServiceOCR" ma:internalName="MediaServiceOCR" ma:readOnly="true">
-      <xsd:simpleType>
-        <xsd:restriction base="dms:Note">
-          <xsd:maxLength value="255"/>
-        </xsd:restriction>
-      </xsd:simpleType>
-    </xsd:element>
-    <xsd:element name="MediaServiceAutoTags" ma:index="11" nillable="true" ma:displayName="MediaServiceAutoTags" ma:internalName="MediaServiceAutoTags" ma:readOnly="true">
-      <xsd:simpleType>
-        <xsd:restriction base="dms:Text"/>
-      </xsd:simpleType>
-    </xsd:element>
-    <xsd:element name="MediaServiceEventHashCode" ma:index="12" nillable="true" ma:displayName="MediaServiceEventHashCode" ma:hidden="true" ma:internalName="MediaServiceEventHashCode" ma:readOnly="true">
-      <xsd:simpleType>
-        <xsd:restriction base="dms:Text"/>
-      </xsd:simpleType>
-    </xsd:element>
-    <xsd:element name="MediaServiceGenerationTime" ma:index="13" nillable="true" ma:displayName="MediaServiceGenerationTime" ma:hidden="true" ma:internalName="MediaServiceGenerationTime" ma:readOnly="true">
-      <xsd:simpleType>
-        <xsd:restriction base="dms:Text"/>
-      </xsd:simpleType>
-    </xsd:element>
-    <xsd:element name="MediaServiceAutoKeyPoints" ma:index="16" nillable="true" ma:displayName="MediaServiceAutoKeyPoints" ma:hidden="true" ma:internalName="MediaServiceAutoKeyPoints" ma:readOnly="true">
-      <xsd:simpleType>
-        <xsd:restriction base="dms:Note"/>
-      </xsd:simpleType>
-    </xsd:element>
-    <xsd:element name="MediaServiceKeyPoints" ma:index="17" nillable="true" ma:displayName="KeyPoints" ma:internalName="MediaServiceKeyPoints" ma:readOnly="false">
-      <xsd:simpleType>
-        <xsd:restriction base="dms:Note">
-          <xsd:maxLength value="255"/>
-        </xsd:restriction>
-      </xsd:simpleType>
-    </xsd:element>
-    <xsd:element name="MediaServiceDateTaken" ma:index="18" nillable="true" ma:displayName="MediaServiceDateTaken" ma:hidden="true" ma:internalName="MediaServiceDateTaken" ma:readOnly="true">
-      <xsd:simpleType>
-        <xsd:restriction base="dms:Text"/>
-      </xsd:simpleType>
-    </xsd:element>
-    <xsd:element name="Status" ma:index="19" nillable="true" ma:displayName="Status" ma:default="Not started" ma:format="Dropdown" ma:internalName="Status">
-      <xsd:simpleType>
-        <xsd:restriction base="dms:Choice">
-          <xsd:enumeration value="Not started"/>
-          <xsd:enumeration value="In Progress"/>
-          <xsd:enumeration value="Completed"/>
-        </xsd:restriction>
-      </xsd:simpleType>
-    </xsd:element>
-  </xsd:schema>
-  <xsd:schema xmlns:xsd="http://www.w3.org/2001/XMLSchema" xmlns:xs="http://www.w3.org/2001/XMLSchema" xmlns:dms="http://schemas.microsoft.com/office/2006/documentManagement/types" xmlns:pc="http://schemas.microsoft.com/office/infopath/2007/PartnerControls" targetNamespace="16c05727-aa75-4e4a-9b5f-8a80a1165891" elementFormDefault="qualified">
-    <xsd:import namespace="http://schemas.microsoft.com/office/2006/documentManagement/types"/>
-    <xsd:import namespace="http://schemas.microsoft.com/office/infopath/2007/PartnerControls"/>
-    <xsd:element name="SharedWithUsers" ma:index="14" nillable="true" ma:displayName="Shared With" ma:internalName="SharedWithUsers" ma:readOnly="true">
-      <xsd:complexType>
-        <xsd:complexContent>
-          <xsd:extension base="dms:UserMulti">
-            <xsd:sequence>
-              <xsd:element name="UserInfo" minOccurs="0" maxOccurs="unbounded">
-                <xsd:complexType>
-                  <xsd:sequence>
-                    <xsd:element name="DisplayName" type="xsd:string" minOccurs="0"/>
-                    <xsd:element name="AccountId" type="dms:UserId" minOccurs="0" nillable="true"/>
-                    <xsd:element name="AccountType" type="xsd:string" minOccurs="0"/>
-                  </xsd:sequence>
-                </xsd:complexType>
-              </xsd:element>
-            </xsd:sequence>
-          </xsd:extension>
-        </xsd:complexContent>
-      </xsd:complexType>
-    </xsd:element>
-    <xsd:element name="SharedWithDetails" ma:index="15" nillable="true" ma:displayName="Shared With Details" ma:internalName="SharedWithDetails" ma:readOnly="true">
-      <xsd:simpleType>
-        <xsd:restriction base="dms:Note">
-          <xsd:maxLength value="255"/>
-        </xsd:restriction>
-      </xsd:simpleType>
-    </xsd:element>
-  </xsd:schema>
-  <xsd:schema xmlns="http://schemas.openxmlformats.org/package/2006/metadata/core-properties" xmlns:xsd="http://www.w3.org/2001/XMLSchema" xmlns:xsi="http://www.w3.org/2001/XMLSchema-instance" xmlns:dc="http://purl.org/dc/elements/1.1/" xmlns:dcterms="http://purl.org/dc/terms/" xmlns:odoc="http://schemas.microsoft.com/internal/obd" targetNamespace="http://schemas.openxmlformats.org/package/2006/metadata/core-properties" elementFormDefault="qualified" attributeFormDefault="unqualified" blockDefault="#all">
-    <xsd:import namespace="http://purl.org/dc/elements/1.1/" schemaLocation="http://dublincore.org/schemas/xmls/qdc/2003/04/02/dc.xsd"/>
-    <xsd:import namespace="http://purl.org/dc/terms/" schemaLocation="http://dublincore.org/schemas/xmls/qdc/2003/04/02/dcterms.xsd"/>
-    <xsd:element name="coreProperties" type="CT_coreProperties"/>
-    <xsd:complexType name="CT_coreProperties">
-      <xsd:all>
-        <xsd:element ref="dc:creator" minOccurs="0" maxOccurs="1"/>
-        <xsd:element ref="dcterms:created" minOccurs="0" maxOccurs="1"/>
-        <xsd:element ref="dc:identifier" minOccurs="0" maxOccurs="1"/>
-        <xsd:element name="contentType" minOccurs="0" maxOccurs="1" type="xsd:string" ma:index="0" ma:displayName="Content Type"/>
-        <xsd:element ref="dc:title" minOccurs="0" maxOccurs="1" ma:index="4" ma:displayName="Title"/>
-        <xsd:element ref="dc:subject" minOccurs="0" maxOccurs="1"/>
-        <xsd:element ref="dc:description" minOccurs="0" maxOccurs="1"/>
-        <xsd:element name="keywords" minOccurs="0" maxOccurs="1" type="xsd:string"/>
-        <xsd:element ref="dc:language" minOccurs="0" maxOccurs="1"/>
-        <xsd:element name="category" minOccurs="0" maxOccurs="1" type="xsd:string"/>
-        <xsd:element name="version" minOccurs="0" maxOccurs="1" type="xsd:string"/>
-        <xsd:element name="revision" minOccurs="0" maxOccurs="1" type="xsd:string">
-          <xsd:annotation>
-            <xsd:documentation>
-                        This value indicates the number of saves or revisions. The application is responsible for updating this value after each revision.
-                    </xsd:documentation>
-          </xsd:annotation>
-        </xsd:element>
-        <xsd:element name="lastModifiedBy" minOccurs="0" maxOccurs="1" type="xsd:string"/>
-        <xsd:element ref="dcterms:modified" minOccurs="0" maxOccurs="1"/>
-        <xsd:element name="contentStatus" minOccurs="0" maxOccurs="1" type="xsd:string"/>
-      </xsd:all>
-    </xsd:complexType>
-  </xsd:schema>
-  <xs:schema xmlns:pc="http://schemas.microsoft.com/office/infopath/2007/PartnerControls" xmlns:xs="http://www.w3.org/2001/XMLSchema" targetNamespace="http://schemas.microsoft.com/office/infopath/2007/PartnerControls" elementFormDefault="qualified" attributeFormDefault="unqualified">
-    <xs:element name="Person">
-      <xs:complexType>
-        <xs:sequence>
-          <xs:element ref="pc:DisplayName" minOccurs="0"/>
-          <xs:element ref="pc:AccountId" minOccurs="0"/>
-          <xs:element ref="pc:AccountType" minOccurs="0"/>
-        </xs:sequence>
-      </xs:complexType>
-    </xs:element>
-    <xs:element name="DisplayName" type="xs:string"/>
-    <xs:element name="AccountId" type="xs:string"/>
-    <xs:element name="AccountType" type="xs:string"/>
-    <xs:element name="BDCAssociatedEntity">
-      <xs:complexType>
-        <xs:sequence>
-          <xs:element ref="pc:BDCEntity" minOccurs="0" maxOccurs="unbounded"/>
-        </xs:sequence>
-        <xs:attribute ref="pc:EntityNamespace"/>
-        <xs:attribute ref="pc:EntityName"/>
-        <xs:attribute ref="pc:SystemInstanceName"/>
-        <xs:attribute ref="pc:AssociationName"/>
-      </xs:complexType>
-    </xs:element>
-    <xs:attribute name="EntityNamespace" type="xs:string"/>
-    <xs:attribute name="EntityName" type="xs:string"/>
-    <xs:attribute name="SystemInstanceName" type="xs:string"/>
-    <xs:attribute name="AssociationName" type="xs:string"/>
-    <xs:element name="BDCEntity">
-      <xs:complexType>
-        <xs:sequence>
-          <xs:element ref="pc:EntityDisplayName" minOccurs="0"/>
-          <xs:element ref="pc:EntityInstanceReference" minOccurs="0"/>
-          <xs:element ref="pc:EntityId1" minOccurs="0"/>
-          <xs:element ref="pc:EntityId2" minOccurs="0"/>
-          <xs:element ref="pc:EntityId3" minOccurs="0"/>
-          <xs:element ref="pc:EntityId4" minOccurs="0"/>
-          <xs:element ref="pc:EntityId5" minOccurs="0"/>
-        </xs:sequence>
-      </xs:complexType>
-    </xs:element>
-    <xs:element name="EntityDisplayName" type="xs:string"/>
-    <xs:element name="EntityInstanceReference" type="xs:string"/>
-    <xs:element name="EntityId1" type="xs:string"/>
-    <xs:element name="EntityId2" type="xs:string"/>
-    <xs:element name="EntityId3" type="xs:string"/>
-    <xs:element name="EntityId4" type="xs:string"/>
-    <xs:element name="EntityId5" type="xs:string"/>
-    <xs:element name="Terms">
-      <xs:complexType>
-        <xs:sequence>
-          <xs:element ref="pc:TermInfo" minOccurs="0" maxOccurs="unbounded"/>
-        </xs:sequence>
-      </xs:complexType>
-    </xs:element>
-    <xs:element name="TermInfo">
-      <xs:complexType>
-        <xs:sequence>
-          <xs:element ref="pc:TermName" minOccurs="0"/>
-          <xs:element ref="pc:TermId" minOccurs="0"/>
-        </xs:sequence>
-      </xs:complexType>
-    </xs:element>
-    <xs:element name="TermName" type="xs:string"/>
-    <xs:element name="TermId" type="xs:string"/>
-  </xs:schema>
-</ct:contentTypeSchema>
-</file>
-
-<file path=customXml/itemProps1.xml><?xml version="1.0" encoding="utf-8"?>
-<ds:datastoreItem xmlns:ds="http://schemas.openxmlformats.org/officeDocument/2006/customXml" ds:itemID="{1A449C04-64B3-4403-94B7-8D2284C38D1B}">
-  <ds:schemaRefs>
-    <ds:schemaRef ds:uri="http://schemas.microsoft.com/sharepoint/v3/contenttype/forms"/>
-  </ds:schemaRefs>
-</ds:datastoreItem>
-</file>
-
-<file path=customXml/itemProps2.xml><?xml version="1.0" encoding="utf-8"?>
-<ds:datastoreItem xmlns:ds="http://schemas.openxmlformats.org/officeDocument/2006/customXml" ds:itemID="{FBDEF148-1770-458F-8F5B-C3D0A278AA97}">
-  <ds:schemaRefs>
-    <ds:schemaRef ds:uri="http://schemas.microsoft.com/office/2006/metadata/properties"/>
-    <ds:schemaRef ds:uri="http://schemas.microsoft.com/office/infopath/2007/PartnerControls"/>
-    <ds:schemaRef ds:uri="71af3243-3dd4-4a8d-8c0d-dd76da1f02a5"/>
-  </ds:schemaRefs>
-</ds:datastoreItem>
-</file>
-
-<file path=customXml/itemProps3.xml><?xml version="1.0" encoding="utf-8"?>
-<ds:datastoreItem xmlns:ds="http://schemas.openxmlformats.org/officeDocument/2006/customXml" ds:itemID="{8413533D-8C39-401E-8B75-B1AEEEC56B93}">
-  <ds:schemaRefs>
-    <ds:schemaRef ds:uri="http://schemas.microsoft.com/office/2006/metadata/contentType"/>
-    <ds:schemaRef ds:uri="http://schemas.microsoft.com/office/2006/metadata/properties/metaAttributes"/>
-    <ds:schemaRef ds:uri="http://www.w3.org/2001/XMLSchema"/>
-    <ds:schemaRef ds:uri="http://schemas.microsoft.com/office/2006/metadata/properties"/>
-    <ds:schemaRef ds:uri="71af3243-3dd4-4a8d-8c0d-dd76da1f02a5"/>
-    <ds:schemaRef ds:uri="16c05727-aa75-4e4a-9b5f-8a80a1165891"/>
-    <ds:schemaRef ds:uri="http://schemas.microsoft.com/office/2006/documentManagement/types"/>
-    <ds:schemaRef ds:uri="http://schemas.microsoft.com/office/infopath/2007/PartnerControls"/>
-    <ds:schemaRef ds:uri="http://schemas.openxmlformats.org/package/2006/metadata/core-properties"/>
-    <ds:schemaRef ds:uri="http://purl.org/dc/elements/1.1/"/>
-    <ds:schemaRef ds:uri="http://purl.org/dc/terms/"/>
-    <ds:schemaRef ds:uri="http://schemas.microsoft.com/internal/obd"/>
-  </ds:schemaRefs>
-</ds:datastoreItem>
 </file>
--- a/document/CMS_Board_Project.pptx
+++ b/document/CMS_Board_Project.pptx
@@ -5,10 +5,10 @@
     <p:sldMasterId id="2147483768" r:id="rId1"/>
   </p:sldMasterIdLst>
   <p:notesMasterIdLst>
-    <p:notesMasterId r:id="rId19"/>
+    <p:notesMasterId r:id="rId20"/>
   </p:notesMasterIdLst>
   <p:handoutMasterIdLst>
-    <p:handoutMasterId r:id="rId20"/>
+    <p:handoutMasterId r:id="rId21"/>
   </p:handoutMasterIdLst>
   <p:sldIdLst>
     <p:sldId id="3825" r:id="rId2"/>
@@ -24,10 +24,11 @@
     <p:sldId id="3841" r:id="rId12"/>
     <p:sldId id="3843" r:id="rId13"/>
     <p:sldId id="3844" r:id="rId14"/>
-    <p:sldId id="3845" r:id="rId15"/>
-    <p:sldId id="3836" r:id="rId16"/>
-    <p:sldId id="3837" r:id="rId17"/>
-    <p:sldId id="3834" r:id="rId18"/>
+    <p:sldId id="3846" r:id="rId15"/>
+    <p:sldId id="3845" r:id="rId16"/>
+    <p:sldId id="3836" r:id="rId17"/>
+    <p:sldId id="3837" r:id="rId18"/>
+    <p:sldId id="3834" r:id="rId19"/>
   </p:sldIdLst>
   <p:sldSz cx="12192000" cy="6858000"/>
   <p:notesSz cx="6858000" cy="9144000"/>
@@ -1412,7 +1413,7 @@
           <a:bodyPr/>
           <a:lstStyle/>
           <a:p>
-            <a:pPr lvl="0" rtl="0">
+            <a:pPr lvl="0">
               <a:defRPr/>
             </a:pPr>
             <a:endParaRPr lang="ko-KR" altLang="en-US">
@@ -1429,7 +1430,7 @@
             <a:spLocks noGrp="1"/>
           </p:cNvSpPr>
           <p:nvPr>
-            <p:ph type="sldNum" sz="quarter" idx="5"/>
+            <p:ph type="sldNum" sz="quarter" idx="10"/>
           </p:nvPr>
         </p:nvSpPr>
         <p:spPr/>
@@ -1458,6 +1459,11 @@
         </p:txBody>
       </p:sp>
     </p:spTree>
+    <p:extLst>
+      <p:ext uri="{BB962C8B-B14F-4D97-AF65-F5344CB8AC3E}">
+        <p14:creationId xmlns:p14="http://schemas.microsoft.com/office/powerpoint/2010/main" val="3725681181"/>
+      </p:ext>
+    </p:extLst>
   </p:cSld>
   <p:clrMapOvr>
     <a:masterClrMapping/>
@@ -1509,7 +1515,7 @@
           <a:bodyPr/>
           <a:lstStyle/>
           <a:p>
-            <a:pPr lvl="0">
+            <a:pPr lvl="0" rtl="0">
               <a:defRPr/>
             </a:pPr>
             <a:endParaRPr lang="ko-KR" altLang="en-US">
@@ -1526,7 +1532,7 @@
             <a:spLocks noGrp="1"/>
           </p:cNvSpPr>
           <p:nvPr>
-            <p:ph type="sldNum" sz="quarter" idx="10"/>
+            <p:ph type="sldNum" sz="quarter" idx="5"/>
           </p:nvPr>
         </p:nvSpPr>
         <p:spPr/>
@@ -1703,7 +1709,7 @@
           <a:bodyPr/>
           <a:lstStyle/>
           <a:p>
-            <a:pPr lvl="0" rtl="0">
+            <a:pPr lvl="0">
               <a:defRPr/>
             </a:pPr>
             <a:endParaRPr lang="ko-KR" altLang="en-US">
@@ -1720,7 +1726,7 @@
             <a:spLocks noGrp="1"/>
           </p:cNvSpPr>
           <p:nvPr>
-            <p:ph type="sldNum" sz="quarter" idx="5"/>
+            <p:ph type="sldNum" sz="quarter" idx="10"/>
           </p:nvPr>
         </p:nvSpPr>
         <p:spPr/>
@@ -1740,6 +1746,103 @@
                 <a:defRPr/>
               </a:pPr>
               <a:t>17</a:t>
+            </a:fld>
+            <a:endParaRPr lang="en-US" altLang="ko-KR">
+              <a:latin typeface="+mj-ea"/>
+              <a:ea typeface="+mj-ea"/>
+            </a:endParaRPr>
+          </a:p>
+        </p:txBody>
+      </p:sp>
+    </p:spTree>
+  </p:cSld>
+  <p:clrMapOvr>
+    <a:masterClrMapping/>
+  </p:clrMapOvr>
+</p:notes>
+</file>
+
+<file path=ppt/notesSlides/notesSlide18.xml><?xml version="1.0" encoding="utf-8"?>
+<p:notes xmlns:a="http://schemas.openxmlformats.org/drawingml/2006/main" xmlns:r="http://schemas.openxmlformats.org/officeDocument/2006/relationships" xmlns:p="http://schemas.openxmlformats.org/presentationml/2006/main">
+  <p:cSld>
+    <p:spTree>
+      <p:nvGrpSpPr>
+        <p:cNvPr id="1" name=""/>
+        <p:cNvGrpSpPr/>
+        <p:nvPr/>
+      </p:nvGrpSpPr>
+      <p:grpSpPr>
+        <a:xfrm>
+          <a:off x="0" y="0"/>
+          <a:ext cx="0" cy="0"/>
+          <a:chOff x="0" y="0"/>
+          <a:chExt cx="0" cy="0"/>
+        </a:xfrm>
+      </p:grpSpPr>
+      <p:sp>
+        <p:nvSpPr>
+          <p:cNvPr id="2" name="슬라이드 이미지 개체 틀 1"/>
+          <p:cNvSpPr>
+            <a:spLocks noGrp="1" noRot="1" noChangeAspect="1" noTextEdit="1"/>
+          </p:cNvSpPr>
+          <p:nvPr>
+            <p:ph type="sldImg"/>
+          </p:nvPr>
+        </p:nvSpPr>
+        <p:spPr/>
+      </p:sp>
+      <p:sp>
+        <p:nvSpPr>
+          <p:cNvPr id="3" name="슬라이드 노트 개체 틀 2"/>
+          <p:cNvSpPr>
+            <a:spLocks noGrp="1"/>
+          </p:cNvSpPr>
+          <p:nvPr>
+            <p:ph type="body" idx="1"/>
+          </p:nvPr>
+        </p:nvSpPr>
+        <p:spPr/>
+        <p:txBody>
+          <a:bodyPr/>
+          <a:lstStyle/>
+          <a:p>
+            <a:pPr lvl="0" rtl="0">
+              <a:defRPr/>
+            </a:pPr>
+            <a:endParaRPr lang="ko-KR" altLang="en-US">
+              <a:latin typeface="+mj-ea"/>
+              <a:ea typeface="+mj-ea"/>
+            </a:endParaRPr>
+          </a:p>
+        </p:txBody>
+      </p:sp>
+      <p:sp>
+        <p:nvSpPr>
+          <p:cNvPr id="4" name="슬라이드 번호 개체 틀 3"/>
+          <p:cNvSpPr>
+            <a:spLocks noGrp="1"/>
+          </p:cNvSpPr>
+          <p:nvPr>
+            <p:ph type="sldNum" sz="quarter" idx="5"/>
+          </p:nvPr>
+        </p:nvSpPr>
+        <p:spPr/>
+        <p:txBody>
+          <a:bodyPr/>
+          <a:lstStyle/>
+          <a:p>
+            <a:pPr lvl="0" rtl="0">
+              <a:defRPr/>
+            </a:pPr>
+            <a:fld id="{D40C6A29-4676-420C-BBE3-ACC2B80F64D4}" type="slidenum">
+              <a:rPr lang="en-US" altLang="ko-KR">
+                <a:latin typeface="+mj-ea"/>
+                <a:ea typeface="+mj-ea"/>
+              </a:rPr>
+              <a:pPr lvl="0" rtl="0">
+                <a:defRPr/>
+              </a:pPr>
+              <a:t>18</a:t>
             </a:fld>
             <a:endParaRPr lang="en-US" altLang="ko-KR">
               <a:latin typeface="+mj-ea"/>
@@ -15171,7 +15274,7 @@
     <mc:Choice Requires="p14">
       <p:transition/>
     </mc:Choice>
-    <mc:Fallback xmlns:dsp="http://schemas.microsoft.com/office/drawing/2008/diagram" xmlns:dgm="http://schemas.openxmlformats.org/drawingml/2006/diagram" xmlns:c="http://schemas.openxmlformats.org/drawingml/2006/chart" xmlns="">
+    <mc:Fallback xmlns="" xmlns:c="http://schemas.openxmlformats.org/drawingml/2006/chart" xmlns:dgm="http://schemas.openxmlformats.org/drawingml/2006/diagram" xmlns:dsp="http://schemas.microsoft.com/office/drawing/2008/diagram">
       <p:transition/>
     </mc:Fallback>
   </mc:AlternateContent>
@@ -17417,6 +17520,91 @@
       </p:grpSpPr>
       <p:sp>
         <p:nvSpPr>
+          <p:cNvPr id="2" name="제목 1">
+            <a:extLst>
+              <a:ext uri="{FF2B5EF4-FFF2-40B4-BE49-F238E27FC236}">
+                <a16:creationId xmlns:a16="http://schemas.microsoft.com/office/drawing/2014/main" id="{1EFC037F-9B04-45A9-8AE6-A8517884947F}"/>
+              </a:ext>
+            </a:extLst>
+          </p:cNvPr>
+          <p:cNvSpPr>
+            <a:spLocks noGrp="1"/>
+          </p:cNvSpPr>
+          <p:nvPr>
+            <p:ph type="title"/>
+          </p:nvPr>
+        </p:nvSpPr>
+        <p:spPr/>
+        <p:txBody>
+          <a:bodyPr rtlCol="0"/>
+          <a:lstStyle/>
+          <a:p>
+            <a:pPr rtl="0"/>
+            <a:r>
+              <a:rPr lang="en-US" altLang="ko-KR" dirty="0">
+                <a:solidFill>
+                  <a:srgbClr val="FFFFFF"/>
+                </a:solidFill>
+              </a:rPr>
+              <a:t>3</a:t>
+            </a:r>
+            <a:r>
+              <a:rPr lang="en-US" altLang="ko-KR" dirty="0">
+                <a:solidFill>
+                  <a:srgbClr val="FFFFFF"/>
+                </a:solidFill>
+                <a:latin typeface="맑은 고딕" panose="020B0503020000020004" pitchFamily="50" charset="-127"/>
+                <a:ea typeface="맑은 고딕" panose="020B0503020000020004" pitchFamily="50" charset="-127"/>
+              </a:rPr>
+              <a:t>. </a:t>
+            </a:r>
+            <a:r>
+              <a:rPr lang="ko-KR" altLang="en-US" dirty="0">
+                <a:solidFill>
+                  <a:srgbClr val="FFFFFF"/>
+                </a:solidFill>
+              </a:rPr>
+              <a:t>체크리스트</a:t>
+            </a:r>
+            <a:endParaRPr lang="ko-KR" altLang="en-US" dirty="0">
+              <a:latin typeface="맑은 고딕" panose="020B0503020000020004" pitchFamily="50" charset="-127"/>
+              <a:ea typeface="맑은 고딕" panose="020B0503020000020004" pitchFamily="50" charset="-127"/>
+            </a:endParaRPr>
+          </a:p>
+        </p:txBody>
+      </p:sp>
+    </p:spTree>
+    <p:extLst>
+      <p:ext uri="{BB962C8B-B14F-4D97-AF65-F5344CB8AC3E}">
+        <p14:creationId xmlns:p14="http://schemas.microsoft.com/office/powerpoint/2010/main" val="533605142"/>
+      </p:ext>
+    </p:extLst>
+  </p:cSld>
+  <p:clrMapOvr>
+    <a:masterClrMapping/>
+  </p:clrMapOvr>
+</p:sld>
+</file>
+
+<file path=ppt/slides/slide15.xml><?xml version="1.0" encoding="utf-8"?>
+<p:sld xmlns:a="http://schemas.openxmlformats.org/drawingml/2006/main" xmlns:r="http://schemas.openxmlformats.org/officeDocument/2006/relationships" xmlns:p="http://schemas.openxmlformats.org/presentationml/2006/main">
+  <p:cSld>
+    <p:spTree>
+      <p:nvGrpSpPr>
+        <p:cNvPr id="1" name=""/>
+        <p:cNvGrpSpPr/>
+        <p:nvPr/>
+      </p:nvGrpSpPr>
+      <p:grpSpPr>
+        <a:xfrm>
+          <a:off x="0" y="0"/>
+          <a:ext cx="0" cy="0"/>
+          <a:chOff x="0" y="0"/>
+          <a:chExt cx="0" cy="0"/>
+        </a:xfrm>
+      </p:grpSpPr>
+      <p:sp>
+        <p:nvSpPr>
           <p:cNvPr id="2" name="제목 1"/>
           <p:cNvSpPr>
             <a:spLocks noGrp="1"/>
@@ -17434,31 +17622,22 @@
               <a:defRPr/>
             </a:pPr>
             <a:r>
-              <a:rPr lang="en-US" altLang="ko-KR">
+              <a:rPr lang="en-US" altLang="ko-KR" dirty="0">
+                <a:latin typeface="맑은 고딕"/>
+                <a:ea typeface="맑은 고딕"/>
+              </a:rPr>
+              <a:t>3</a:t>
+            </a:r>
+            <a:r>
+              <a:rPr lang="en-US" altLang="ko-KR" dirty="0">
                 <a:latin typeface="맑은 고딕"/>
                 <a:ea typeface="맑은 고딕"/>
                 <a:cs typeface="+mj-cs"/>
               </a:rPr>
-              <a:t>2. </a:t>
-            </a:r>
-            <a:r>
-              <a:rPr lang="ko-KR" altLang="en-US">
-                <a:latin typeface="맑은 고딕"/>
-                <a:ea typeface="맑은 고딕"/>
-                <a:cs typeface="+mj-cs"/>
-              </a:rPr>
-              <a:t>구현 화면 </a:t>
-            </a:r>
-            <a:r>
-              <a:rPr lang="en-US" altLang="ko-KR">
-                <a:latin typeface="맑은 고딕"/>
-                <a:ea typeface="맑은 고딕"/>
-                <a:cs typeface="+mj-cs"/>
-              </a:rPr>
-              <a:t>- </a:t>
-            </a:r>
-            <a:r>
-              <a:rPr lang="ko-KR" altLang="en-US"/>
+              <a:t>. </a:t>
+            </a:r>
+            <a:r>
+              <a:rPr lang="ko-KR" altLang="en-US" dirty="0"/>
               <a:t>체크리스트</a:t>
             </a:r>
           </a:p>
@@ -17862,7 +18041,7 @@
               <a:pPr lvl="0">
                 <a:defRPr/>
               </a:pPr>
-              <a:t>14</a:t>
+              <a:t>15</a:t>
             </a:fld>
             <a:endParaRPr lang="en-US" altLang="ko-KR">
               <a:solidFill>
@@ -17955,97 +18134,10 @@
     <mc:Choice Requires="p14">
       <p:transition/>
     </mc:Choice>
-    <mc:Fallback xmlns:dsp="http://schemas.microsoft.com/office/drawing/2008/diagram" xmlns:dgm="http://schemas.openxmlformats.org/drawingml/2006/diagram" xmlns:c="http://schemas.openxmlformats.org/drawingml/2006/chart" xmlns="">
+    <mc:Fallback xmlns="" xmlns:c="http://schemas.openxmlformats.org/drawingml/2006/chart" xmlns:dgm="http://schemas.openxmlformats.org/drawingml/2006/diagram" xmlns:dsp="http://schemas.microsoft.com/office/drawing/2008/diagram">
       <p:transition/>
     </mc:Fallback>
   </mc:AlternateContent>
-</p:sld>
-</file>
-
-<file path=ppt/slides/slide15.xml><?xml version="1.0" encoding="utf-8"?>
-<p:sld xmlns:a="http://schemas.openxmlformats.org/drawingml/2006/main" xmlns:r="http://schemas.openxmlformats.org/officeDocument/2006/relationships" xmlns:p="http://schemas.openxmlformats.org/presentationml/2006/main">
-  <p:cSld>
-    <p:spTree>
-      <p:nvGrpSpPr>
-        <p:cNvPr id="1" name=""/>
-        <p:cNvGrpSpPr/>
-        <p:nvPr/>
-      </p:nvGrpSpPr>
-      <p:grpSpPr>
-        <a:xfrm>
-          <a:off x="0" y="0"/>
-          <a:ext cx="0" cy="0"/>
-          <a:chOff x="0" y="0"/>
-          <a:chExt cx="0" cy="0"/>
-        </a:xfrm>
-      </p:grpSpPr>
-      <p:sp>
-        <p:nvSpPr>
-          <p:cNvPr id="2" name="제목 1">
-            <a:extLst>
-              <a:ext uri="{FF2B5EF4-FFF2-40B4-BE49-F238E27FC236}">
-                <a16:creationId xmlns:a16="http://schemas.microsoft.com/office/drawing/2014/main" id="{1EFC037F-9B04-45A9-8AE6-A8517884947F}"/>
-              </a:ext>
-            </a:extLst>
-          </p:cNvPr>
-          <p:cNvSpPr>
-            <a:spLocks noGrp="1"/>
-          </p:cNvSpPr>
-          <p:nvPr>
-            <p:ph type="title"/>
-          </p:nvPr>
-        </p:nvSpPr>
-        <p:spPr/>
-        <p:txBody>
-          <a:bodyPr rtlCol="0"/>
-          <a:lstStyle/>
-          <a:p>
-            <a:pPr rtl="0"/>
-            <a:r>
-              <a:rPr lang="en-US" altLang="ko-KR" dirty="0">
-                <a:solidFill>
-                  <a:srgbClr val="FFFFFF"/>
-                </a:solidFill>
-              </a:rPr>
-              <a:t>3</a:t>
-            </a:r>
-            <a:r>
-              <a:rPr lang="en-US" altLang="ko-KR" dirty="0">
-                <a:solidFill>
-                  <a:srgbClr val="FFFFFF"/>
-                </a:solidFill>
-                <a:latin typeface="맑은 고딕" panose="020B0503020000020004" pitchFamily="50" charset="-127"/>
-                <a:ea typeface="맑은 고딕" panose="020B0503020000020004" pitchFamily="50" charset="-127"/>
-              </a:rPr>
-              <a:t>. </a:t>
-            </a:r>
-            <a:r>
-              <a:rPr lang="ko-KR" altLang="en-US" dirty="0">
-                <a:solidFill>
-                  <a:srgbClr val="FFFFFF"/>
-                </a:solidFill>
-                <a:latin typeface="맑은 고딕" panose="020B0503020000020004" pitchFamily="50" charset="-127"/>
-                <a:ea typeface="맑은 고딕" panose="020B0503020000020004" pitchFamily="50" charset="-127"/>
-              </a:rPr>
-              <a:t>시연</a:t>
-            </a:r>
-            <a:endParaRPr lang="ko-KR" altLang="en-US" dirty="0">
-              <a:latin typeface="맑은 고딕" panose="020B0503020000020004" pitchFamily="50" charset="-127"/>
-              <a:ea typeface="맑은 고딕" panose="020B0503020000020004" pitchFamily="50" charset="-127"/>
-            </a:endParaRPr>
-          </a:p>
-        </p:txBody>
-      </p:sp>
-    </p:spTree>
-    <p:extLst>
-      <p:ext uri="{BB962C8B-B14F-4D97-AF65-F5344CB8AC3E}">
-        <p14:creationId xmlns:p14="http://schemas.microsoft.com/office/powerpoint/2010/main" val="2332084726"/>
-      </p:ext>
-    </p:extLst>
-  </p:cSld>
-  <p:clrMapOvr>
-    <a:masterClrMapping/>
-  </p:clrMapOvr>
 </p:sld>
 </file>
 
@@ -18111,8 +18203,10 @@
                 <a:solidFill>
                   <a:srgbClr val="FFFFFF"/>
                 </a:solidFill>
+                <a:latin typeface="맑은 고딕" panose="020B0503020000020004" pitchFamily="50" charset="-127"/>
+                <a:ea typeface="맑은 고딕" panose="020B0503020000020004" pitchFamily="50" charset="-127"/>
               </a:rPr>
-              <a:t>질의 응답</a:t>
+              <a:t>시연</a:t>
             </a:r>
             <a:endParaRPr lang="ko-KR" altLang="en-US" dirty="0">
               <a:latin typeface="맑은 고딕" panose="020B0503020000020004" pitchFamily="50" charset="-127"/>
@@ -18124,7 +18218,7 @@
     </p:spTree>
     <p:extLst>
       <p:ext uri="{BB962C8B-B14F-4D97-AF65-F5344CB8AC3E}">
-        <p14:creationId xmlns:p14="http://schemas.microsoft.com/office/powerpoint/2010/main" val="95136974"/>
+        <p14:creationId xmlns:p14="http://schemas.microsoft.com/office/powerpoint/2010/main" val="2332084726"/>
       </p:ext>
     </p:extLst>
   </p:cSld>
@@ -18156,6 +18250,83 @@
           <p:cNvPr id="2" name="제목 1">
             <a:extLst>
               <a:ext uri="{FF2B5EF4-FFF2-40B4-BE49-F238E27FC236}">
+                <a16:creationId xmlns:a16="http://schemas.microsoft.com/office/drawing/2014/main" id="{1EFC037F-9B04-45A9-8AE6-A8517884947F}"/>
+              </a:ext>
+            </a:extLst>
+          </p:cNvPr>
+          <p:cNvSpPr>
+            <a:spLocks noGrp="1"/>
+          </p:cNvSpPr>
+          <p:nvPr>
+            <p:ph type="title"/>
+          </p:nvPr>
+        </p:nvSpPr>
+        <p:spPr/>
+        <p:txBody>
+          <a:bodyPr rtlCol="0"/>
+          <a:lstStyle/>
+          <a:p>
+            <a:pPr rtl="0"/>
+            <a:r>
+              <a:rPr lang="en-US" altLang="ko-KR" dirty="0">
+                <a:solidFill>
+                  <a:srgbClr val="FFFFFF"/>
+                </a:solidFill>
+                <a:latin typeface="맑은 고딕" panose="020B0503020000020004" pitchFamily="50" charset="-127"/>
+                <a:ea typeface="맑은 고딕" panose="020B0503020000020004" pitchFamily="50" charset="-127"/>
+              </a:rPr>
+              <a:t>5. </a:t>
+            </a:r>
+            <a:r>
+              <a:rPr lang="ko-KR" altLang="en-US" dirty="0">
+                <a:solidFill>
+                  <a:srgbClr val="FFFFFF"/>
+                </a:solidFill>
+              </a:rPr>
+              <a:t>질의 응답</a:t>
+            </a:r>
+            <a:endParaRPr lang="ko-KR" altLang="en-US" dirty="0">
+              <a:latin typeface="맑은 고딕" panose="020B0503020000020004" pitchFamily="50" charset="-127"/>
+              <a:ea typeface="맑은 고딕" panose="020B0503020000020004" pitchFamily="50" charset="-127"/>
+            </a:endParaRPr>
+          </a:p>
+        </p:txBody>
+      </p:sp>
+    </p:spTree>
+    <p:extLst>
+      <p:ext uri="{BB962C8B-B14F-4D97-AF65-F5344CB8AC3E}">
+        <p14:creationId xmlns:p14="http://schemas.microsoft.com/office/powerpoint/2010/main" val="95136974"/>
+      </p:ext>
+    </p:extLst>
+  </p:cSld>
+  <p:clrMapOvr>
+    <a:masterClrMapping/>
+  </p:clrMapOvr>
+</p:sld>
+</file>
+
+<file path=ppt/slides/slide18.xml><?xml version="1.0" encoding="utf-8"?>
+<p:sld xmlns:a="http://schemas.openxmlformats.org/drawingml/2006/main" xmlns:r="http://schemas.openxmlformats.org/officeDocument/2006/relationships" xmlns:p="http://schemas.openxmlformats.org/presentationml/2006/main">
+  <p:cSld>
+    <p:spTree>
+      <p:nvGrpSpPr>
+        <p:cNvPr id="1" name=""/>
+        <p:cNvGrpSpPr/>
+        <p:nvPr/>
+      </p:nvGrpSpPr>
+      <p:grpSpPr>
+        <a:xfrm>
+          <a:off x="0" y="0"/>
+          <a:ext cx="0" cy="0"/>
+          <a:chOff x="0" y="0"/>
+          <a:chExt cx="0" cy="0"/>
+        </a:xfrm>
+      </p:grpSpPr>
+      <p:sp>
+        <p:nvSpPr>
+          <p:cNvPr id="2" name="제목 1">
+            <a:extLst>
+              <a:ext uri="{FF2B5EF4-FFF2-40B4-BE49-F238E27FC236}">
                 <a16:creationId xmlns:a16="http://schemas.microsoft.com/office/drawing/2014/main" id="{659706C9-F26D-46CA-93BF-8C27012F6B12}"/>
               </a:ext>
             </a:extLst>
@@ -18679,7 +18850,7 @@
               <a:pPr>
                 <a:defRPr/>
               </a:pPr>
-              <a:t>17</a:t>
+              <a:t>18</a:t>
             </a:fld>
             <a:endParaRPr lang="ko-KR" altLang="en-US" dirty="0">
               <a:solidFill>
@@ -18813,6 +18984,20 @@
               <a:rPr lang="ko-KR" altLang="en-US" dirty="0"/>
               <a:t> 구현 화면</a:t>
             </a:r>
+            <a:endParaRPr lang="en-US" altLang="ko-KR" dirty="0"/>
+          </a:p>
+          <a:p>
+            <a:pPr marL="0" indent="0" rtl="0">
+              <a:buNone/>
+            </a:pPr>
+            <a:r>
+              <a:rPr lang="en-US" altLang="ko-KR" dirty="0"/>
+              <a:t>3. </a:t>
+            </a:r>
+            <a:r>
+              <a:rPr lang="ko-KR" altLang="en-US" dirty="0"/>
+              <a:t>체크 리스트</a:t>
+            </a:r>
             <a:endParaRPr lang="en-US" altLang="ko-KR" dirty="0">
               <a:latin typeface="맑은 고딕" panose="020B0503020000020004" pitchFamily="50" charset="-127"/>
               <a:ea typeface="맑은 고딕" panose="020B0503020000020004" pitchFamily="50" charset="-127"/>
@@ -18824,7 +19009,7 @@
             </a:pPr>
             <a:r>
               <a:rPr lang="en-US" altLang="ko-KR" dirty="0"/>
-              <a:t>3.</a:t>
+              <a:t>4.</a:t>
             </a:r>
             <a:r>
               <a:rPr lang="ko-KR" altLang="en-US" dirty="0"/>
@@ -18841,7 +19026,7 @@
             </a:pPr>
             <a:r>
               <a:rPr lang="en-US" altLang="ko-KR" dirty="0"/>
-              <a:t>4.</a:t>
+              <a:t>5.</a:t>
             </a:r>
             <a:r>
               <a:rPr lang="ko-KR" altLang="en-US" dirty="0"/>
